--- a/GenesisとGo-1でsim2realを試す.pptx
+++ b/GenesisとGo-1でsim2realを試す.pptx
@@ -16,21 +16,22 @@
     <p:sldId id="261" r:id="rId11"/>
     <p:sldId id="262" r:id="rId12"/>
     <p:sldId id="263" r:id="rId13"/>
+    <p:sldId id="264" r:id="rId14"/>
   </p:sldIdLst>
   <p:sldSz cy="5143500" cx="9144000"/>
   <p:notesSz cx="6858000" cy="9144000"/>
   <p:embeddedFontLst>
     <p:embeddedFont>
       <p:font typeface="Nunito"/>
-      <p:regular r:id="rId14"/>
-      <p:bold r:id="rId15"/>
-      <p:italic r:id="rId16"/>
-      <p:boldItalic r:id="rId17"/>
+      <p:regular r:id="rId15"/>
+      <p:bold r:id="rId16"/>
+      <p:italic r:id="rId17"/>
+      <p:boldItalic r:id="rId18"/>
     </p:embeddedFont>
     <p:embeddedFont>
       <p:font typeface="Maven Pro"/>
-      <p:regular r:id="rId18"/>
-      <p:bold r:id="rId19"/>
+      <p:regular r:id="rId19"/>
+      <p:bold r:id="rId20"/>
     </p:embeddedFont>
   </p:embeddedFontLst>
   <p:defaultTextStyle>
@@ -1009,7 +1010,7 @@
   <p:cSld>
     <p:spTree>
       <p:nvGrpSpPr>
-        <p:cNvPr id="293" name="Shape 293"/>
+        <p:cNvPr id="294" name="Shape 294"/>
         <p:cNvGrpSpPr/>
         <p:nvPr/>
       </p:nvGrpSpPr>
@@ -1023,7 +1024,7 @@
       </p:grpSpPr>
       <p:sp>
         <p:nvSpPr>
-          <p:cNvPr id="294" name="Google Shape;294;g335d5066c03_0_282:notes"/>
+          <p:cNvPr id="295" name="Google Shape;295;g335d5066c03_0_282:notes"/>
           <p:cNvSpPr/>
           <p:nvPr>
             <p:ph idx="2" type="sldImg"/>
@@ -1058,7 +1059,7 @@
       </p:sp>
       <p:sp>
         <p:nvSpPr>
-          <p:cNvPr id="295" name="Google Shape;295;g335d5066c03_0_282:notes"/>
+          <p:cNvPr id="296" name="Google Shape;296;g335d5066c03_0_282:notes"/>
           <p:cNvSpPr txBox="1"/>
           <p:nvPr>
             <p:ph idx="1" type="body"/>
@@ -1108,7 +1109,7 @@
   <p:cSld>
     <p:spTree>
       <p:nvGrpSpPr>
-        <p:cNvPr id="312" name="Shape 312"/>
+        <p:cNvPr id="314" name="Shape 314"/>
         <p:cNvGrpSpPr/>
         <p:nvPr/>
       </p:nvGrpSpPr>
@@ -1122,7 +1123,7 @@
       </p:grpSpPr>
       <p:sp>
         <p:nvSpPr>
-          <p:cNvPr id="313" name="Google Shape;313;g335d5066c03_0_312:notes"/>
+          <p:cNvPr id="315" name="Google Shape;315;g335d5066c03_0_312:notes"/>
           <p:cNvSpPr/>
           <p:nvPr>
             <p:ph idx="2" type="sldImg"/>
@@ -1157,7 +1158,7 @@
       </p:sp>
       <p:sp>
         <p:nvSpPr>
-          <p:cNvPr id="314" name="Google Shape;314;g335d5066c03_0_312:notes"/>
+          <p:cNvPr id="316" name="Google Shape;316;g335d5066c03_0_312:notes"/>
           <p:cNvSpPr txBox="1"/>
           <p:nvPr>
             <p:ph idx="1" type="body"/>
@@ -1207,7 +1208,7 @@
   <p:cSld>
     <p:spTree>
       <p:nvGrpSpPr>
-        <p:cNvPr id="333" name="Shape 333"/>
+        <p:cNvPr id="338" name="Shape 338"/>
         <p:cNvGrpSpPr/>
         <p:nvPr/>
       </p:nvGrpSpPr>
@@ -1221,7 +1222,7 @@
       </p:grpSpPr>
       <p:sp>
         <p:nvSpPr>
-          <p:cNvPr id="334" name="Google Shape;334;g335d5066c03_0_361:notes"/>
+          <p:cNvPr id="339" name="Google Shape;339;g335d5066c03_0_361:notes"/>
           <p:cNvSpPr/>
           <p:nvPr>
             <p:ph idx="2" type="sldImg"/>
@@ -1256,7 +1257,7 @@
       </p:sp>
       <p:sp>
         <p:nvSpPr>
-          <p:cNvPr id="335" name="Google Shape;335;g335d5066c03_0_361:notes"/>
+          <p:cNvPr id="340" name="Google Shape;340;g335d5066c03_0_361:notes"/>
           <p:cNvSpPr txBox="1"/>
           <p:nvPr>
             <p:ph idx="1" type="body"/>
@@ -1306,7 +1307,7 @@
   <p:cSld>
     <p:spTree>
       <p:nvGrpSpPr>
-        <p:cNvPr id="342" name="Shape 342"/>
+        <p:cNvPr id="349" name="Shape 349"/>
         <p:cNvGrpSpPr/>
         <p:nvPr/>
       </p:nvGrpSpPr>
@@ -1320,7 +1321,7 @@
       </p:grpSpPr>
       <p:sp>
         <p:nvSpPr>
-          <p:cNvPr id="343" name="Google Shape;343;g335d5066c03_0_372:notes"/>
+          <p:cNvPr id="350" name="Google Shape;350;g335d5066c03_0_372:notes"/>
           <p:cNvSpPr/>
           <p:nvPr>
             <p:ph idx="2" type="sldImg"/>
@@ -1355,7 +1356,7 @@
       </p:sp>
       <p:sp>
         <p:nvSpPr>
-          <p:cNvPr id="344" name="Google Shape;344;g335d5066c03_0_372:notes"/>
+          <p:cNvPr id="351" name="Google Shape;351;g335d5066c03_0_372:notes"/>
           <p:cNvSpPr txBox="1"/>
           <p:nvPr>
             <p:ph idx="1" type="body"/>
@@ -1405,7 +1406,7 @@
   <p:cSld>
     <p:spTree>
       <p:nvGrpSpPr>
-        <p:cNvPr id="360" name="Shape 360"/>
+        <p:cNvPr id="368" name="Shape 368"/>
         <p:cNvGrpSpPr/>
         <p:nvPr/>
       </p:nvGrpSpPr>
@@ -1419,7 +1420,7 @@
       </p:grpSpPr>
       <p:sp>
         <p:nvSpPr>
-          <p:cNvPr id="361" name="Google Shape;361;g335d5066c03_0_391:notes"/>
+          <p:cNvPr id="369" name="Google Shape;369;g3388cfffe5f_0_5:notes"/>
           <p:cNvSpPr/>
           <p:nvPr>
             <p:ph idx="2" type="sldImg"/>
@@ -1454,7 +1455,106 @@
       </p:sp>
       <p:sp>
         <p:nvSpPr>
-          <p:cNvPr id="362" name="Google Shape;362;g335d5066c03_0_391:notes"/>
+          <p:cNvPr id="370" name="Google Shape;370;g3388cfffe5f_0_5:notes"/>
+          <p:cNvSpPr txBox="1"/>
+          <p:nvPr>
+            <p:ph idx="1" type="body"/>
+          </p:nvPr>
+        </p:nvSpPr>
+        <p:spPr>
+          <a:xfrm>
+            <a:off x="685800" y="4343400"/>
+            <a:ext cx="5486400" cy="4114800"/>
+          </a:xfrm>
+          <a:prstGeom prst="rect">
+            <a:avLst/>
+          </a:prstGeom>
+        </p:spPr>
+        <p:txBody>
+          <a:bodyPr anchorCtr="0" anchor="t" bIns="91425" lIns="91425" spcFirstLastPara="1" rIns="91425" wrap="square" tIns="91425">
+            <a:noAutofit/>
+          </a:bodyPr>
+          <a:lstStyle/>
+          <a:p>
+            <a:pPr indent="0" lvl="0" marL="0" rtl="0" algn="l">
+              <a:spcBef>
+                <a:spcPts val="0"/>
+              </a:spcBef>
+              <a:spcAft>
+                <a:spcPts val="0"/>
+              </a:spcAft>
+              <a:buNone/>
+            </a:pPr>
+            <a:r>
+              <a:t/>
+            </a:r>
+            <a:endParaRPr/>
+          </a:p>
+        </p:txBody>
+      </p:sp>
+    </p:spTree>
+  </p:cSld>
+  <p:clrMapOvr>
+    <a:masterClrMapping/>
+  </p:clrMapOvr>
+</p:notes>
+</file>
+
+<file path=ppt/notesSlides/notesSlide9.xml><?xml version="1.0" encoding="utf-8"?>
+<p:notes xmlns:a="http://schemas.openxmlformats.org/drawingml/2006/main" xmlns:r="http://schemas.openxmlformats.org/officeDocument/2006/relationships" xmlns:mc="http://schemas.openxmlformats.org/markup-compatibility/2006" xmlns:mv="urn:schemas-microsoft-com:mac:vml" xmlns:p="http://schemas.openxmlformats.org/presentationml/2006/main" xmlns:c="http://schemas.openxmlformats.org/drawingml/2006/chart" xmlns:dgm="http://schemas.openxmlformats.org/drawingml/2006/diagram" xmlns:o="urn:schemas-microsoft-com:office:office" xmlns:v="urn:schemas-microsoft-com:vml" xmlns:pvml="urn:schemas-microsoft-com:office:powerpoint" xmlns:com="http://schemas.openxmlformats.org/drawingml/2006/compatibility" xmlns:p14="http://schemas.microsoft.com/office/powerpoint/2010/main" xmlns:p15="http://schemas.microsoft.com/office/powerpoint/2012/main" xmlns:ahyp="http://schemas.microsoft.com/office/drawing/2018/hyperlinkcolor" showMasterPhAnim="0" showMasterSp="0">
+  <p:cSld>
+    <p:spTree>
+      <p:nvGrpSpPr>
+        <p:cNvPr id="394" name="Shape 394"/>
+        <p:cNvGrpSpPr/>
+        <p:nvPr/>
+      </p:nvGrpSpPr>
+      <p:grpSpPr>
+        <a:xfrm>
+          <a:off x="0" y="0"/>
+          <a:ext cx="0" cy="0"/>
+          <a:chOff x="0" y="0"/>
+          <a:chExt cx="0" cy="0"/>
+        </a:xfrm>
+      </p:grpSpPr>
+      <p:sp>
+        <p:nvSpPr>
+          <p:cNvPr id="395" name="Google Shape;395;g335d5066c03_0_391:notes"/>
+          <p:cNvSpPr/>
+          <p:nvPr>
+            <p:ph idx="2" type="sldImg"/>
+          </p:nvPr>
+        </p:nvSpPr>
+        <p:spPr>
+          <a:xfrm>
+            <a:off x="381300" y="685800"/>
+            <a:ext cx="6096000" cy="3429000"/>
+          </a:xfrm>
+          <a:custGeom>
+            <a:rect b="b" l="l" r="r" t="t"/>
+            <a:pathLst>
+              <a:path extrusionOk="0" h="120000" w="120000">
+                <a:moveTo>
+                  <a:pt x="0" y="0"/>
+                </a:moveTo>
+                <a:lnTo>
+                  <a:pt x="120000" y="0"/>
+                </a:lnTo>
+                <a:lnTo>
+                  <a:pt x="120000" y="120000"/>
+                </a:lnTo>
+                <a:lnTo>
+                  <a:pt x="0" y="120000"/>
+                </a:lnTo>
+                <a:close/>
+              </a:path>
+            </a:pathLst>
+          </a:custGeom>
+        </p:spPr>
+      </p:sp>
+      <p:sp>
+        <p:nvSpPr>
+          <p:cNvPr id="396" name="Google Shape;396;g335d5066c03_0_391:notes"/>
           <p:cNvSpPr txBox="1"/>
           <p:nvPr>
             <p:ph idx="1" type="body"/>
@@ -16606,6 +16706,64 @@
           </a:p>
         </p:txBody>
       </p:sp>
+      <p:sp>
+        <p:nvSpPr>
+          <p:cNvPr id="293" name="Google Shape;293;p15"/>
+          <p:cNvSpPr txBox="1"/>
+          <p:nvPr/>
+        </p:nvSpPr>
+        <p:spPr>
+          <a:xfrm>
+            <a:off x="1877600" y="3493625"/>
+            <a:ext cx="575700" cy="384900"/>
+          </a:xfrm>
+          <a:prstGeom prst="rect">
+            <a:avLst/>
+          </a:prstGeom>
+          <a:noFill/>
+          <a:ln>
+            <a:noFill/>
+          </a:ln>
+        </p:spPr>
+        <p:txBody>
+          <a:bodyPr anchorCtr="0" anchor="t" bIns="91425" lIns="91425" spcFirstLastPara="1" rIns="91425" wrap="square" tIns="91425">
+            <a:spAutoFit/>
+          </a:bodyPr>
+          <a:lstStyle/>
+          <a:p>
+            <a:pPr indent="0" lvl="0" marL="0" rtl="0" algn="l">
+              <a:spcBef>
+                <a:spcPts val="0"/>
+              </a:spcBef>
+              <a:spcAft>
+                <a:spcPts val="0"/>
+              </a:spcAft>
+              <a:buNone/>
+            </a:pPr>
+            <a:r>
+              <a:rPr lang="ja" sz="1300">
+                <a:solidFill>
+                  <a:schemeClr val="dk2"/>
+                </a:solidFill>
+                <a:latin typeface="Nunito"/>
+                <a:ea typeface="Nunito"/>
+                <a:cs typeface="Nunito"/>
+                <a:sym typeface="Nunito"/>
+              </a:rPr>
+              <a:t>目標</a:t>
+            </a:r>
+            <a:endParaRPr sz="1300">
+              <a:solidFill>
+                <a:schemeClr val="dk2"/>
+              </a:solidFill>
+              <a:latin typeface="Nunito"/>
+              <a:ea typeface="Nunito"/>
+              <a:cs typeface="Nunito"/>
+              <a:sym typeface="Nunito"/>
+            </a:endParaRPr>
+          </a:p>
+        </p:txBody>
+      </p:sp>
     </p:spTree>
   </p:cSld>
   <p:clrMapOvr>
@@ -16619,7 +16777,7 @@
   <p:cSld>
     <p:spTree>
       <p:nvGrpSpPr>
-        <p:cNvPr id="296" name="Shape 296"/>
+        <p:cNvPr id="297" name="Shape 297"/>
         <p:cNvGrpSpPr/>
         <p:nvPr/>
       </p:nvGrpSpPr>
@@ -16633,7 +16791,7 @@
       </p:grpSpPr>
       <p:sp>
         <p:nvSpPr>
-          <p:cNvPr id="297" name="Google Shape;297;p16"/>
+          <p:cNvPr id="298" name="Google Shape;298;p16"/>
           <p:cNvSpPr txBox="1"/>
           <p:nvPr>
             <p:ph type="title"/>
@@ -16677,7 +16835,7 @@
       </p:sp>
       <p:sp>
         <p:nvSpPr>
-          <p:cNvPr id="298" name="Google Shape;298;p16"/>
+          <p:cNvPr id="299" name="Google Shape;299;p16"/>
           <p:cNvSpPr/>
           <p:nvPr/>
         </p:nvSpPr>
@@ -16725,68 +16883,6 @@
                 <a:sym typeface="Nunito"/>
               </a:rPr>
               <a:t>Go2Env　　　　　　　　　　　　　　　　</a:t>
-            </a:r>
-            <a:endParaRPr>
-              <a:latin typeface="Nunito"/>
-              <a:ea typeface="Nunito"/>
-              <a:cs typeface="Nunito"/>
-              <a:sym typeface="Nunito"/>
-            </a:endParaRPr>
-          </a:p>
-        </p:txBody>
-      </p:sp>
-      <p:sp>
-        <p:nvSpPr>
-          <p:cNvPr id="299" name="Google Shape;299;p16"/>
-          <p:cNvSpPr/>
-          <p:nvPr/>
-        </p:nvSpPr>
-        <p:spPr>
-          <a:xfrm>
-            <a:off x="6402075" y="2501800"/>
-            <a:ext cx="1501200" cy="377100"/>
-          </a:xfrm>
-          <a:prstGeom prst="roundRect">
-            <a:avLst>
-              <a:gd fmla="val 16667" name="adj"/>
-            </a:avLst>
-          </a:prstGeom>
-          <a:solidFill>
-            <a:srgbClr val="00FFFF"/>
-          </a:solidFill>
-          <a:ln cap="flat" cmpd="sng" w="9525">
-            <a:solidFill>
-              <a:schemeClr val="dk2"/>
-            </a:solidFill>
-            <a:prstDash val="solid"/>
-            <a:round/>
-            <a:headEnd len="sm" w="sm" type="none"/>
-            <a:tailEnd len="sm" w="sm" type="none"/>
-          </a:ln>
-        </p:spPr>
-        <p:txBody>
-          <a:bodyPr anchorCtr="0" anchor="ctr" bIns="91425" lIns="91425" spcFirstLastPara="1" rIns="91425" wrap="square" tIns="91425">
-            <a:noAutofit/>
-          </a:bodyPr>
-          <a:lstStyle/>
-          <a:p>
-            <a:pPr indent="0" lvl="0" marL="0" rtl="0" algn="ctr">
-              <a:spcBef>
-                <a:spcPts val="0"/>
-              </a:spcBef>
-              <a:spcAft>
-                <a:spcPts val="0"/>
-              </a:spcAft>
-              <a:buNone/>
-            </a:pPr>
-            <a:r>
-              <a:rPr lang="ja">
-                <a:latin typeface="Nunito"/>
-                <a:ea typeface="Nunito"/>
-                <a:cs typeface="Nunito"/>
-                <a:sym typeface="Nunito"/>
-              </a:rPr>
-              <a:t>SimRobot</a:t>
             </a:r>
             <a:endParaRPr>
               <a:latin typeface="Nunito"/>
@@ -17090,6 +17186,593 @@
       <p:sp>
         <p:nvSpPr>
           <p:cNvPr id="305" name="Google Shape;305;p16"/>
+          <p:cNvSpPr txBox="1"/>
+          <p:nvPr/>
+        </p:nvSpPr>
+        <p:spPr>
+          <a:xfrm>
+            <a:off x="5140125" y="2326438"/>
+            <a:ext cx="1501200" cy="384900"/>
+          </a:xfrm>
+          <a:prstGeom prst="rect">
+            <a:avLst/>
+          </a:prstGeom>
+          <a:noFill/>
+          <a:ln>
+            <a:noFill/>
+          </a:ln>
+        </p:spPr>
+        <p:txBody>
+          <a:bodyPr anchorCtr="0" anchor="t" bIns="91425" lIns="91425" spcFirstLastPara="1" rIns="91425" wrap="square" tIns="91425">
+            <a:spAutoFit/>
+          </a:bodyPr>
+          <a:lstStyle/>
+          <a:p>
+            <a:pPr indent="0" lvl="0" marL="0" rtl="0" algn="l">
+              <a:spcBef>
+                <a:spcPts val="0"/>
+              </a:spcBef>
+              <a:spcAft>
+                <a:spcPts val="0"/>
+              </a:spcAft>
+              <a:buNone/>
+            </a:pPr>
+            <a:r>
+              <a:rPr lang="ja" sz="1300">
+                <a:solidFill>
+                  <a:schemeClr val="dk2"/>
+                </a:solidFill>
+                <a:latin typeface="Nunito"/>
+                <a:ea typeface="Nunito"/>
+                <a:cs typeface="Nunito"/>
+                <a:sym typeface="Nunito"/>
+              </a:rPr>
+              <a:t>target_dof_pos</a:t>
+            </a:r>
+            <a:endParaRPr sz="1300">
+              <a:solidFill>
+                <a:schemeClr val="dk2"/>
+              </a:solidFill>
+              <a:latin typeface="Nunito"/>
+              <a:ea typeface="Nunito"/>
+              <a:cs typeface="Nunito"/>
+              <a:sym typeface="Nunito"/>
+            </a:endParaRPr>
+          </a:p>
+        </p:txBody>
+      </p:sp>
+      <p:sp>
+        <p:nvSpPr>
+          <p:cNvPr id="306" name="Google Shape;306;p16"/>
+          <p:cNvSpPr txBox="1"/>
+          <p:nvPr/>
+        </p:nvSpPr>
+        <p:spPr>
+          <a:xfrm>
+            <a:off x="3823700" y="1706250"/>
+            <a:ext cx="3947100" cy="384900"/>
+          </a:xfrm>
+          <a:prstGeom prst="rect">
+            <a:avLst/>
+          </a:prstGeom>
+          <a:noFill/>
+          <a:ln>
+            <a:noFill/>
+          </a:ln>
+        </p:spPr>
+        <p:txBody>
+          <a:bodyPr anchorCtr="0" anchor="t" bIns="91425" lIns="91425" spcFirstLastPara="1" rIns="91425" wrap="square" tIns="91425">
+            <a:spAutoFit/>
+          </a:bodyPr>
+          <a:lstStyle/>
+          <a:p>
+            <a:pPr indent="0" lvl="0" marL="0" rtl="0" algn="l">
+              <a:spcBef>
+                <a:spcPts val="0"/>
+              </a:spcBef>
+              <a:spcAft>
+                <a:spcPts val="0"/>
+              </a:spcAft>
+              <a:buNone/>
+            </a:pPr>
+            <a:r>
+              <a:t/>
+            </a:r>
+            <a:endParaRPr sz="1300">
+              <a:solidFill>
+                <a:schemeClr val="dk2"/>
+              </a:solidFill>
+              <a:latin typeface="Nunito"/>
+              <a:ea typeface="Nunito"/>
+              <a:cs typeface="Nunito"/>
+              <a:sym typeface="Nunito"/>
+            </a:endParaRPr>
+          </a:p>
+        </p:txBody>
+      </p:sp>
+      <p:sp>
+        <p:nvSpPr>
+          <p:cNvPr id="307" name="Google Shape;307;p16"/>
+          <p:cNvSpPr txBox="1"/>
+          <p:nvPr/>
+        </p:nvSpPr>
+        <p:spPr>
+          <a:xfrm>
+            <a:off x="4022425" y="1706250"/>
+            <a:ext cx="2843700" cy="384900"/>
+          </a:xfrm>
+          <a:prstGeom prst="rect">
+            <a:avLst/>
+          </a:prstGeom>
+          <a:noFill/>
+          <a:ln>
+            <a:noFill/>
+          </a:ln>
+        </p:spPr>
+        <p:txBody>
+          <a:bodyPr anchorCtr="0" anchor="t" bIns="91425" lIns="91425" spcFirstLastPara="1" rIns="91425" wrap="square" tIns="91425">
+            <a:spAutoFit/>
+          </a:bodyPr>
+          <a:lstStyle/>
+          <a:p>
+            <a:pPr indent="0" lvl="0" marL="0" rtl="0" algn="l">
+              <a:spcBef>
+                <a:spcPts val="0"/>
+              </a:spcBef>
+              <a:spcAft>
+                <a:spcPts val="0"/>
+              </a:spcAft>
+              <a:buNone/>
+            </a:pPr>
+            <a:r>
+              <a:rPr lang="ja" sz="1300">
+                <a:solidFill>
+                  <a:schemeClr val="dk2"/>
+                </a:solidFill>
+                <a:latin typeface="Nunito"/>
+                <a:ea typeface="Nunito"/>
+                <a:cs typeface="Nunito"/>
+                <a:sym typeface="Nunito"/>
+              </a:rPr>
+              <a:t>actions : すべての関節の指示角度</a:t>
+            </a:r>
+            <a:endParaRPr sz="1300">
+              <a:solidFill>
+                <a:schemeClr val="dk2"/>
+              </a:solidFill>
+              <a:latin typeface="Nunito"/>
+              <a:ea typeface="Nunito"/>
+              <a:cs typeface="Nunito"/>
+              <a:sym typeface="Nunito"/>
+            </a:endParaRPr>
+          </a:p>
+        </p:txBody>
+      </p:sp>
+      <p:sp>
+        <p:nvSpPr>
+          <p:cNvPr id="308" name="Google Shape;308;p16"/>
+          <p:cNvSpPr txBox="1"/>
+          <p:nvPr/>
+        </p:nvSpPr>
+        <p:spPr>
+          <a:xfrm>
+            <a:off x="3398900" y="3378250"/>
+            <a:ext cx="4796700" cy="1385400"/>
+          </a:xfrm>
+          <a:prstGeom prst="rect">
+            <a:avLst/>
+          </a:prstGeom>
+          <a:noFill/>
+          <a:ln>
+            <a:noFill/>
+          </a:ln>
+        </p:spPr>
+        <p:txBody>
+          <a:bodyPr anchorCtr="0" anchor="t" bIns="91425" lIns="91425" spcFirstLastPara="1" rIns="91425" wrap="square" tIns="91425">
+            <a:spAutoFit/>
+          </a:bodyPr>
+          <a:lstStyle/>
+          <a:p>
+            <a:pPr indent="0" lvl="0" marL="0" rtl="0" algn="l">
+              <a:spcBef>
+                <a:spcPts val="0"/>
+              </a:spcBef>
+              <a:spcAft>
+                <a:spcPts val="0"/>
+              </a:spcAft>
+              <a:buNone/>
+            </a:pPr>
+            <a:r>
+              <a:rPr lang="ja" sz="1300">
+                <a:solidFill>
+                  <a:schemeClr val="dk2"/>
+                </a:solidFill>
+                <a:latin typeface="Nunito"/>
+                <a:ea typeface="Nunito"/>
+                <a:cs typeface="Nunito"/>
+                <a:sym typeface="Nunito"/>
+              </a:rPr>
+              <a:t>base_ang_vel : ロボットの角速度</a:t>
+            </a:r>
+            <a:endParaRPr sz="1300">
+              <a:solidFill>
+                <a:schemeClr val="dk2"/>
+              </a:solidFill>
+              <a:latin typeface="Nunito"/>
+              <a:ea typeface="Nunito"/>
+              <a:cs typeface="Nunito"/>
+              <a:sym typeface="Nunito"/>
+            </a:endParaRPr>
+          </a:p>
+          <a:p>
+            <a:pPr indent="0" lvl="0" marL="0" rtl="0" algn="l">
+              <a:spcBef>
+                <a:spcPts val="0"/>
+              </a:spcBef>
+              <a:spcAft>
+                <a:spcPts val="0"/>
+              </a:spcAft>
+              <a:buNone/>
+            </a:pPr>
+            <a:r>
+              <a:rPr lang="ja" sz="1300">
+                <a:solidFill>
+                  <a:schemeClr val="dk2"/>
+                </a:solidFill>
+                <a:latin typeface="Nunito"/>
+                <a:ea typeface="Nunito"/>
+                <a:cs typeface="Nunito"/>
+                <a:sym typeface="Nunito"/>
+              </a:rPr>
+              <a:t>projected_gravity : ロボットの姿勢（鉛直方向のベクトル）</a:t>
+            </a:r>
+            <a:endParaRPr sz="1300">
+              <a:solidFill>
+                <a:schemeClr val="dk2"/>
+              </a:solidFill>
+              <a:latin typeface="Nunito"/>
+              <a:ea typeface="Nunito"/>
+              <a:cs typeface="Nunito"/>
+              <a:sym typeface="Nunito"/>
+            </a:endParaRPr>
+          </a:p>
+          <a:p>
+            <a:pPr indent="0" lvl="0" marL="0" rtl="0" algn="l">
+              <a:spcBef>
+                <a:spcPts val="0"/>
+              </a:spcBef>
+              <a:spcAft>
+                <a:spcPts val="0"/>
+              </a:spcAft>
+              <a:buNone/>
+            </a:pPr>
+            <a:r>
+              <a:rPr lang="ja" sz="1300">
+                <a:solidFill>
+                  <a:schemeClr val="dk2"/>
+                </a:solidFill>
+                <a:latin typeface="Nunito"/>
+                <a:ea typeface="Nunito"/>
+                <a:cs typeface="Nunito"/>
+                <a:sym typeface="Nunito"/>
+              </a:rPr>
+              <a:t>commands : ロボットの行動目標（乱数で生成）</a:t>
+            </a:r>
+            <a:endParaRPr sz="1300">
+              <a:solidFill>
+                <a:schemeClr val="dk2"/>
+              </a:solidFill>
+              <a:latin typeface="Nunito"/>
+              <a:ea typeface="Nunito"/>
+              <a:cs typeface="Nunito"/>
+              <a:sym typeface="Nunito"/>
+            </a:endParaRPr>
+          </a:p>
+          <a:p>
+            <a:pPr indent="0" lvl="0" marL="0" rtl="0" algn="l">
+              <a:spcBef>
+                <a:spcPts val="0"/>
+              </a:spcBef>
+              <a:spcAft>
+                <a:spcPts val="0"/>
+              </a:spcAft>
+              <a:buNone/>
+            </a:pPr>
+            <a:r>
+              <a:rPr lang="ja" sz="1300">
+                <a:solidFill>
+                  <a:schemeClr val="dk2"/>
+                </a:solidFill>
+                <a:latin typeface="Nunito"/>
+                <a:ea typeface="Nunito"/>
+                <a:cs typeface="Nunito"/>
+                <a:sym typeface="Nunito"/>
+              </a:rPr>
+              <a:t>dof_pos - default_dof_pos :各関節の基本角度との差分</a:t>
+            </a:r>
+            <a:endParaRPr sz="1300">
+              <a:solidFill>
+                <a:schemeClr val="dk2"/>
+              </a:solidFill>
+              <a:latin typeface="Nunito"/>
+              <a:ea typeface="Nunito"/>
+              <a:cs typeface="Nunito"/>
+              <a:sym typeface="Nunito"/>
+            </a:endParaRPr>
+          </a:p>
+          <a:p>
+            <a:pPr indent="0" lvl="0" marL="0" rtl="0" algn="l">
+              <a:spcBef>
+                <a:spcPts val="0"/>
+              </a:spcBef>
+              <a:spcAft>
+                <a:spcPts val="0"/>
+              </a:spcAft>
+              <a:buNone/>
+            </a:pPr>
+            <a:r>
+              <a:rPr lang="ja" sz="1300">
+                <a:solidFill>
+                  <a:schemeClr val="dk2"/>
+                </a:solidFill>
+                <a:latin typeface="Nunito"/>
+                <a:ea typeface="Nunito"/>
+                <a:cs typeface="Nunito"/>
+                <a:sym typeface="Nunito"/>
+              </a:rPr>
+              <a:t>dof_vel : 関節の角速度</a:t>
+            </a:r>
+            <a:endParaRPr sz="1300">
+              <a:solidFill>
+                <a:schemeClr val="dk2"/>
+              </a:solidFill>
+              <a:latin typeface="Nunito"/>
+              <a:ea typeface="Nunito"/>
+              <a:cs typeface="Nunito"/>
+              <a:sym typeface="Nunito"/>
+            </a:endParaRPr>
+          </a:p>
+          <a:p>
+            <a:pPr indent="0" lvl="0" marL="0" rtl="0" algn="l">
+              <a:spcBef>
+                <a:spcPts val="0"/>
+              </a:spcBef>
+              <a:spcAft>
+                <a:spcPts val="0"/>
+              </a:spcAft>
+              <a:buNone/>
+            </a:pPr>
+            <a:r>
+              <a:rPr lang="ja" sz="1300">
+                <a:solidFill>
+                  <a:schemeClr val="dk2"/>
+                </a:solidFill>
+                <a:latin typeface="Nunito"/>
+                <a:ea typeface="Nunito"/>
+                <a:cs typeface="Nunito"/>
+                <a:sym typeface="Nunito"/>
+              </a:rPr>
+              <a:t>actions : 関節の指示角度</a:t>
+            </a:r>
+            <a:endParaRPr sz="1300">
+              <a:solidFill>
+                <a:schemeClr val="dk2"/>
+              </a:solidFill>
+              <a:latin typeface="Nunito"/>
+              <a:ea typeface="Nunito"/>
+              <a:cs typeface="Nunito"/>
+              <a:sym typeface="Nunito"/>
+            </a:endParaRPr>
+          </a:p>
+        </p:txBody>
+      </p:sp>
+      <p:sp>
+        <p:nvSpPr>
+          <p:cNvPr id="309" name="Google Shape;309;p16"/>
+          <p:cNvSpPr/>
+          <p:nvPr/>
+        </p:nvSpPr>
+        <p:spPr>
+          <a:xfrm>
+            <a:off x="1959825" y="3145300"/>
+            <a:ext cx="445500" cy="705900"/>
+          </a:xfrm>
+          <a:prstGeom prst="upArrow">
+            <a:avLst>
+              <a:gd fmla="val 50000" name="adj1"/>
+              <a:gd fmla="val 50000" name="adj2"/>
+            </a:avLst>
+          </a:prstGeom>
+          <a:solidFill>
+            <a:srgbClr val="B6D7A8"/>
+          </a:solidFill>
+          <a:ln cap="flat" cmpd="sng" w="9525">
+            <a:solidFill>
+              <a:schemeClr val="dk2"/>
+            </a:solidFill>
+            <a:prstDash val="solid"/>
+            <a:round/>
+            <a:headEnd len="sm" w="sm" type="none"/>
+            <a:tailEnd len="sm" w="sm" type="none"/>
+          </a:ln>
+        </p:spPr>
+        <p:txBody>
+          <a:bodyPr anchorCtr="0" anchor="ctr" bIns="91425" lIns="91425" spcFirstLastPara="1" rIns="91425" wrap="square" tIns="91425">
+            <a:noAutofit/>
+          </a:bodyPr>
+          <a:lstStyle/>
+          <a:p>
+            <a:pPr indent="0" lvl="0" marL="0" rtl="0" algn="ctr">
+              <a:spcBef>
+                <a:spcPts val="0"/>
+              </a:spcBef>
+              <a:spcAft>
+                <a:spcPts val="0"/>
+              </a:spcAft>
+              <a:buNone/>
+            </a:pPr>
+            <a:r>
+              <a:t/>
+            </a:r>
+            <a:endParaRPr>
+              <a:latin typeface="Nunito"/>
+              <a:ea typeface="Nunito"/>
+              <a:cs typeface="Nunito"/>
+              <a:sym typeface="Nunito"/>
+            </a:endParaRPr>
+          </a:p>
+        </p:txBody>
+      </p:sp>
+      <p:sp>
+        <p:nvSpPr>
+          <p:cNvPr id="310" name="Google Shape;310;p16"/>
+          <p:cNvSpPr txBox="1"/>
+          <p:nvPr/>
+        </p:nvSpPr>
+        <p:spPr>
+          <a:xfrm>
+            <a:off x="1110100" y="3892200"/>
+            <a:ext cx="2109900" cy="785100"/>
+          </a:xfrm>
+          <a:prstGeom prst="rect">
+            <a:avLst/>
+          </a:prstGeom>
+          <a:noFill/>
+          <a:ln>
+            <a:noFill/>
+          </a:ln>
+        </p:spPr>
+        <p:txBody>
+          <a:bodyPr anchorCtr="0" anchor="t" bIns="91425" lIns="91425" spcFirstLastPara="1" rIns="91425" wrap="square" tIns="91425">
+            <a:spAutoFit/>
+          </a:bodyPr>
+          <a:lstStyle/>
+          <a:p>
+            <a:pPr indent="0" lvl="0" marL="0" rtl="0" algn="l">
+              <a:spcBef>
+                <a:spcPts val="0"/>
+              </a:spcBef>
+              <a:spcAft>
+                <a:spcPts val="0"/>
+              </a:spcAft>
+              <a:buNone/>
+            </a:pPr>
+            <a:r>
+              <a:rPr lang="ja" sz="1300">
+                <a:solidFill>
+                  <a:schemeClr val="dk2"/>
+                </a:solidFill>
+                <a:latin typeface="Nunito"/>
+                <a:ea typeface="Nunito"/>
+                <a:cs typeface="Nunito"/>
+                <a:sym typeface="Nunito"/>
+              </a:rPr>
+              <a:t>go2_trainで学習したニューラルネットの情報がロードされている。</a:t>
+            </a:r>
+            <a:endParaRPr sz="1300">
+              <a:solidFill>
+                <a:schemeClr val="dk2"/>
+              </a:solidFill>
+              <a:latin typeface="Nunito"/>
+              <a:ea typeface="Nunito"/>
+              <a:cs typeface="Nunito"/>
+              <a:sym typeface="Nunito"/>
+            </a:endParaRPr>
+          </a:p>
+        </p:txBody>
+      </p:sp>
+      <p:pic>
+        <p:nvPicPr>
+          <p:cNvPr id="311" name="Google Shape;311;p16"/>
+          <p:cNvPicPr preferRelativeResize="0"/>
+          <p:nvPr/>
+        </p:nvPicPr>
+        <p:blipFill rotWithShape="1">
+          <a:blip r:embed="rId3">
+            <a:alphaModFix/>
+          </a:blip>
+          <a:srcRect b="13232" l="29336" r="23340" t="34916"/>
+          <a:stretch/>
+        </p:blipFill>
+        <p:spPr>
+          <a:xfrm>
+            <a:off x="7180550" y="1237050"/>
+            <a:ext cx="1786275" cy="1573625"/>
+          </a:xfrm>
+          <a:prstGeom prst="rect">
+            <a:avLst/>
+          </a:prstGeom>
+          <a:noFill/>
+          <a:ln>
+            <a:noFill/>
+          </a:ln>
+        </p:spPr>
+      </p:pic>
+      <p:sp>
+        <p:nvSpPr>
+          <p:cNvPr id="312" name="Google Shape;312;p16"/>
+          <p:cNvSpPr/>
+          <p:nvPr/>
+        </p:nvSpPr>
+        <p:spPr>
+          <a:xfrm>
+            <a:off x="6402075" y="2501800"/>
+            <a:ext cx="1501200" cy="377100"/>
+          </a:xfrm>
+          <a:prstGeom prst="roundRect">
+            <a:avLst>
+              <a:gd fmla="val 16667" name="adj"/>
+            </a:avLst>
+          </a:prstGeom>
+          <a:solidFill>
+            <a:srgbClr val="00FFFF"/>
+          </a:solidFill>
+          <a:ln cap="flat" cmpd="sng" w="9525">
+            <a:solidFill>
+              <a:schemeClr val="dk2"/>
+            </a:solidFill>
+            <a:prstDash val="solid"/>
+            <a:round/>
+            <a:headEnd len="sm" w="sm" type="none"/>
+            <a:tailEnd len="sm" w="sm" type="none"/>
+          </a:ln>
+        </p:spPr>
+        <p:txBody>
+          <a:bodyPr anchorCtr="0" anchor="ctr" bIns="91425" lIns="91425" spcFirstLastPara="1" rIns="91425" wrap="square" tIns="91425">
+            <a:noAutofit/>
+          </a:bodyPr>
+          <a:lstStyle/>
+          <a:p>
+            <a:pPr indent="0" lvl="0" marL="0" rtl="0" algn="ctr">
+              <a:spcBef>
+                <a:spcPts val="0"/>
+              </a:spcBef>
+              <a:spcAft>
+                <a:spcPts val="0"/>
+              </a:spcAft>
+              <a:buNone/>
+            </a:pPr>
+            <a:r>
+              <a:rPr lang="ja">
+                <a:latin typeface="Nunito"/>
+                <a:ea typeface="Nunito"/>
+                <a:cs typeface="Nunito"/>
+                <a:sym typeface="Nunito"/>
+              </a:rPr>
+              <a:t>SimRobot</a:t>
+            </a:r>
+            <a:endParaRPr>
+              <a:latin typeface="Nunito"/>
+              <a:ea typeface="Nunito"/>
+              <a:cs typeface="Nunito"/>
+              <a:sym typeface="Nunito"/>
+            </a:endParaRPr>
+          </a:p>
+        </p:txBody>
+      </p:sp>
+      <p:sp>
+        <p:nvSpPr>
+          <p:cNvPr id="313" name="Google Shape;313;p16"/>
           <p:cNvSpPr/>
           <p:nvPr/>
         </p:nvSpPr>
@@ -17144,15 +17827,313 @@
           </a:p>
         </p:txBody>
       </p:sp>
+    </p:spTree>
+  </p:cSld>
+  <p:clrMapOvr>
+    <a:masterClrMapping/>
+  </p:clrMapOvr>
+</p:sld>
+</file>
+
+<file path=ppt/slides/slide5.xml><?xml version="1.0" encoding="utf-8"?>
+<p:sld xmlns:a="http://schemas.openxmlformats.org/drawingml/2006/main" xmlns:r="http://schemas.openxmlformats.org/officeDocument/2006/relationships" xmlns:mc="http://schemas.openxmlformats.org/markup-compatibility/2006" xmlns:mv="urn:schemas-microsoft-com:mac:vml" xmlns:p="http://schemas.openxmlformats.org/presentationml/2006/main" xmlns:c="http://schemas.openxmlformats.org/drawingml/2006/chart" xmlns:dgm="http://schemas.openxmlformats.org/drawingml/2006/diagram" xmlns:o="urn:schemas-microsoft-com:office:office" xmlns:v="urn:schemas-microsoft-com:vml" xmlns:pvml="urn:schemas-microsoft-com:office:powerpoint" xmlns:com="http://schemas.openxmlformats.org/drawingml/2006/compatibility" xmlns:p14="http://schemas.microsoft.com/office/powerpoint/2010/main" xmlns:p15="http://schemas.microsoft.com/office/powerpoint/2012/main" xmlns:ahyp="http://schemas.microsoft.com/office/drawing/2018/hyperlinkcolor">
+  <p:cSld>
+    <p:spTree>
+      <p:nvGrpSpPr>
+        <p:cNvPr id="317" name="Shape 317"/>
+        <p:cNvGrpSpPr/>
+        <p:nvPr/>
+      </p:nvGrpSpPr>
+      <p:grpSpPr>
+        <a:xfrm>
+          <a:off x="0" y="0"/>
+          <a:ext cx="0" cy="0"/>
+          <a:chOff x="0" y="0"/>
+          <a:chExt cx="0" cy="0"/>
+        </a:xfrm>
+      </p:grpSpPr>
       <p:sp>
         <p:nvSpPr>
-          <p:cNvPr id="306" name="Google Shape;306;p16"/>
+          <p:cNvPr id="318" name="Google Shape;318;p17"/>
+          <p:cNvSpPr txBox="1"/>
+          <p:nvPr>
+            <p:ph type="title"/>
+          </p:nvPr>
+        </p:nvSpPr>
+        <p:spPr>
+          <a:xfrm>
+            <a:off x="1303800" y="598575"/>
+            <a:ext cx="7030500" cy="999300"/>
+          </a:xfrm>
+          <a:prstGeom prst="rect">
+            <a:avLst/>
+          </a:prstGeom>
+        </p:spPr>
+        <p:txBody>
+          <a:bodyPr anchorCtr="0" anchor="t" bIns="91425" lIns="91425" spcFirstLastPara="1" rIns="91425" wrap="square" tIns="91425">
+            <a:normAutofit/>
+          </a:bodyPr>
+          <a:lstStyle/>
+          <a:p>
+            <a:pPr indent="0" lvl="0" marL="0" rtl="0" algn="l">
+              <a:spcBef>
+                <a:spcPts val="0"/>
+              </a:spcBef>
+              <a:spcAft>
+                <a:spcPts val="0"/>
+              </a:spcAft>
+              <a:buNone/>
+            </a:pPr>
+            <a:r>
+              <a:rPr lang="ja"/>
+              <a:t>Sim2Realの構成</a:t>
+            </a:r>
+            <a:endParaRPr/>
+          </a:p>
+        </p:txBody>
+      </p:sp>
+      <p:sp>
+        <p:nvSpPr>
+          <p:cNvPr id="319" name="Google Shape;319;p17"/>
+          <p:cNvSpPr/>
+          <p:nvPr/>
+        </p:nvSpPr>
+        <p:spPr>
+          <a:xfrm>
+            <a:off x="832713" y="2205825"/>
+            <a:ext cx="1556100" cy="705900"/>
+          </a:xfrm>
+          <a:prstGeom prst="rect">
+            <a:avLst/>
+          </a:prstGeom>
+          <a:solidFill>
+            <a:schemeClr val="lt2"/>
+          </a:solidFill>
+          <a:ln cap="flat" cmpd="sng" w="9525">
+            <a:solidFill>
+              <a:schemeClr val="dk2"/>
+            </a:solidFill>
+            <a:prstDash val="solid"/>
+            <a:round/>
+            <a:headEnd len="sm" w="sm" type="none"/>
+            <a:tailEnd len="sm" w="sm" type="none"/>
+          </a:ln>
+        </p:spPr>
+        <p:txBody>
+          <a:bodyPr anchorCtr="0" anchor="ctr" bIns="91425" lIns="91425" spcFirstLastPara="1" rIns="91425" wrap="square" tIns="91425">
+            <a:noAutofit/>
+          </a:bodyPr>
+          <a:lstStyle/>
+          <a:p>
+            <a:pPr indent="0" lvl="0" marL="0" rtl="0" algn="ctr">
+              <a:spcBef>
+                <a:spcPts val="0"/>
+              </a:spcBef>
+              <a:spcAft>
+                <a:spcPts val="0"/>
+              </a:spcAft>
+              <a:buNone/>
+            </a:pPr>
+            <a:r>
+              <a:rPr lang="ja">
+                <a:latin typeface="Nunito"/>
+                <a:ea typeface="Nunito"/>
+                <a:cs typeface="Nunito"/>
+                <a:sym typeface="Nunito"/>
+              </a:rPr>
+              <a:t>Policy</a:t>
+            </a:r>
+            <a:endParaRPr>
+              <a:latin typeface="Nunito"/>
+              <a:ea typeface="Nunito"/>
+              <a:cs typeface="Nunito"/>
+              <a:sym typeface="Nunito"/>
+            </a:endParaRPr>
+          </a:p>
+        </p:txBody>
+      </p:sp>
+      <p:sp>
+        <p:nvSpPr>
+          <p:cNvPr id="320" name="Google Shape;320;p17"/>
+          <p:cNvSpPr/>
+          <p:nvPr/>
+        </p:nvSpPr>
+        <p:spPr>
+          <a:xfrm>
+            <a:off x="3488494" y="2740475"/>
+            <a:ext cx="1097700" cy="171300"/>
+          </a:xfrm>
+          <a:prstGeom prst="leftArrow">
+            <a:avLst>
+              <a:gd fmla="val 50000" name="adj1"/>
+              <a:gd fmla="val 50000" name="adj2"/>
+            </a:avLst>
+          </a:prstGeom>
+          <a:solidFill>
+            <a:srgbClr val="FF9900"/>
+          </a:solidFill>
+          <a:ln cap="flat" cmpd="sng" w="9525">
+            <a:solidFill>
+              <a:schemeClr val="dk2"/>
+            </a:solidFill>
+            <a:prstDash val="solid"/>
+            <a:round/>
+            <a:headEnd len="sm" w="sm" type="none"/>
+            <a:tailEnd len="sm" w="sm" type="none"/>
+          </a:ln>
+        </p:spPr>
+        <p:txBody>
+          <a:bodyPr anchorCtr="0" anchor="ctr" bIns="91425" lIns="91425" spcFirstLastPara="1" rIns="91425" wrap="square" tIns="91425">
+            <a:noAutofit/>
+          </a:bodyPr>
+          <a:lstStyle/>
+          <a:p>
+            <a:pPr indent="0" lvl="0" marL="0" rtl="0" algn="ctr">
+              <a:spcBef>
+                <a:spcPts val="0"/>
+              </a:spcBef>
+              <a:spcAft>
+                <a:spcPts val="0"/>
+              </a:spcAft>
+              <a:buNone/>
+            </a:pPr>
+            <a:r>
+              <a:t/>
+            </a:r>
+            <a:endParaRPr>
+              <a:latin typeface="Nunito"/>
+              <a:ea typeface="Nunito"/>
+              <a:cs typeface="Nunito"/>
+              <a:sym typeface="Nunito"/>
+            </a:endParaRPr>
+          </a:p>
+        </p:txBody>
+      </p:sp>
+      <p:sp>
+        <p:nvSpPr>
+          <p:cNvPr id="321" name="Google Shape;321;p17"/>
           <p:cNvSpPr txBox="1"/>
           <p:nvPr/>
         </p:nvSpPr>
         <p:spPr>
           <a:xfrm>
-            <a:off x="5140125" y="2326438"/>
+            <a:off x="2419288" y="1935100"/>
+            <a:ext cx="928800" cy="384900"/>
+          </a:xfrm>
+          <a:prstGeom prst="rect">
+            <a:avLst/>
+          </a:prstGeom>
+          <a:noFill/>
+          <a:ln>
+            <a:noFill/>
+          </a:ln>
+        </p:spPr>
+        <p:txBody>
+          <a:bodyPr anchorCtr="0" anchor="t" bIns="91425" lIns="91425" spcFirstLastPara="1" rIns="91425" wrap="square" tIns="91425">
+            <a:spAutoFit/>
+          </a:bodyPr>
+          <a:lstStyle/>
+          <a:p>
+            <a:pPr indent="0" lvl="0" marL="0" rtl="0" algn="l">
+              <a:spcBef>
+                <a:spcPts val="0"/>
+              </a:spcBef>
+              <a:spcAft>
+                <a:spcPts val="0"/>
+              </a:spcAft>
+              <a:buNone/>
+            </a:pPr>
+            <a:r>
+              <a:rPr lang="ja" sz="1300">
+                <a:solidFill>
+                  <a:schemeClr val="dk2"/>
+                </a:solidFill>
+                <a:latin typeface="Nunito"/>
+                <a:ea typeface="Nunito"/>
+                <a:cs typeface="Nunito"/>
+                <a:sym typeface="Nunito"/>
+              </a:rPr>
+              <a:t>actions</a:t>
+            </a:r>
+            <a:endParaRPr sz="1300">
+              <a:solidFill>
+                <a:schemeClr val="dk2"/>
+              </a:solidFill>
+              <a:latin typeface="Nunito"/>
+              <a:ea typeface="Nunito"/>
+              <a:cs typeface="Nunito"/>
+              <a:sym typeface="Nunito"/>
+            </a:endParaRPr>
+          </a:p>
+        </p:txBody>
+      </p:sp>
+      <p:sp>
+        <p:nvSpPr>
+          <p:cNvPr id="322" name="Google Shape;322;p17"/>
+          <p:cNvSpPr txBox="1"/>
+          <p:nvPr/>
+        </p:nvSpPr>
+        <p:spPr>
+          <a:xfrm>
+            <a:off x="2563000" y="2797325"/>
+            <a:ext cx="477300" cy="384900"/>
+          </a:xfrm>
+          <a:prstGeom prst="rect">
+            <a:avLst/>
+          </a:prstGeom>
+          <a:noFill/>
+          <a:ln>
+            <a:noFill/>
+          </a:ln>
+        </p:spPr>
+        <p:txBody>
+          <a:bodyPr anchorCtr="0" anchor="t" bIns="91425" lIns="91425" spcFirstLastPara="1" rIns="91425" wrap="square" tIns="91425">
+            <a:spAutoFit/>
+          </a:bodyPr>
+          <a:lstStyle/>
+          <a:p>
+            <a:pPr indent="0" lvl="0" marL="0" rtl="0" algn="l">
+              <a:spcBef>
+                <a:spcPts val="0"/>
+              </a:spcBef>
+              <a:spcAft>
+                <a:spcPts val="0"/>
+              </a:spcAft>
+              <a:buNone/>
+            </a:pPr>
+            <a:r>
+              <a:rPr lang="ja" sz="1300">
+                <a:solidFill>
+                  <a:schemeClr val="dk2"/>
+                </a:solidFill>
+                <a:latin typeface="Nunito"/>
+                <a:ea typeface="Nunito"/>
+                <a:cs typeface="Nunito"/>
+                <a:sym typeface="Nunito"/>
+              </a:rPr>
+              <a:t>obs</a:t>
+            </a:r>
+            <a:endParaRPr sz="1300">
+              <a:solidFill>
+                <a:schemeClr val="dk2"/>
+              </a:solidFill>
+              <a:latin typeface="Nunito"/>
+              <a:ea typeface="Nunito"/>
+              <a:cs typeface="Nunito"/>
+              <a:sym typeface="Nunito"/>
+            </a:endParaRPr>
+          </a:p>
+        </p:txBody>
+      </p:sp>
+      <p:sp>
+        <p:nvSpPr>
+          <p:cNvPr id="323" name="Google Shape;323;p17"/>
+          <p:cNvSpPr txBox="1"/>
+          <p:nvPr/>
+        </p:nvSpPr>
+        <p:spPr>
+          <a:xfrm>
+            <a:off x="3488488" y="1935100"/>
             <a:ext cx="1501200" cy="384900"/>
           </a:xfrm>
           <a:prstGeom prst="rect">
@@ -17204,809 +18185,13 @@
       </p:sp>
       <p:sp>
         <p:nvSpPr>
-          <p:cNvPr id="307" name="Google Shape;307;p16"/>
-          <p:cNvSpPr txBox="1"/>
-          <p:nvPr/>
-        </p:nvSpPr>
-        <p:spPr>
-          <a:xfrm>
-            <a:off x="3823700" y="1706250"/>
-            <a:ext cx="3947100" cy="384900"/>
-          </a:xfrm>
-          <a:prstGeom prst="rect">
-            <a:avLst/>
-          </a:prstGeom>
-          <a:noFill/>
-          <a:ln>
-            <a:noFill/>
-          </a:ln>
-        </p:spPr>
-        <p:txBody>
-          <a:bodyPr anchorCtr="0" anchor="t" bIns="91425" lIns="91425" spcFirstLastPara="1" rIns="91425" wrap="square" tIns="91425">
-            <a:spAutoFit/>
-          </a:bodyPr>
-          <a:lstStyle/>
-          <a:p>
-            <a:pPr indent="0" lvl="0" marL="0" rtl="0" algn="l">
-              <a:spcBef>
-                <a:spcPts val="0"/>
-              </a:spcBef>
-              <a:spcAft>
-                <a:spcPts val="0"/>
-              </a:spcAft>
-              <a:buNone/>
-            </a:pPr>
-            <a:r>
-              <a:t/>
-            </a:r>
-            <a:endParaRPr sz="1300">
-              <a:solidFill>
-                <a:schemeClr val="dk2"/>
-              </a:solidFill>
-              <a:latin typeface="Nunito"/>
-              <a:ea typeface="Nunito"/>
-              <a:cs typeface="Nunito"/>
-              <a:sym typeface="Nunito"/>
-            </a:endParaRPr>
-          </a:p>
-        </p:txBody>
-      </p:sp>
-      <p:sp>
-        <p:nvSpPr>
-          <p:cNvPr id="308" name="Google Shape;308;p16"/>
-          <p:cNvSpPr txBox="1"/>
-          <p:nvPr/>
-        </p:nvSpPr>
-        <p:spPr>
-          <a:xfrm>
-            <a:off x="4022425" y="1706250"/>
-            <a:ext cx="2843700" cy="384900"/>
-          </a:xfrm>
-          <a:prstGeom prst="rect">
-            <a:avLst/>
-          </a:prstGeom>
-          <a:noFill/>
-          <a:ln>
-            <a:noFill/>
-          </a:ln>
-        </p:spPr>
-        <p:txBody>
-          <a:bodyPr anchorCtr="0" anchor="t" bIns="91425" lIns="91425" spcFirstLastPara="1" rIns="91425" wrap="square" tIns="91425">
-            <a:spAutoFit/>
-          </a:bodyPr>
-          <a:lstStyle/>
-          <a:p>
-            <a:pPr indent="0" lvl="0" marL="0" rtl="0" algn="l">
-              <a:spcBef>
-                <a:spcPts val="0"/>
-              </a:spcBef>
-              <a:spcAft>
-                <a:spcPts val="0"/>
-              </a:spcAft>
-              <a:buNone/>
-            </a:pPr>
-            <a:r>
-              <a:rPr lang="ja" sz="1300">
-                <a:solidFill>
-                  <a:schemeClr val="dk2"/>
-                </a:solidFill>
-                <a:latin typeface="Nunito"/>
-                <a:ea typeface="Nunito"/>
-                <a:cs typeface="Nunito"/>
-                <a:sym typeface="Nunito"/>
-              </a:rPr>
-              <a:t>actions : すべての関節の指示角度</a:t>
-            </a:r>
-            <a:endParaRPr sz="1300">
-              <a:solidFill>
-                <a:schemeClr val="dk2"/>
-              </a:solidFill>
-              <a:latin typeface="Nunito"/>
-              <a:ea typeface="Nunito"/>
-              <a:cs typeface="Nunito"/>
-              <a:sym typeface="Nunito"/>
-            </a:endParaRPr>
-          </a:p>
-        </p:txBody>
-      </p:sp>
-      <p:sp>
-        <p:nvSpPr>
-          <p:cNvPr id="309" name="Google Shape;309;p16"/>
-          <p:cNvSpPr txBox="1"/>
-          <p:nvPr/>
-        </p:nvSpPr>
-        <p:spPr>
-          <a:xfrm>
-            <a:off x="3398900" y="3378250"/>
-            <a:ext cx="4796700" cy="1385400"/>
-          </a:xfrm>
-          <a:prstGeom prst="rect">
-            <a:avLst/>
-          </a:prstGeom>
-          <a:noFill/>
-          <a:ln>
-            <a:noFill/>
-          </a:ln>
-        </p:spPr>
-        <p:txBody>
-          <a:bodyPr anchorCtr="0" anchor="t" bIns="91425" lIns="91425" spcFirstLastPara="1" rIns="91425" wrap="square" tIns="91425">
-            <a:spAutoFit/>
-          </a:bodyPr>
-          <a:lstStyle/>
-          <a:p>
-            <a:pPr indent="0" lvl="0" marL="0" rtl="0" algn="l">
-              <a:spcBef>
-                <a:spcPts val="0"/>
-              </a:spcBef>
-              <a:spcAft>
-                <a:spcPts val="0"/>
-              </a:spcAft>
-              <a:buNone/>
-            </a:pPr>
-            <a:r>
-              <a:rPr lang="ja" sz="1300">
-                <a:solidFill>
-                  <a:schemeClr val="dk2"/>
-                </a:solidFill>
-                <a:latin typeface="Nunito"/>
-                <a:ea typeface="Nunito"/>
-                <a:cs typeface="Nunito"/>
-                <a:sym typeface="Nunito"/>
-              </a:rPr>
-              <a:t>base_ang_vel : ロボットの角速度</a:t>
-            </a:r>
-            <a:endParaRPr sz="1300">
-              <a:solidFill>
-                <a:schemeClr val="dk2"/>
-              </a:solidFill>
-              <a:latin typeface="Nunito"/>
-              <a:ea typeface="Nunito"/>
-              <a:cs typeface="Nunito"/>
-              <a:sym typeface="Nunito"/>
-            </a:endParaRPr>
-          </a:p>
-          <a:p>
-            <a:pPr indent="0" lvl="0" marL="0" rtl="0" algn="l">
-              <a:spcBef>
-                <a:spcPts val="0"/>
-              </a:spcBef>
-              <a:spcAft>
-                <a:spcPts val="0"/>
-              </a:spcAft>
-              <a:buNone/>
-            </a:pPr>
-            <a:r>
-              <a:rPr lang="ja" sz="1300">
-                <a:solidFill>
-                  <a:schemeClr val="dk2"/>
-                </a:solidFill>
-                <a:latin typeface="Nunito"/>
-                <a:ea typeface="Nunito"/>
-                <a:cs typeface="Nunito"/>
-                <a:sym typeface="Nunito"/>
-              </a:rPr>
-              <a:t>projected_gravity : ロボットの姿勢（鉛直方向のベクトル）</a:t>
-            </a:r>
-            <a:endParaRPr sz="1300">
-              <a:solidFill>
-                <a:schemeClr val="dk2"/>
-              </a:solidFill>
-              <a:latin typeface="Nunito"/>
-              <a:ea typeface="Nunito"/>
-              <a:cs typeface="Nunito"/>
-              <a:sym typeface="Nunito"/>
-            </a:endParaRPr>
-          </a:p>
-          <a:p>
-            <a:pPr indent="0" lvl="0" marL="0" rtl="0" algn="l">
-              <a:spcBef>
-                <a:spcPts val="0"/>
-              </a:spcBef>
-              <a:spcAft>
-                <a:spcPts val="0"/>
-              </a:spcAft>
-              <a:buNone/>
-            </a:pPr>
-            <a:r>
-              <a:rPr lang="ja" sz="1300">
-                <a:solidFill>
-                  <a:schemeClr val="dk2"/>
-                </a:solidFill>
-                <a:latin typeface="Nunito"/>
-                <a:ea typeface="Nunito"/>
-                <a:cs typeface="Nunito"/>
-                <a:sym typeface="Nunito"/>
-              </a:rPr>
-              <a:t>commands : ロボットの行動目標</a:t>
-            </a:r>
-            <a:endParaRPr sz="1300">
-              <a:solidFill>
-                <a:schemeClr val="dk2"/>
-              </a:solidFill>
-              <a:latin typeface="Nunito"/>
-              <a:ea typeface="Nunito"/>
-              <a:cs typeface="Nunito"/>
-              <a:sym typeface="Nunito"/>
-            </a:endParaRPr>
-          </a:p>
-          <a:p>
-            <a:pPr indent="0" lvl="0" marL="0" rtl="0" algn="l">
-              <a:spcBef>
-                <a:spcPts val="0"/>
-              </a:spcBef>
-              <a:spcAft>
-                <a:spcPts val="0"/>
-              </a:spcAft>
-              <a:buNone/>
-            </a:pPr>
-            <a:r>
-              <a:rPr lang="ja" sz="1300">
-                <a:solidFill>
-                  <a:schemeClr val="dk2"/>
-                </a:solidFill>
-                <a:latin typeface="Nunito"/>
-                <a:ea typeface="Nunito"/>
-                <a:cs typeface="Nunito"/>
-                <a:sym typeface="Nunito"/>
-              </a:rPr>
-              <a:t>dof_pos : 関節角度（正確には各関節の、基本角度との差）</a:t>
-            </a:r>
-            <a:endParaRPr sz="1300">
-              <a:solidFill>
-                <a:schemeClr val="dk2"/>
-              </a:solidFill>
-              <a:latin typeface="Nunito"/>
-              <a:ea typeface="Nunito"/>
-              <a:cs typeface="Nunito"/>
-              <a:sym typeface="Nunito"/>
-            </a:endParaRPr>
-          </a:p>
-          <a:p>
-            <a:pPr indent="0" lvl="0" marL="0" rtl="0" algn="l">
-              <a:spcBef>
-                <a:spcPts val="0"/>
-              </a:spcBef>
-              <a:spcAft>
-                <a:spcPts val="0"/>
-              </a:spcAft>
-              <a:buNone/>
-            </a:pPr>
-            <a:r>
-              <a:rPr lang="ja" sz="1300">
-                <a:solidFill>
-                  <a:schemeClr val="dk2"/>
-                </a:solidFill>
-                <a:latin typeface="Nunito"/>
-                <a:ea typeface="Nunito"/>
-                <a:cs typeface="Nunito"/>
-                <a:sym typeface="Nunito"/>
-              </a:rPr>
-              <a:t>dof_vel : 関節角度の角速度</a:t>
-            </a:r>
-            <a:endParaRPr sz="1300">
-              <a:solidFill>
-                <a:schemeClr val="dk2"/>
-              </a:solidFill>
-              <a:latin typeface="Nunito"/>
-              <a:ea typeface="Nunito"/>
-              <a:cs typeface="Nunito"/>
-              <a:sym typeface="Nunito"/>
-            </a:endParaRPr>
-          </a:p>
-          <a:p>
-            <a:pPr indent="0" lvl="0" marL="0" rtl="0" algn="l">
-              <a:spcBef>
-                <a:spcPts val="0"/>
-              </a:spcBef>
-              <a:spcAft>
-                <a:spcPts val="0"/>
-              </a:spcAft>
-              <a:buNone/>
-            </a:pPr>
-            <a:r>
-              <a:rPr lang="ja" sz="1300">
-                <a:solidFill>
-                  <a:schemeClr val="dk2"/>
-                </a:solidFill>
-                <a:latin typeface="Nunito"/>
-                <a:ea typeface="Nunito"/>
-                <a:cs typeface="Nunito"/>
-                <a:sym typeface="Nunito"/>
-              </a:rPr>
-              <a:t>actions : 関節の指示角度</a:t>
-            </a:r>
-            <a:endParaRPr sz="1300">
-              <a:solidFill>
-                <a:schemeClr val="dk2"/>
-              </a:solidFill>
-              <a:latin typeface="Nunito"/>
-              <a:ea typeface="Nunito"/>
-              <a:cs typeface="Nunito"/>
-              <a:sym typeface="Nunito"/>
-            </a:endParaRPr>
-          </a:p>
-        </p:txBody>
-      </p:sp>
-      <p:sp>
-        <p:nvSpPr>
-          <p:cNvPr id="310" name="Google Shape;310;p16"/>
+          <p:cNvPr id="324" name="Google Shape;324;p17"/>
           <p:cNvSpPr/>
           <p:nvPr/>
         </p:nvSpPr>
         <p:spPr>
           <a:xfrm>
-            <a:off x="1959825" y="3145300"/>
-            <a:ext cx="445500" cy="705900"/>
-          </a:xfrm>
-          <a:prstGeom prst="upArrow">
-            <a:avLst>
-              <a:gd fmla="val 50000" name="adj1"/>
-              <a:gd fmla="val 50000" name="adj2"/>
-            </a:avLst>
-          </a:prstGeom>
-          <a:solidFill>
-            <a:srgbClr val="B6D7A8"/>
-          </a:solidFill>
-          <a:ln cap="flat" cmpd="sng" w="9525">
-            <a:solidFill>
-              <a:schemeClr val="dk2"/>
-            </a:solidFill>
-            <a:prstDash val="solid"/>
-            <a:round/>
-            <a:headEnd len="sm" w="sm" type="none"/>
-            <a:tailEnd len="sm" w="sm" type="none"/>
-          </a:ln>
-        </p:spPr>
-        <p:txBody>
-          <a:bodyPr anchorCtr="0" anchor="ctr" bIns="91425" lIns="91425" spcFirstLastPara="1" rIns="91425" wrap="square" tIns="91425">
-            <a:noAutofit/>
-          </a:bodyPr>
-          <a:lstStyle/>
-          <a:p>
-            <a:pPr indent="0" lvl="0" marL="0" rtl="0" algn="ctr">
-              <a:spcBef>
-                <a:spcPts val="0"/>
-              </a:spcBef>
-              <a:spcAft>
-                <a:spcPts val="0"/>
-              </a:spcAft>
-              <a:buNone/>
-            </a:pPr>
-            <a:r>
-              <a:t/>
-            </a:r>
-            <a:endParaRPr>
-              <a:latin typeface="Nunito"/>
-              <a:ea typeface="Nunito"/>
-              <a:cs typeface="Nunito"/>
-              <a:sym typeface="Nunito"/>
-            </a:endParaRPr>
-          </a:p>
-        </p:txBody>
-      </p:sp>
-      <p:sp>
-        <p:nvSpPr>
-          <p:cNvPr id="311" name="Google Shape;311;p16"/>
-          <p:cNvSpPr txBox="1"/>
-          <p:nvPr/>
-        </p:nvSpPr>
-        <p:spPr>
-          <a:xfrm>
-            <a:off x="1110100" y="3892200"/>
-            <a:ext cx="2109900" cy="785100"/>
-          </a:xfrm>
-          <a:prstGeom prst="rect">
-            <a:avLst/>
-          </a:prstGeom>
-          <a:noFill/>
-          <a:ln>
-            <a:noFill/>
-          </a:ln>
-        </p:spPr>
-        <p:txBody>
-          <a:bodyPr anchorCtr="0" anchor="t" bIns="91425" lIns="91425" spcFirstLastPara="1" rIns="91425" wrap="square" tIns="91425">
-            <a:spAutoFit/>
-          </a:bodyPr>
-          <a:lstStyle/>
-          <a:p>
-            <a:pPr indent="0" lvl="0" marL="0" rtl="0" algn="l">
-              <a:spcBef>
-                <a:spcPts val="0"/>
-              </a:spcBef>
-              <a:spcAft>
-                <a:spcPts val="0"/>
-              </a:spcAft>
-              <a:buNone/>
-            </a:pPr>
-            <a:r>
-              <a:rPr lang="ja" sz="1300">
-                <a:solidFill>
-                  <a:schemeClr val="dk2"/>
-                </a:solidFill>
-                <a:latin typeface="Nunito"/>
-                <a:ea typeface="Nunito"/>
-                <a:cs typeface="Nunito"/>
-                <a:sym typeface="Nunito"/>
-              </a:rPr>
-              <a:t>go2_trainで学習したニューラルネットの情報がロードされている。</a:t>
-            </a:r>
-            <a:endParaRPr sz="1300">
-              <a:solidFill>
-                <a:schemeClr val="dk2"/>
-              </a:solidFill>
-              <a:latin typeface="Nunito"/>
-              <a:ea typeface="Nunito"/>
-              <a:cs typeface="Nunito"/>
-              <a:sym typeface="Nunito"/>
-            </a:endParaRPr>
-          </a:p>
-        </p:txBody>
-      </p:sp>
-    </p:spTree>
-  </p:cSld>
-  <p:clrMapOvr>
-    <a:masterClrMapping/>
-  </p:clrMapOvr>
-</p:sld>
-</file>
-
-<file path=ppt/slides/slide5.xml><?xml version="1.0" encoding="utf-8"?>
-<p:sld xmlns:a="http://schemas.openxmlformats.org/drawingml/2006/main" xmlns:r="http://schemas.openxmlformats.org/officeDocument/2006/relationships" xmlns:mc="http://schemas.openxmlformats.org/markup-compatibility/2006" xmlns:mv="urn:schemas-microsoft-com:mac:vml" xmlns:p="http://schemas.openxmlformats.org/presentationml/2006/main" xmlns:c="http://schemas.openxmlformats.org/drawingml/2006/chart" xmlns:dgm="http://schemas.openxmlformats.org/drawingml/2006/diagram" xmlns:o="urn:schemas-microsoft-com:office:office" xmlns:v="urn:schemas-microsoft-com:vml" xmlns:pvml="urn:schemas-microsoft-com:office:powerpoint" xmlns:com="http://schemas.openxmlformats.org/drawingml/2006/compatibility" xmlns:p14="http://schemas.microsoft.com/office/powerpoint/2010/main" xmlns:p15="http://schemas.microsoft.com/office/powerpoint/2012/main" xmlns:ahyp="http://schemas.microsoft.com/office/drawing/2018/hyperlinkcolor">
-  <p:cSld>
-    <p:spTree>
-      <p:nvGrpSpPr>
-        <p:cNvPr id="315" name="Shape 315"/>
-        <p:cNvGrpSpPr/>
-        <p:nvPr/>
-      </p:nvGrpSpPr>
-      <p:grpSpPr>
-        <a:xfrm>
-          <a:off x="0" y="0"/>
-          <a:ext cx="0" cy="0"/>
-          <a:chOff x="0" y="0"/>
-          <a:chExt cx="0" cy="0"/>
-        </a:xfrm>
-      </p:grpSpPr>
-      <p:sp>
-        <p:nvSpPr>
-          <p:cNvPr id="316" name="Google Shape;316;p17"/>
-          <p:cNvSpPr txBox="1"/>
-          <p:nvPr>
-            <p:ph type="title"/>
-          </p:nvPr>
-        </p:nvSpPr>
-        <p:spPr>
-          <a:xfrm>
-            <a:off x="1303800" y="598575"/>
-            <a:ext cx="7030500" cy="999300"/>
-          </a:xfrm>
-          <a:prstGeom prst="rect">
-            <a:avLst/>
-          </a:prstGeom>
-        </p:spPr>
-        <p:txBody>
-          <a:bodyPr anchorCtr="0" anchor="t" bIns="91425" lIns="91425" spcFirstLastPara="1" rIns="91425" wrap="square" tIns="91425">
-            <a:normAutofit/>
-          </a:bodyPr>
-          <a:lstStyle/>
-          <a:p>
-            <a:pPr indent="0" lvl="0" marL="0" rtl="0" algn="l">
-              <a:spcBef>
-                <a:spcPts val="0"/>
-              </a:spcBef>
-              <a:spcAft>
-                <a:spcPts val="0"/>
-              </a:spcAft>
-              <a:buNone/>
-            </a:pPr>
-            <a:r>
-              <a:rPr lang="ja"/>
-              <a:t>Sim2Realの構成</a:t>
-            </a:r>
-            <a:endParaRPr/>
-          </a:p>
-        </p:txBody>
-      </p:sp>
-      <p:sp>
-        <p:nvSpPr>
-          <p:cNvPr id="317" name="Google Shape;317;p17"/>
-          <p:cNvSpPr/>
-          <p:nvPr/>
-        </p:nvSpPr>
-        <p:spPr>
-          <a:xfrm>
-            <a:off x="1869038" y="2518250"/>
-            <a:ext cx="1556100" cy="705900"/>
-          </a:xfrm>
-          <a:prstGeom prst="rect">
-            <a:avLst/>
-          </a:prstGeom>
-          <a:solidFill>
-            <a:schemeClr val="lt2"/>
-          </a:solidFill>
-          <a:ln cap="flat" cmpd="sng" w="9525">
-            <a:solidFill>
-              <a:schemeClr val="dk2"/>
-            </a:solidFill>
-            <a:prstDash val="solid"/>
-            <a:round/>
-            <a:headEnd len="sm" w="sm" type="none"/>
-            <a:tailEnd len="sm" w="sm" type="none"/>
-          </a:ln>
-        </p:spPr>
-        <p:txBody>
-          <a:bodyPr anchorCtr="0" anchor="ctr" bIns="91425" lIns="91425" spcFirstLastPara="1" rIns="91425" wrap="square" tIns="91425">
-            <a:noAutofit/>
-          </a:bodyPr>
-          <a:lstStyle/>
-          <a:p>
-            <a:pPr indent="0" lvl="0" marL="0" rtl="0" algn="ctr">
-              <a:spcBef>
-                <a:spcPts val="0"/>
-              </a:spcBef>
-              <a:spcAft>
-                <a:spcPts val="0"/>
-              </a:spcAft>
-              <a:buNone/>
-            </a:pPr>
-            <a:r>
-              <a:rPr lang="ja">
-                <a:latin typeface="Nunito"/>
-                <a:ea typeface="Nunito"/>
-                <a:cs typeface="Nunito"/>
-                <a:sym typeface="Nunito"/>
-              </a:rPr>
-              <a:t>Policy</a:t>
-            </a:r>
-            <a:endParaRPr>
-              <a:latin typeface="Nunito"/>
-              <a:ea typeface="Nunito"/>
-              <a:cs typeface="Nunito"/>
-              <a:sym typeface="Nunito"/>
-            </a:endParaRPr>
-          </a:p>
-        </p:txBody>
-      </p:sp>
-      <p:sp>
-        <p:nvSpPr>
-          <p:cNvPr id="318" name="Google Shape;318;p17"/>
-          <p:cNvSpPr/>
-          <p:nvPr/>
-        </p:nvSpPr>
-        <p:spPr>
-          <a:xfrm>
-            <a:off x="3604963" y="3052900"/>
-            <a:ext cx="2017500" cy="171300"/>
-          </a:xfrm>
-          <a:prstGeom prst="leftArrow">
-            <a:avLst>
-              <a:gd fmla="val 50000" name="adj1"/>
-              <a:gd fmla="val 50000" name="adj2"/>
-            </a:avLst>
-          </a:prstGeom>
-          <a:solidFill>
-            <a:srgbClr val="FF9900"/>
-          </a:solidFill>
-          <a:ln cap="flat" cmpd="sng" w="9525">
-            <a:solidFill>
-              <a:schemeClr val="dk2"/>
-            </a:solidFill>
-            <a:prstDash val="solid"/>
-            <a:round/>
-            <a:headEnd len="sm" w="sm" type="none"/>
-            <a:tailEnd len="sm" w="sm" type="none"/>
-          </a:ln>
-        </p:spPr>
-        <p:txBody>
-          <a:bodyPr anchorCtr="0" anchor="ctr" bIns="91425" lIns="91425" spcFirstLastPara="1" rIns="91425" wrap="square" tIns="91425">
-            <a:noAutofit/>
-          </a:bodyPr>
-          <a:lstStyle/>
-          <a:p>
-            <a:pPr indent="0" lvl="0" marL="0" rtl="0" algn="ctr">
-              <a:spcBef>
-                <a:spcPts val="0"/>
-              </a:spcBef>
-              <a:spcAft>
-                <a:spcPts val="0"/>
-              </a:spcAft>
-              <a:buNone/>
-            </a:pPr>
-            <a:r>
-              <a:t/>
-            </a:r>
-            <a:endParaRPr>
-              <a:latin typeface="Nunito"/>
-              <a:ea typeface="Nunito"/>
-              <a:cs typeface="Nunito"/>
-              <a:sym typeface="Nunito"/>
-            </a:endParaRPr>
-          </a:p>
-        </p:txBody>
-      </p:sp>
-      <p:sp>
-        <p:nvSpPr>
-          <p:cNvPr id="319" name="Google Shape;319;p17"/>
-          <p:cNvSpPr txBox="1"/>
-          <p:nvPr/>
-        </p:nvSpPr>
-        <p:spPr>
-          <a:xfrm>
-            <a:off x="3455613" y="2247525"/>
-            <a:ext cx="928800" cy="384900"/>
-          </a:xfrm>
-          <a:prstGeom prst="rect">
-            <a:avLst/>
-          </a:prstGeom>
-          <a:noFill/>
-          <a:ln>
-            <a:noFill/>
-          </a:ln>
-        </p:spPr>
-        <p:txBody>
-          <a:bodyPr anchorCtr="0" anchor="t" bIns="91425" lIns="91425" spcFirstLastPara="1" rIns="91425" wrap="square" tIns="91425">
-            <a:spAutoFit/>
-          </a:bodyPr>
-          <a:lstStyle/>
-          <a:p>
-            <a:pPr indent="0" lvl="0" marL="0" rtl="0" algn="l">
-              <a:spcBef>
-                <a:spcPts val="0"/>
-              </a:spcBef>
-              <a:spcAft>
-                <a:spcPts val="0"/>
-              </a:spcAft>
-              <a:buNone/>
-            </a:pPr>
-            <a:r>
-              <a:rPr lang="ja" sz="1300">
-                <a:solidFill>
-                  <a:schemeClr val="dk2"/>
-                </a:solidFill>
-                <a:latin typeface="Nunito"/>
-                <a:ea typeface="Nunito"/>
-                <a:cs typeface="Nunito"/>
-                <a:sym typeface="Nunito"/>
-              </a:rPr>
-              <a:t>actions</a:t>
-            </a:r>
-            <a:endParaRPr sz="1300">
-              <a:solidFill>
-                <a:schemeClr val="dk2"/>
-              </a:solidFill>
-              <a:latin typeface="Nunito"/>
-              <a:ea typeface="Nunito"/>
-              <a:cs typeface="Nunito"/>
-              <a:sym typeface="Nunito"/>
-            </a:endParaRPr>
-          </a:p>
-        </p:txBody>
-      </p:sp>
-      <p:sp>
-        <p:nvSpPr>
-          <p:cNvPr id="320" name="Google Shape;320;p17"/>
-          <p:cNvSpPr txBox="1"/>
-          <p:nvPr/>
-        </p:nvSpPr>
-        <p:spPr>
-          <a:xfrm>
-            <a:off x="3813613" y="3224025"/>
-            <a:ext cx="477300" cy="384900"/>
-          </a:xfrm>
-          <a:prstGeom prst="rect">
-            <a:avLst/>
-          </a:prstGeom>
-          <a:noFill/>
-          <a:ln>
-            <a:noFill/>
-          </a:ln>
-        </p:spPr>
-        <p:txBody>
-          <a:bodyPr anchorCtr="0" anchor="t" bIns="91425" lIns="91425" spcFirstLastPara="1" rIns="91425" wrap="square" tIns="91425">
-            <a:spAutoFit/>
-          </a:bodyPr>
-          <a:lstStyle/>
-          <a:p>
-            <a:pPr indent="0" lvl="0" marL="0" rtl="0" algn="l">
-              <a:spcBef>
-                <a:spcPts val="0"/>
-              </a:spcBef>
-              <a:spcAft>
-                <a:spcPts val="0"/>
-              </a:spcAft>
-              <a:buNone/>
-            </a:pPr>
-            <a:r>
-              <a:rPr lang="ja" sz="1300">
-                <a:solidFill>
-                  <a:schemeClr val="dk2"/>
-                </a:solidFill>
-                <a:latin typeface="Nunito"/>
-                <a:ea typeface="Nunito"/>
-                <a:cs typeface="Nunito"/>
-                <a:sym typeface="Nunito"/>
-              </a:rPr>
-              <a:t>obs</a:t>
-            </a:r>
-            <a:endParaRPr sz="1300">
-              <a:solidFill>
-                <a:schemeClr val="dk2"/>
-              </a:solidFill>
-              <a:latin typeface="Nunito"/>
-              <a:ea typeface="Nunito"/>
-              <a:cs typeface="Nunito"/>
-              <a:sym typeface="Nunito"/>
-            </a:endParaRPr>
-          </a:p>
-        </p:txBody>
-      </p:sp>
-      <p:sp>
-        <p:nvSpPr>
-          <p:cNvPr id="321" name="Google Shape;321;p17"/>
-          <p:cNvSpPr txBox="1"/>
-          <p:nvPr/>
-        </p:nvSpPr>
-        <p:spPr>
-          <a:xfrm>
-            <a:off x="4524813" y="2247525"/>
-            <a:ext cx="1501200" cy="384900"/>
-          </a:xfrm>
-          <a:prstGeom prst="rect">
-            <a:avLst/>
-          </a:prstGeom>
-          <a:noFill/>
-          <a:ln>
-            <a:noFill/>
-          </a:ln>
-        </p:spPr>
-        <p:txBody>
-          <a:bodyPr anchorCtr="0" anchor="t" bIns="91425" lIns="91425" spcFirstLastPara="1" rIns="91425" wrap="square" tIns="91425">
-            <a:spAutoFit/>
-          </a:bodyPr>
-          <a:lstStyle/>
-          <a:p>
-            <a:pPr indent="0" lvl="0" marL="0" rtl="0" algn="l">
-              <a:spcBef>
-                <a:spcPts val="0"/>
-              </a:spcBef>
-              <a:spcAft>
-                <a:spcPts val="0"/>
-              </a:spcAft>
-              <a:buNone/>
-            </a:pPr>
-            <a:r>
-              <a:rPr lang="ja" sz="1300">
-                <a:solidFill>
-                  <a:schemeClr val="dk2"/>
-                </a:solidFill>
-                <a:latin typeface="Nunito"/>
-                <a:ea typeface="Nunito"/>
-                <a:cs typeface="Nunito"/>
-                <a:sym typeface="Nunito"/>
-              </a:rPr>
-              <a:t>target_dof_pos</a:t>
-            </a:r>
-            <a:endParaRPr sz="1300">
-              <a:solidFill>
-                <a:schemeClr val="dk2"/>
-              </a:solidFill>
-              <a:latin typeface="Nunito"/>
-              <a:ea typeface="Nunito"/>
-              <a:cs typeface="Nunito"/>
-              <a:sym typeface="Nunito"/>
-            </a:endParaRPr>
-          </a:p>
-        </p:txBody>
-      </p:sp>
-      <p:sp>
-        <p:nvSpPr>
-          <p:cNvPr id="322" name="Google Shape;322;p17"/>
-          <p:cNvSpPr/>
-          <p:nvPr/>
-        </p:nvSpPr>
-        <p:spPr>
-          <a:xfrm>
-            <a:off x="5773763" y="2518250"/>
+            <a:off x="4737438" y="2205825"/>
             <a:ext cx="1501200" cy="705900"/>
           </a:xfrm>
           <a:prstGeom prst="roundRect">
@@ -18062,13 +18247,13 @@
       </p:sp>
       <p:sp>
         <p:nvSpPr>
-          <p:cNvPr id="323" name="Google Shape;323;p17"/>
+          <p:cNvPr id="325" name="Google Shape;325;p17"/>
           <p:cNvSpPr/>
           <p:nvPr/>
         </p:nvSpPr>
         <p:spPr>
           <a:xfrm>
-            <a:off x="4177063" y="2537375"/>
+            <a:off x="3140738" y="2224950"/>
             <a:ext cx="576300" cy="259500"/>
           </a:xfrm>
           <a:prstGeom prst="rect">
@@ -18122,13 +18307,13 @@
       </p:sp>
       <p:sp>
         <p:nvSpPr>
-          <p:cNvPr id="324" name="Google Shape;324;p17"/>
+          <p:cNvPr id="326" name="Google Shape;326;p17"/>
           <p:cNvSpPr/>
           <p:nvPr/>
         </p:nvSpPr>
         <p:spPr>
           <a:xfrm>
-            <a:off x="4811013" y="2581475"/>
+            <a:off x="3774688" y="2269050"/>
             <a:ext cx="928800" cy="171300"/>
           </a:xfrm>
           <a:prstGeom prst="rightArrow">
@@ -18179,14 +18364,14 @@
       </p:sp>
       <p:sp>
         <p:nvSpPr>
-          <p:cNvPr id="325" name="Google Shape;325;p17"/>
+          <p:cNvPr id="327" name="Google Shape;327;p17"/>
           <p:cNvSpPr txBox="1"/>
           <p:nvPr/>
         </p:nvSpPr>
         <p:spPr>
           <a:xfrm>
-            <a:off x="4577713" y="3109750"/>
-            <a:ext cx="773100" cy="785100"/>
+            <a:off x="3541425" y="2797325"/>
+            <a:ext cx="2348700" cy="785100"/>
           </a:xfrm>
           <a:prstGeom prst="rect">
             <a:avLst/>
@@ -18221,7 +18406,7 @@
                 <a:cs typeface="Nunito"/>
                 <a:sym typeface="Nunito"/>
               </a:rPr>
-              <a:t>dof_pos</a:t>
+              <a:t>joint.position[]</a:t>
             </a:r>
             <a:endParaRPr sz="1300">
               <a:solidFill>
@@ -18253,7 +18438,7 @@
                 <a:cs typeface="Nunito"/>
                 <a:sym typeface="Nunito"/>
               </a:rPr>
-              <a:t>dof_vel</a:t>
+              <a:t>joint.velocity[]</a:t>
             </a:r>
             <a:endParaRPr sz="1300">
               <a:solidFill>
@@ -18285,7 +18470,7 @@
                 <a:cs typeface="Nunito"/>
                 <a:sym typeface="Nunito"/>
               </a:rPr>
-              <a:t>imu</a:t>
+              <a:t>imu.orientation</a:t>
             </a:r>
             <a:endParaRPr sz="1300">
               <a:solidFill>
@@ -18301,13 +18486,13 @@
       </p:sp>
       <p:sp>
         <p:nvSpPr>
-          <p:cNvPr id="326" name="Google Shape;326;p17"/>
+          <p:cNvPr id="328" name="Google Shape;328;p17"/>
           <p:cNvSpPr/>
           <p:nvPr/>
         </p:nvSpPr>
         <p:spPr>
           <a:xfrm>
-            <a:off x="3455613" y="2581475"/>
+            <a:off x="2419288" y="2269050"/>
             <a:ext cx="685800" cy="171300"/>
           </a:xfrm>
           <a:prstGeom prst="rightArrow">
@@ -18358,13 +18543,13 @@
       </p:sp>
       <p:sp>
         <p:nvSpPr>
-          <p:cNvPr id="327" name="Google Shape;327;p17"/>
+          <p:cNvPr id="329" name="Google Shape;329;p17"/>
           <p:cNvSpPr/>
           <p:nvPr/>
         </p:nvSpPr>
         <p:spPr>
           <a:xfrm>
-            <a:off x="5773775" y="4037375"/>
+            <a:off x="4737450" y="3724950"/>
             <a:ext cx="1501200" cy="354000"/>
           </a:xfrm>
           <a:prstGeom prst="roundRect">
@@ -18407,7 +18592,7 @@
                 <a:cs typeface="Nunito"/>
                 <a:sym typeface="Nunito"/>
               </a:rPr>
-              <a:t>comamnder</a:t>
+              <a:t>commander</a:t>
             </a:r>
             <a:endParaRPr>
               <a:latin typeface="Nunito"/>
@@ -18420,13 +18605,13 @@
       </p:sp>
       <p:sp>
         <p:nvSpPr>
-          <p:cNvPr id="328" name="Google Shape;328;p17"/>
+          <p:cNvPr id="330" name="Google Shape;330;p17"/>
           <p:cNvSpPr txBox="1"/>
           <p:nvPr/>
         </p:nvSpPr>
         <p:spPr>
           <a:xfrm>
-            <a:off x="6094796" y="4352300"/>
+            <a:off x="5058471" y="4039875"/>
             <a:ext cx="1295700" cy="384900"/>
           </a:xfrm>
           <a:prstGeom prst="rect">
@@ -18478,13 +18663,13 @@
       </p:sp>
       <p:sp>
         <p:nvSpPr>
-          <p:cNvPr id="329" name="Google Shape;329;p17"/>
+          <p:cNvPr id="331" name="Google Shape;331;p17"/>
           <p:cNvSpPr/>
           <p:nvPr/>
         </p:nvSpPr>
         <p:spPr>
           <a:xfrm rot="-5400000">
-            <a:off x="4518175" y="3135950"/>
+            <a:off x="3511000" y="2809525"/>
             <a:ext cx="913500" cy="1323600"/>
           </a:xfrm>
           <a:prstGeom prst="bentArrow">
@@ -18537,13 +18722,13 @@
       </p:sp>
       <p:sp>
         <p:nvSpPr>
-          <p:cNvPr id="330" name="Google Shape;330;p17"/>
+          <p:cNvPr id="332" name="Google Shape;332;p17"/>
           <p:cNvSpPr/>
           <p:nvPr/>
         </p:nvSpPr>
         <p:spPr>
           <a:xfrm>
-            <a:off x="4322025" y="3201275"/>
+            <a:off x="3305950" y="2760875"/>
             <a:ext cx="130500" cy="130500"/>
           </a:xfrm>
           <a:prstGeom prst="mathPlus">
@@ -18593,13 +18778,13 @@
       </p:sp>
       <p:sp>
         <p:nvSpPr>
-          <p:cNvPr id="331" name="Google Shape;331;p17"/>
+          <p:cNvPr id="333" name="Google Shape;333;p17"/>
           <p:cNvSpPr txBox="1"/>
           <p:nvPr/>
         </p:nvSpPr>
         <p:spPr>
           <a:xfrm>
-            <a:off x="4747850" y="4410800"/>
+            <a:off x="3711525" y="4098375"/>
             <a:ext cx="2813400" cy="384900"/>
           </a:xfrm>
           <a:prstGeom prst="rect">
@@ -18642,13 +18827,13 @@
       </p:sp>
       <p:sp>
         <p:nvSpPr>
-          <p:cNvPr id="332" name="Google Shape;332;p17"/>
+          <p:cNvPr id="334" name="Google Shape;334;p17"/>
           <p:cNvSpPr txBox="1"/>
           <p:nvPr/>
         </p:nvSpPr>
         <p:spPr>
           <a:xfrm>
-            <a:off x="4571996" y="4207725"/>
+            <a:off x="3535671" y="3895300"/>
             <a:ext cx="1271400" cy="384900"/>
           </a:xfrm>
           <a:prstGeom prst="rect">
@@ -18710,6 +18895,117 @@
           </a:p>
         </p:txBody>
       </p:sp>
+      <p:sp>
+        <p:nvSpPr>
+          <p:cNvPr id="335" name="Google Shape;335;p17"/>
+          <p:cNvSpPr/>
+          <p:nvPr/>
+        </p:nvSpPr>
+        <p:spPr>
+          <a:xfrm>
+            <a:off x="2419299" y="2740475"/>
+            <a:ext cx="834600" cy="171300"/>
+          </a:xfrm>
+          <a:prstGeom prst="leftArrow">
+            <a:avLst>
+              <a:gd fmla="val 50000" name="adj1"/>
+              <a:gd fmla="val 50000" name="adj2"/>
+            </a:avLst>
+          </a:prstGeom>
+          <a:solidFill>
+            <a:srgbClr val="FF9900"/>
+          </a:solidFill>
+          <a:ln cap="flat" cmpd="sng" w="9525">
+            <a:solidFill>
+              <a:schemeClr val="dk2"/>
+            </a:solidFill>
+            <a:prstDash val="solid"/>
+            <a:round/>
+            <a:headEnd len="sm" w="sm" type="none"/>
+            <a:tailEnd len="sm" w="sm" type="none"/>
+          </a:ln>
+        </p:spPr>
+        <p:txBody>
+          <a:bodyPr anchorCtr="0" anchor="ctr" bIns="91425" lIns="91425" spcFirstLastPara="1" rIns="91425" wrap="square" tIns="91425">
+            <a:noAutofit/>
+          </a:bodyPr>
+          <a:lstStyle/>
+          <a:p>
+            <a:pPr indent="0" lvl="0" marL="0" rtl="0" algn="ctr">
+              <a:spcBef>
+                <a:spcPts val="0"/>
+              </a:spcBef>
+              <a:spcAft>
+                <a:spcPts val="0"/>
+              </a:spcAft>
+              <a:buNone/>
+            </a:pPr>
+            <a:r>
+              <a:t/>
+            </a:r>
+            <a:endParaRPr>
+              <a:latin typeface="Nunito"/>
+              <a:ea typeface="Nunito"/>
+              <a:cs typeface="Nunito"/>
+              <a:sym typeface="Nunito"/>
+            </a:endParaRPr>
+          </a:p>
+        </p:txBody>
+      </p:sp>
+      <p:pic>
+        <p:nvPicPr>
+          <p:cNvPr id="336" name="Google Shape;336;p17" title="PXL_20250318_141826611.jpg"/>
+          <p:cNvPicPr preferRelativeResize="0"/>
+          <p:nvPr/>
+        </p:nvPicPr>
+        <p:blipFill rotWithShape="1">
+          <a:blip r:embed="rId3">
+            <a:alphaModFix/>
+          </a:blip>
+          <a:srcRect b="4419" l="12524" r="11150" t="9254"/>
+          <a:stretch/>
+        </p:blipFill>
+        <p:spPr>
+          <a:xfrm flipH="1">
+            <a:off x="6272600" y="1332475"/>
+            <a:ext cx="1798825" cy="1525824"/>
+          </a:xfrm>
+          <a:prstGeom prst="rect">
+            <a:avLst/>
+          </a:prstGeom>
+          <a:noFill/>
+          <a:ln>
+            <a:noFill/>
+          </a:ln>
+        </p:spPr>
+      </p:pic>
+      <p:pic>
+        <p:nvPicPr>
+          <p:cNvPr id="337" name="Google Shape;337;p17" title="PXL_20250318_142402379.jpg"/>
+          <p:cNvPicPr preferRelativeResize="0"/>
+          <p:nvPr/>
+        </p:nvPicPr>
+        <p:blipFill rotWithShape="1">
+          <a:blip r:embed="rId4">
+            <a:alphaModFix/>
+          </a:blip>
+          <a:srcRect b="14743" l="11835" r="8572" t="31723"/>
+          <a:stretch/>
+        </p:blipFill>
+        <p:spPr>
+          <a:xfrm>
+            <a:off x="6281775" y="3438025"/>
+            <a:ext cx="1194851" cy="1071575"/>
+          </a:xfrm>
+          <a:prstGeom prst="rect">
+            <a:avLst/>
+          </a:prstGeom>
+          <a:noFill/>
+          <a:ln>
+            <a:noFill/>
+          </a:ln>
+        </p:spPr>
+      </p:pic>
     </p:spTree>
   </p:cSld>
   <p:clrMapOvr>
@@ -18723,7 +19019,7 @@
   <p:cSld>
     <p:spTree>
       <p:nvGrpSpPr>
-        <p:cNvPr id="336" name="Shape 336"/>
+        <p:cNvPr id="341" name="Shape 341"/>
         <p:cNvGrpSpPr/>
         <p:nvPr/>
       </p:nvGrpSpPr>
@@ -18737,7 +19033,7 @@
       </p:grpSpPr>
       <p:sp>
         <p:nvSpPr>
-          <p:cNvPr id="337" name="Google Shape;337;p18"/>
+          <p:cNvPr id="342" name="Google Shape;342;p18"/>
           <p:cNvSpPr txBox="1"/>
           <p:nvPr>
             <p:ph type="title"/>
@@ -18777,7 +19073,7 @@
       </p:sp>
       <p:sp>
         <p:nvSpPr>
-          <p:cNvPr id="338" name="Google Shape;338;p18"/>
+          <p:cNvPr id="343" name="Google Shape;343;p18"/>
           <p:cNvSpPr txBox="1"/>
           <p:nvPr/>
         </p:nvSpPr>
@@ -18835,241 +19131,7 @@
       </p:sp>
       <p:sp>
         <p:nvSpPr>
-          <p:cNvPr id="339" name="Google Shape;339;p18"/>
-          <p:cNvSpPr txBox="1"/>
-          <p:nvPr/>
-        </p:nvSpPr>
-        <p:spPr>
-          <a:xfrm>
-            <a:off x="1250750" y="2107050"/>
-            <a:ext cx="6811800" cy="1585500"/>
-          </a:xfrm>
-          <a:prstGeom prst="rect">
-            <a:avLst/>
-          </a:prstGeom>
-          <a:noFill/>
-          <a:ln>
-            <a:noFill/>
-          </a:ln>
-        </p:spPr>
-        <p:txBody>
-          <a:bodyPr anchorCtr="0" anchor="t" bIns="91425" lIns="91425" spcFirstLastPara="1" rIns="91425" wrap="square" tIns="91425">
-            <a:spAutoFit/>
-          </a:bodyPr>
-          <a:lstStyle/>
-          <a:p>
-            <a:pPr indent="0" lvl="0" marL="0" rtl="0" algn="l">
-              <a:spcBef>
-                <a:spcPts val="0"/>
-              </a:spcBef>
-              <a:spcAft>
-                <a:spcPts val="0"/>
-              </a:spcAft>
-              <a:buNone/>
-            </a:pPr>
-            <a:r>
-              <a:rPr lang="ja" sz="1300">
-                <a:solidFill>
-                  <a:schemeClr val="dk2"/>
-                </a:solidFill>
-                <a:latin typeface="Nunito"/>
-                <a:ea typeface="Nunito"/>
-                <a:cs typeface="Nunito"/>
-                <a:sym typeface="Nunito"/>
-              </a:rPr>
-              <a:t>unitree_guideを使用。関節角度を受け取って再生するモード（状態）を追加する。</a:t>
-            </a:r>
-            <a:endParaRPr sz="1300">
-              <a:solidFill>
-                <a:schemeClr val="dk2"/>
-              </a:solidFill>
-              <a:latin typeface="Nunito"/>
-              <a:ea typeface="Nunito"/>
-              <a:cs typeface="Nunito"/>
-              <a:sym typeface="Nunito"/>
-            </a:endParaRPr>
-          </a:p>
-          <a:p>
-            <a:pPr indent="0" lvl="0" marL="0" rtl="0" algn="l">
-              <a:spcBef>
-                <a:spcPts val="0"/>
-              </a:spcBef>
-              <a:spcAft>
-                <a:spcPts val="0"/>
-              </a:spcAft>
-              <a:buNone/>
-            </a:pPr>
-            <a:r>
-              <a:t/>
-            </a:r>
-            <a:endParaRPr sz="1300">
-              <a:solidFill>
-                <a:schemeClr val="dk2"/>
-              </a:solidFill>
-              <a:latin typeface="Nunito"/>
-              <a:ea typeface="Nunito"/>
-              <a:cs typeface="Nunito"/>
-              <a:sym typeface="Nunito"/>
-            </a:endParaRPr>
-          </a:p>
-          <a:p>
-            <a:pPr indent="0" lvl="0" marL="0" rtl="0" algn="l">
-              <a:spcBef>
-                <a:spcPts val="0"/>
-              </a:spcBef>
-              <a:spcAft>
-                <a:spcPts val="0"/>
-              </a:spcAft>
-              <a:buNone/>
-            </a:pPr>
-            <a:r>
-              <a:rPr lang="ja" sz="1300">
-                <a:solidFill>
-                  <a:schemeClr val="dk2"/>
-                </a:solidFill>
-                <a:latin typeface="Nunito"/>
-                <a:ea typeface="Nunito"/>
-                <a:cs typeface="Nunito"/>
-                <a:sym typeface="Nunito"/>
-              </a:rPr>
-              <a:t>unitreeroboticsのリポジトリ</a:t>
-            </a:r>
-            <a:endParaRPr sz="1300">
-              <a:solidFill>
-                <a:schemeClr val="dk2"/>
-              </a:solidFill>
-              <a:latin typeface="Nunito"/>
-              <a:ea typeface="Nunito"/>
-              <a:cs typeface="Nunito"/>
-              <a:sym typeface="Nunito"/>
-            </a:endParaRPr>
-          </a:p>
-          <a:p>
-            <a:pPr indent="0" lvl="0" marL="0" rtl="0" algn="l">
-              <a:spcBef>
-                <a:spcPts val="0"/>
-              </a:spcBef>
-              <a:spcAft>
-                <a:spcPts val="0"/>
-              </a:spcAft>
-              <a:buNone/>
-            </a:pPr>
-            <a:r>
-              <a:rPr lang="ja" sz="1300" u="sng">
-                <a:solidFill>
-                  <a:schemeClr val="hlink"/>
-                </a:solidFill>
-                <a:latin typeface="Nunito"/>
-                <a:ea typeface="Nunito"/>
-                <a:cs typeface="Nunito"/>
-                <a:sym typeface="Nunito"/>
-                <a:hlinkClick r:id="rId3"/>
-              </a:rPr>
-              <a:t>https://github.com/unitreerobotics/unitree_guide</a:t>
-            </a:r>
-            <a:endParaRPr sz="1300">
-              <a:solidFill>
-                <a:schemeClr val="dk2"/>
-              </a:solidFill>
-              <a:latin typeface="Nunito"/>
-              <a:ea typeface="Nunito"/>
-              <a:cs typeface="Nunito"/>
-              <a:sym typeface="Nunito"/>
-            </a:endParaRPr>
-          </a:p>
-          <a:p>
-            <a:pPr indent="0" lvl="0" marL="0" rtl="0" algn="l">
-              <a:spcBef>
-                <a:spcPts val="0"/>
-              </a:spcBef>
-              <a:spcAft>
-                <a:spcPts val="0"/>
-              </a:spcAft>
-              <a:buNone/>
-            </a:pPr>
-            <a:r>
-              <a:t/>
-            </a:r>
-            <a:endParaRPr sz="1300">
-              <a:solidFill>
-                <a:schemeClr val="dk2"/>
-              </a:solidFill>
-              <a:latin typeface="Nunito"/>
-              <a:ea typeface="Nunito"/>
-              <a:cs typeface="Nunito"/>
-              <a:sym typeface="Nunito"/>
-            </a:endParaRPr>
-          </a:p>
-          <a:p>
-            <a:pPr indent="0" lvl="0" marL="0" rtl="0" algn="l">
-              <a:spcBef>
-                <a:spcPts val="0"/>
-              </a:spcBef>
-              <a:spcAft>
-                <a:spcPts val="0"/>
-              </a:spcAft>
-              <a:buNone/>
-            </a:pPr>
-            <a:r>
-              <a:rPr lang="ja" sz="1300">
-                <a:solidFill>
-                  <a:schemeClr val="dk2"/>
-                </a:solidFill>
-                <a:latin typeface="Nunito"/>
-                <a:ea typeface="Nunito"/>
-                <a:cs typeface="Nunito"/>
-                <a:sym typeface="Nunito"/>
-              </a:rPr>
-              <a:t>モード追加済リポジトリ</a:t>
-            </a:r>
-            <a:endParaRPr sz="1300">
-              <a:solidFill>
-                <a:schemeClr val="dk2"/>
-              </a:solidFill>
-              <a:latin typeface="Nunito"/>
-              <a:ea typeface="Nunito"/>
-              <a:cs typeface="Nunito"/>
-              <a:sym typeface="Nunito"/>
-            </a:endParaRPr>
-          </a:p>
-          <a:p>
-            <a:pPr indent="0" lvl="0" marL="0" rtl="0" algn="l">
-              <a:spcBef>
-                <a:spcPts val="0"/>
-              </a:spcBef>
-              <a:spcAft>
-                <a:spcPts val="0"/>
-              </a:spcAft>
-              <a:buNone/>
-            </a:pPr>
-            <a:r>
-              <a:rPr lang="ja" sz="1300" u="sng">
-                <a:solidFill>
-                  <a:schemeClr val="hlink"/>
-                </a:solidFill>
-                <a:latin typeface="Nunito"/>
-                <a:ea typeface="Nunito"/>
-                <a:cs typeface="Nunito"/>
-                <a:sym typeface="Nunito"/>
-                <a:hlinkClick r:id="rId4"/>
-              </a:rPr>
-              <a:t>https://github.com/shimaken-git/unitree_guide</a:t>
-            </a:r>
-            <a:endParaRPr sz="1300">
-              <a:solidFill>
-                <a:schemeClr val="dk2"/>
-              </a:solidFill>
-              <a:latin typeface="Nunito"/>
-              <a:ea typeface="Nunito"/>
-              <a:cs typeface="Nunito"/>
-              <a:sym typeface="Nunito"/>
-            </a:endParaRPr>
-          </a:p>
-        </p:txBody>
-      </p:sp>
-      <p:sp>
-        <p:nvSpPr>
-          <p:cNvPr id="340" name="Google Shape;340;p18"/>
+          <p:cNvPr id="344" name="Google Shape;344;p18"/>
           <p:cNvSpPr txBox="1"/>
           <p:nvPr/>
         </p:nvSpPr>
@@ -19139,14 +19201,14 @@
       </p:sp>
       <p:sp>
         <p:nvSpPr>
-          <p:cNvPr id="341" name="Google Shape;341;p18"/>
+          <p:cNvPr id="345" name="Google Shape;345;p18"/>
           <p:cNvSpPr txBox="1"/>
           <p:nvPr/>
         </p:nvSpPr>
         <p:spPr>
           <a:xfrm>
-            <a:off x="1250750" y="4249200"/>
-            <a:ext cx="6811800" cy="585000"/>
+            <a:off x="1250750" y="4165875"/>
+            <a:ext cx="6811800" cy="785100"/>
           </a:xfrm>
           <a:prstGeom prst="rect">
             <a:avLst/>
@@ -19204,7 +19266,356 @@
               <a:buNone/>
             </a:pPr>
             <a:r>
+              <a:rPr lang="ja" sz="1300" u="sng">
+                <a:solidFill>
+                  <a:schemeClr val="hlink"/>
+                </a:solidFill>
+                <a:latin typeface="Nunito"/>
+                <a:ea typeface="Nunito"/>
+                <a:cs typeface="Nunito"/>
+                <a:sym typeface="Nunito"/>
+                <a:hlinkClick r:id="rId3"/>
+              </a:rPr>
+              <a:t>https://github.com/shimaken-git/Genesis</a:t>
+            </a:r>
+            <a:endParaRPr sz="1300">
+              <a:solidFill>
+                <a:schemeClr val="dk2"/>
+              </a:solidFill>
+              <a:latin typeface="Nunito"/>
+              <a:ea typeface="Nunito"/>
+              <a:cs typeface="Nunito"/>
+              <a:sym typeface="Nunito"/>
+            </a:endParaRPr>
+          </a:p>
+          <a:p>
+            <a:pPr indent="0" lvl="0" marL="0" rtl="0" algn="l">
+              <a:spcBef>
+                <a:spcPts val="0"/>
+              </a:spcBef>
+              <a:spcAft>
+                <a:spcPts val="0"/>
+              </a:spcAft>
+              <a:buNone/>
+            </a:pPr>
+            <a:r>
               <a:t/>
+            </a:r>
+            <a:endParaRPr sz="1300">
+              <a:solidFill>
+                <a:schemeClr val="dk2"/>
+              </a:solidFill>
+              <a:latin typeface="Nunito"/>
+              <a:ea typeface="Nunito"/>
+              <a:cs typeface="Nunito"/>
+              <a:sym typeface="Nunito"/>
+            </a:endParaRPr>
+          </a:p>
+        </p:txBody>
+      </p:sp>
+      <p:pic>
+        <p:nvPicPr>
+          <p:cNvPr id="346" name="Google Shape;346;p18" title="Gf3j8hZawAE-jul.png"/>
+          <p:cNvPicPr preferRelativeResize="0"/>
+          <p:nvPr/>
+        </p:nvPicPr>
+        <p:blipFill>
+          <a:blip r:embed="rId4">
+            <a:alphaModFix/>
+          </a:blip>
+          <a:stretch>
+            <a:fillRect/>
+          </a:stretch>
+        </p:blipFill>
+        <p:spPr>
+          <a:xfrm>
+            <a:off x="6149928" y="476250"/>
+            <a:ext cx="2679944" cy="2956575"/>
+          </a:xfrm>
+          <a:prstGeom prst="rect">
+            <a:avLst/>
+          </a:prstGeom>
+          <a:noFill/>
+          <a:ln>
+            <a:noFill/>
+          </a:ln>
+        </p:spPr>
+      </p:pic>
+      <p:sp>
+        <p:nvSpPr>
+          <p:cNvPr id="347" name="Google Shape;347;p18"/>
+          <p:cNvSpPr/>
+          <p:nvPr/>
+        </p:nvSpPr>
+        <p:spPr>
+          <a:xfrm>
+            <a:off x="6088375" y="2171700"/>
+            <a:ext cx="1318200" cy="266700"/>
+          </a:xfrm>
+          <a:prstGeom prst="rect">
+            <a:avLst/>
+          </a:prstGeom>
+          <a:solidFill>
+            <a:schemeClr val="lt1"/>
+          </a:solidFill>
+          <a:ln cap="flat" cmpd="sng" w="9525">
+            <a:solidFill>
+              <a:srgbClr val="FFFFFF"/>
+            </a:solidFill>
+            <a:prstDash val="solid"/>
+            <a:round/>
+            <a:headEnd len="sm" w="sm" type="none"/>
+            <a:tailEnd len="sm" w="sm" type="none"/>
+          </a:ln>
+        </p:spPr>
+        <p:txBody>
+          <a:bodyPr anchorCtr="0" anchor="ctr" bIns="91425" lIns="91425" spcFirstLastPara="1" rIns="91425" wrap="square" tIns="91425">
+            <a:noAutofit/>
+          </a:bodyPr>
+          <a:lstStyle/>
+          <a:p>
+            <a:pPr indent="0" lvl="0" marL="0" rtl="0" algn="ctr">
+              <a:spcBef>
+                <a:spcPts val="0"/>
+              </a:spcBef>
+              <a:spcAft>
+                <a:spcPts val="0"/>
+              </a:spcAft>
+              <a:buNone/>
+            </a:pPr>
+            <a:r>
+              <a:t/>
+            </a:r>
+            <a:endParaRPr>
+              <a:latin typeface="Nunito"/>
+              <a:ea typeface="Nunito"/>
+              <a:cs typeface="Nunito"/>
+              <a:sym typeface="Nunito"/>
+            </a:endParaRPr>
+          </a:p>
+        </p:txBody>
+      </p:sp>
+      <p:sp>
+        <p:nvSpPr>
+          <p:cNvPr id="348" name="Google Shape;348;p18"/>
+          <p:cNvSpPr txBox="1"/>
+          <p:nvPr/>
+        </p:nvSpPr>
+        <p:spPr>
+          <a:xfrm>
+            <a:off x="1250750" y="2107050"/>
+            <a:ext cx="6811800" cy="1585500"/>
+          </a:xfrm>
+          <a:prstGeom prst="rect">
+            <a:avLst/>
+          </a:prstGeom>
+          <a:noFill/>
+          <a:ln>
+            <a:noFill/>
+          </a:ln>
+        </p:spPr>
+        <p:txBody>
+          <a:bodyPr anchorCtr="0" anchor="t" bIns="91425" lIns="91425" spcFirstLastPara="1" rIns="91425" wrap="square" tIns="91425">
+            <a:spAutoFit/>
+          </a:bodyPr>
+          <a:lstStyle/>
+          <a:p>
+            <a:pPr indent="0" lvl="0" marL="0" rtl="0" algn="l">
+              <a:spcBef>
+                <a:spcPts val="0"/>
+              </a:spcBef>
+              <a:spcAft>
+                <a:spcPts val="0"/>
+              </a:spcAft>
+              <a:buNone/>
+            </a:pPr>
+            <a:r>
+              <a:rPr lang="ja" sz="1300">
+                <a:solidFill>
+                  <a:schemeClr val="dk2"/>
+                </a:solidFill>
+                <a:latin typeface="Nunito"/>
+                <a:ea typeface="Nunito"/>
+                <a:cs typeface="Nunito"/>
+                <a:sym typeface="Nunito"/>
+              </a:rPr>
+              <a:t>unitree_guideを使用。関節角度を受け取って再生するモード（状態）を追加する。</a:t>
+            </a:r>
+            <a:endParaRPr sz="1300">
+              <a:solidFill>
+                <a:schemeClr val="dk2"/>
+              </a:solidFill>
+              <a:latin typeface="Nunito"/>
+              <a:ea typeface="Nunito"/>
+              <a:cs typeface="Nunito"/>
+              <a:sym typeface="Nunito"/>
+            </a:endParaRPr>
+          </a:p>
+          <a:p>
+            <a:pPr indent="0" lvl="0" marL="0" rtl="0" algn="l">
+              <a:spcBef>
+                <a:spcPts val="0"/>
+              </a:spcBef>
+              <a:spcAft>
+                <a:spcPts val="0"/>
+              </a:spcAft>
+              <a:buNone/>
+            </a:pPr>
+            <a:r>
+              <a:t/>
+            </a:r>
+            <a:endParaRPr sz="1300">
+              <a:solidFill>
+                <a:schemeClr val="dk2"/>
+              </a:solidFill>
+              <a:latin typeface="Nunito"/>
+              <a:ea typeface="Nunito"/>
+              <a:cs typeface="Nunito"/>
+              <a:sym typeface="Nunito"/>
+            </a:endParaRPr>
+          </a:p>
+          <a:p>
+            <a:pPr indent="0" lvl="0" marL="0" rtl="0" algn="l">
+              <a:spcBef>
+                <a:spcPts val="0"/>
+              </a:spcBef>
+              <a:spcAft>
+                <a:spcPts val="0"/>
+              </a:spcAft>
+              <a:buNone/>
+            </a:pPr>
+            <a:r>
+              <a:rPr lang="ja" sz="1300">
+                <a:solidFill>
+                  <a:schemeClr val="dk2"/>
+                </a:solidFill>
+                <a:latin typeface="Nunito"/>
+                <a:ea typeface="Nunito"/>
+                <a:cs typeface="Nunito"/>
+                <a:sym typeface="Nunito"/>
+              </a:rPr>
+              <a:t>unitreeroboticsのリポジトリ</a:t>
+            </a:r>
+            <a:endParaRPr sz="1300">
+              <a:solidFill>
+                <a:schemeClr val="dk2"/>
+              </a:solidFill>
+              <a:latin typeface="Nunito"/>
+              <a:ea typeface="Nunito"/>
+              <a:cs typeface="Nunito"/>
+              <a:sym typeface="Nunito"/>
+            </a:endParaRPr>
+          </a:p>
+          <a:p>
+            <a:pPr indent="0" lvl="0" marL="0" rtl="0" algn="l">
+              <a:spcBef>
+                <a:spcPts val="0"/>
+              </a:spcBef>
+              <a:spcAft>
+                <a:spcPts val="0"/>
+              </a:spcAft>
+              <a:buNone/>
+            </a:pPr>
+            <a:r>
+              <a:rPr lang="ja" sz="1300" u="sng">
+                <a:solidFill>
+                  <a:schemeClr val="hlink"/>
+                </a:solidFill>
+                <a:latin typeface="Nunito"/>
+                <a:ea typeface="Nunito"/>
+                <a:cs typeface="Nunito"/>
+                <a:sym typeface="Nunito"/>
+                <a:hlinkClick r:id="rId5"/>
+              </a:rPr>
+              <a:t>https://github.com/unitreerobotics/unitree_guide</a:t>
+            </a:r>
+            <a:endParaRPr sz="1300">
+              <a:solidFill>
+                <a:schemeClr val="dk2"/>
+              </a:solidFill>
+              <a:latin typeface="Nunito"/>
+              <a:ea typeface="Nunito"/>
+              <a:cs typeface="Nunito"/>
+              <a:sym typeface="Nunito"/>
+            </a:endParaRPr>
+          </a:p>
+          <a:p>
+            <a:pPr indent="0" lvl="0" marL="0" rtl="0" algn="l">
+              <a:spcBef>
+                <a:spcPts val="0"/>
+              </a:spcBef>
+              <a:spcAft>
+                <a:spcPts val="0"/>
+              </a:spcAft>
+              <a:buNone/>
+            </a:pPr>
+            <a:r>
+              <a:t/>
+            </a:r>
+            <a:endParaRPr sz="1300">
+              <a:solidFill>
+                <a:schemeClr val="dk2"/>
+              </a:solidFill>
+              <a:latin typeface="Nunito"/>
+              <a:ea typeface="Nunito"/>
+              <a:cs typeface="Nunito"/>
+              <a:sym typeface="Nunito"/>
+            </a:endParaRPr>
+          </a:p>
+          <a:p>
+            <a:pPr indent="0" lvl="0" marL="0" rtl="0" algn="l">
+              <a:spcBef>
+                <a:spcPts val="0"/>
+              </a:spcBef>
+              <a:spcAft>
+                <a:spcPts val="0"/>
+              </a:spcAft>
+              <a:buNone/>
+            </a:pPr>
+            <a:r>
+              <a:rPr lang="ja" sz="1300">
+                <a:solidFill>
+                  <a:schemeClr val="dk2"/>
+                </a:solidFill>
+                <a:latin typeface="Nunito"/>
+                <a:ea typeface="Nunito"/>
+                <a:cs typeface="Nunito"/>
+                <a:sym typeface="Nunito"/>
+              </a:rPr>
+              <a:t>モード追加済リポジトリ</a:t>
+            </a:r>
+            <a:endParaRPr sz="1300">
+              <a:solidFill>
+                <a:schemeClr val="dk2"/>
+              </a:solidFill>
+              <a:latin typeface="Nunito"/>
+              <a:ea typeface="Nunito"/>
+              <a:cs typeface="Nunito"/>
+              <a:sym typeface="Nunito"/>
+            </a:endParaRPr>
+          </a:p>
+          <a:p>
+            <a:pPr indent="0" lvl="0" marL="0" rtl="0" algn="l">
+              <a:spcBef>
+                <a:spcPts val="0"/>
+              </a:spcBef>
+              <a:spcAft>
+                <a:spcPts val="0"/>
+              </a:spcAft>
+              <a:buNone/>
+            </a:pPr>
+            <a:r>
+              <a:rPr lang="ja" sz="1300" u="sng">
+                <a:solidFill>
+                  <a:schemeClr val="hlink"/>
+                </a:solidFill>
+                <a:latin typeface="Nunito"/>
+                <a:ea typeface="Nunito"/>
+                <a:cs typeface="Nunito"/>
+                <a:sym typeface="Nunito"/>
+                <a:hlinkClick r:id="rId6"/>
+              </a:rPr>
+              <a:t>https://github.com/shimaken-git/unitree_guide</a:t>
             </a:r>
             <a:endParaRPr sz="1300">
               <a:solidFill>
@@ -19231,7 +19642,7 @@
   <p:cSld>
     <p:spTree>
       <p:nvGrpSpPr>
-        <p:cNvPr id="345" name="Shape 345"/>
+        <p:cNvPr id="352" name="Shape 352"/>
         <p:cNvGrpSpPr/>
         <p:nvPr/>
       </p:nvGrpSpPr>
@@ -19245,7 +19656,7 @@
       </p:grpSpPr>
       <p:sp>
         <p:nvSpPr>
-          <p:cNvPr id="346" name="Google Shape;346;p19"/>
+          <p:cNvPr id="353" name="Google Shape;353;p19"/>
           <p:cNvSpPr txBox="1"/>
           <p:nvPr>
             <p:ph type="title"/>
@@ -19285,7 +19696,7 @@
       </p:sp>
       <p:sp>
         <p:nvSpPr>
-          <p:cNvPr id="347" name="Google Shape;347;p19"/>
+          <p:cNvPr id="354" name="Google Shape;354;p19"/>
           <p:cNvSpPr/>
           <p:nvPr/>
         </p:nvSpPr>
@@ -19297,7 +19708,9 @@
           <a:prstGeom prst="rect">
             <a:avLst/>
           </a:prstGeom>
-          <a:noFill/>
+          <a:solidFill>
+            <a:srgbClr val="F3F3F3"/>
+          </a:solidFill>
           <a:ln cap="flat" cmpd="sng" w="9525">
             <a:solidFill>
               <a:schemeClr val="dk2"/>
@@ -19337,7 +19750,7 @@
       </p:sp>
       <p:sp>
         <p:nvSpPr>
-          <p:cNvPr id="348" name="Google Shape;348;p19"/>
+          <p:cNvPr id="355" name="Google Shape;355;p19"/>
           <p:cNvSpPr txBox="1"/>
           <p:nvPr/>
         </p:nvSpPr>
@@ -19395,7 +19808,7 @@
       </p:sp>
       <p:sp>
         <p:nvSpPr>
-          <p:cNvPr id="349" name="Google Shape;349;p19"/>
+          <p:cNvPr id="356" name="Google Shape;356;p19"/>
           <p:cNvSpPr/>
           <p:nvPr/>
         </p:nvSpPr>
@@ -19407,7 +19820,9 @@
           <a:prstGeom prst="rect">
             <a:avLst/>
           </a:prstGeom>
-          <a:noFill/>
+          <a:solidFill>
+            <a:srgbClr val="FFF2CC"/>
+          </a:solidFill>
           <a:ln cap="flat" cmpd="sng" w="9525">
             <a:solidFill>
               <a:schemeClr val="dk2"/>
@@ -19447,7 +19862,7 @@
       </p:sp>
       <p:sp>
         <p:nvSpPr>
-          <p:cNvPr id="350" name="Google Shape;350;p19"/>
+          <p:cNvPr id="357" name="Google Shape;357;p19"/>
           <p:cNvSpPr txBox="1"/>
           <p:nvPr/>
         </p:nvSpPr>
@@ -19505,7 +19920,7 @@
       </p:sp>
       <p:sp>
         <p:nvSpPr>
-          <p:cNvPr id="351" name="Google Shape;351;p19"/>
+          <p:cNvPr id="358" name="Google Shape;358;p19"/>
           <p:cNvSpPr/>
           <p:nvPr/>
         </p:nvSpPr>
@@ -19517,7 +19932,9 @@
           <a:prstGeom prst="rect">
             <a:avLst/>
           </a:prstGeom>
-          <a:noFill/>
+          <a:solidFill>
+            <a:srgbClr val="CFE2F3"/>
+          </a:solidFill>
           <a:ln cap="flat" cmpd="sng" w="9525">
             <a:solidFill>
               <a:schemeClr val="dk2"/>
@@ -19557,7 +19974,7 @@
       </p:sp>
       <p:sp>
         <p:nvSpPr>
-          <p:cNvPr id="352" name="Google Shape;352;p19"/>
+          <p:cNvPr id="359" name="Google Shape;359;p19"/>
           <p:cNvSpPr txBox="1"/>
           <p:nvPr/>
         </p:nvSpPr>
@@ -19615,7 +20032,7 @@
       </p:sp>
       <p:cxnSp>
         <p:nvCxnSpPr>
-          <p:cNvPr id="353" name="Google Shape;353;p19"/>
+          <p:cNvPr id="360" name="Google Shape;360;p19"/>
           <p:cNvCxnSpPr/>
           <p:nvPr/>
         </p:nvCxnSpPr>
@@ -19641,13 +20058,13 @@
       </p:cxnSp>
       <p:cxnSp>
         <p:nvCxnSpPr>
-          <p:cNvPr id="354" name="Google Shape;354;p19"/>
+          <p:cNvPr id="361" name="Google Shape;361;p19"/>
           <p:cNvCxnSpPr/>
           <p:nvPr/>
         </p:nvCxnSpPr>
         <p:spPr>
           <a:xfrm rot="10800000">
-            <a:off x="3280725" y="2097425"/>
+            <a:off x="3204525" y="2097425"/>
             <a:ext cx="2674800" cy="0"/>
           </a:xfrm>
           <a:prstGeom prst="straightConnector1">
@@ -19667,7 +20084,7 @@
       </p:cxnSp>
       <p:cxnSp>
         <p:nvCxnSpPr>
-          <p:cNvPr id="355" name="Google Shape;355;p19"/>
+          <p:cNvPr id="362" name="Google Shape;362;p19"/>
           <p:cNvCxnSpPr/>
           <p:nvPr/>
         </p:nvCxnSpPr>
@@ -19693,13 +20110,13 @@
       </p:cxnSp>
       <p:sp>
         <p:nvSpPr>
-          <p:cNvPr id="356" name="Google Shape;356;p19"/>
+          <p:cNvPr id="363" name="Google Shape;363;p19"/>
           <p:cNvSpPr txBox="1"/>
           <p:nvPr/>
         </p:nvSpPr>
         <p:spPr>
           <a:xfrm>
-            <a:off x="3771525" y="1616375"/>
+            <a:off x="3878225" y="1655200"/>
             <a:ext cx="1202700" cy="384900"/>
           </a:xfrm>
           <a:prstGeom prst="rect">
@@ -19751,7 +20168,7 @@
       </p:sp>
       <p:sp>
         <p:nvSpPr>
-          <p:cNvPr id="357" name="Google Shape;357;p19"/>
+          <p:cNvPr id="364" name="Google Shape;364;p19"/>
           <p:cNvSpPr txBox="1"/>
           <p:nvPr/>
         </p:nvSpPr>
@@ -19809,7 +20226,7 @@
       </p:sp>
       <p:sp>
         <p:nvSpPr>
-          <p:cNvPr id="358" name="Google Shape;358;p19"/>
+          <p:cNvPr id="365" name="Google Shape;365;p19"/>
           <p:cNvSpPr txBox="1"/>
           <p:nvPr/>
         </p:nvSpPr>
@@ -19879,7 +20296,7 @@
       </p:sp>
       <p:sp>
         <p:nvSpPr>
-          <p:cNvPr id="359" name="Google Shape;359;p19"/>
+          <p:cNvPr id="366" name="Google Shape;366;p19"/>
           <p:cNvSpPr txBox="1"/>
           <p:nvPr/>
         </p:nvSpPr>
@@ -19922,6 +20339,96 @@
                 <a:sym typeface="Nunito"/>
               </a:rPr>
               <a:t>rospyでros node化</a:t>
+            </a:r>
+            <a:endParaRPr sz="1300">
+              <a:solidFill>
+                <a:schemeClr val="dk2"/>
+              </a:solidFill>
+              <a:latin typeface="Nunito"/>
+              <a:ea typeface="Nunito"/>
+              <a:cs typeface="Nunito"/>
+              <a:sym typeface="Nunito"/>
+            </a:endParaRPr>
+          </a:p>
+        </p:txBody>
+      </p:sp>
+      <p:sp>
+        <p:nvSpPr>
+          <p:cNvPr id="367" name="Google Shape;367;p19"/>
+          <p:cNvSpPr txBox="1"/>
+          <p:nvPr/>
+        </p:nvSpPr>
+        <p:spPr>
+          <a:xfrm>
+            <a:off x="1029300" y="2174275"/>
+            <a:ext cx="1731900" cy="585000"/>
+          </a:xfrm>
+          <a:prstGeom prst="rect">
+            <a:avLst/>
+          </a:prstGeom>
+          <a:noFill/>
+          <a:ln>
+            <a:noFill/>
+          </a:ln>
+        </p:spPr>
+        <p:txBody>
+          <a:bodyPr anchorCtr="0" anchor="t" bIns="91425" lIns="91425" spcFirstLastPara="1" rIns="91425" wrap="square" tIns="91425">
+            <a:spAutoFit/>
+          </a:bodyPr>
+          <a:lstStyle/>
+          <a:p>
+            <a:pPr indent="0" lvl="0" marL="0" rtl="0" algn="l">
+              <a:spcBef>
+                <a:spcPts val="0"/>
+              </a:spcBef>
+              <a:spcAft>
+                <a:spcPts val="0"/>
+              </a:spcAft>
+              <a:buNone/>
+            </a:pPr>
+            <a:r>
+              <a:rPr lang="ja" sz="1300">
+                <a:solidFill>
+                  <a:schemeClr val="dk2"/>
+                </a:solidFill>
+                <a:latin typeface="Nunito"/>
+                <a:ea typeface="Nunito"/>
+                <a:cs typeface="Nunito"/>
+                <a:sym typeface="Nunito"/>
+              </a:rPr>
+              <a:t>GenesisLink modeを</a:t>
+            </a:r>
+            <a:endParaRPr sz="1300">
+              <a:solidFill>
+                <a:schemeClr val="dk2"/>
+              </a:solidFill>
+              <a:latin typeface="Nunito"/>
+              <a:ea typeface="Nunito"/>
+              <a:cs typeface="Nunito"/>
+              <a:sym typeface="Nunito"/>
+            </a:endParaRPr>
+          </a:p>
+          <a:p>
+            <a:pPr indent="0" lvl="0" marL="0" rtl="0" algn="l">
+              <a:spcBef>
+                <a:spcPts val="0"/>
+              </a:spcBef>
+              <a:spcAft>
+                <a:spcPts val="0"/>
+              </a:spcAft>
+              <a:buNone/>
+            </a:pPr>
+            <a:r>
+              <a:rPr lang="ja" sz="1300">
+                <a:solidFill>
+                  <a:schemeClr val="dk2"/>
+                </a:solidFill>
+                <a:latin typeface="Nunito"/>
+                <a:ea typeface="Nunito"/>
+                <a:cs typeface="Nunito"/>
+                <a:sym typeface="Nunito"/>
+              </a:rPr>
+              <a:t>追加</a:t>
             </a:r>
             <a:endParaRPr sz="1300">
               <a:solidFill>
@@ -19948,7 +20455,7 @@
   <p:cSld>
     <p:spTree>
       <p:nvGrpSpPr>
-        <p:cNvPr id="363" name="Shape 363"/>
+        <p:cNvPr id="371" name="Shape 371"/>
         <p:cNvGrpSpPr/>
         <p:nvPr/>
       </p:nvGrpSpPr>
@@ -19962,7 +20469,7 @@
       </p:grpSpPr>
       <p:sp>
         <p:nvSpPr>
-          <p:cNvPr id="364" name="Google Shape;364;p20"/>
+          <p:cNvPr id="372" name="Google Shape;372;p20"/>
           <p:cNvSpPr txBox="1"/>
           <p:nvPr>
             <p:ph type="title"/>
@@ -19994,6 +20501,1237 @@
             </a:pPr>
             <a:r>
               <a:rPr lang="ja"/>
+              <a:t>ハードウェア構成</a:t>
+            </a:r>
+            <a:endParaRPr/>
+          </a:p>
+        </p:txBody>
+      </p:sp>
+      <p:sp>
+        <p:nvSpPr>
+          <p:cNvPr id="373" name="Google Shape;373;p20"/>
+          <p:cNvSpPr/>
+          <p:nvPr/>
+        </p:nvSpPr>
+        <p:spPr>
+          <a:xfrm>
+            <a:off x="1569150" y="3905925"/>
+            <a:ext cx="1959900" cy="390600"/>
+          </a:xfrm>
+          <a:prstGeom prst="roundRect">
+            <a:avLst>
+              <a:gd fmla="val 16667" name="adj"/>
+            </a:avLst>
+          </a:prstGeom>
+          <a:solidFill>
+            <a:schemeClr val="lt2"/>
+          </a:solidFill>
+          <a:ln cap="flat" cmpd="sng" w="9525">
+            <a:solidFill>
+              <a:schemeClr val="dk2"/>
+            </a:solidFill>
+            <a:prstDash val="solid"/>
+            <a:round/>
+            <a:headEnd len="sm" w="sm" type="none"/>
+            <a:tailEnd len="sm" w="sm" type="none"/>
+          </a:ln>
+        </p:spPr>
+        <p:txBody>
+          <a:bodyPr anchorCtr="0" anchor="ctr" bIns="91425" lIns="91425" spcFirstLastPara="1" rIns="91425" wrap="square" tIns="91425">
+            <a:noAutofit/>
+          </a:bodyPr>
+          <a:lstStyle/>
+          <a:p>
+            <a:pPr indent="0" lvl="0" marL="0" rtl="0" algn="ctr">
+              <a:spcBef>
+                <a:spcPts val="0"/>
+              </a:spcBef>
+              <a:spcAft>
+                <a:spcPts val="0"/>
+              </a:spcAft>
+              <a:buNone/>
+            </a:pPr>
+            <a:r>
+              <a:rPr lang="ja">
+                <a:latin typeface="Nunito"/>
+                <a:ea typeface="Nunito"/>
+                <a:cs typeface="Nunito"/>
+                <a:sym typeface="Nunito"/>
+              </a:rPr>
+              <a:t>Go-1コントローラ</a:t>
+            </a:r>
+            <a:endParaRPr>
+              <a:latin typeface="Nunito"/>
+              <a:ea typeface="Nunito"/>
+              <a:cs typeface="Nunito"/>
+              <a:sym typeface="Nunito"/>
+            </a:endParaRPr>
+          </a:p>
+        </p:txBody>
+      </p:sp>
+      <p:sp>
+        <p:nvSpPr>
+          <p:cNvPr id="374" name="Google Shape;374;p20"/>
+          <p:cNvSpPr/>
+          <p:nvPr/>
+        </p:nvSpPr>
+        <p:spPr>
+          <a:xfrm rot="-7293762">
+            <a:off x="2275043" y="3300401"/>
+            <a:ext cx="465998" cy="383748"/>
+          </a:xfrm>
+          <a:prstGeom prst="lightningBolt">
+            <a:avLst/>
+          </a:prstGeom>
+          <a:solidFill>
+            <a:srgbClr val="FFFF00"/>
+          </a:solidFill>
+          <a:ln cap="flat" cmpd="sng" w="9525">
+            <a:solidFill>
+              <a:schemeClr val="dk2"/>
+            </a:solidFill>
+            <a:prstDash val="solid"/>
+            <a:round/>
+            <a:headEnd len="sm" w="sm" type="none"/>
+            <a:tailEnd len="sm" w="sm" type="none"/>
+          </a:ln>
+        </p:spPr>
+        <p:txBody>
+          <a:bodyPr anchorCtr="0" anchor="ctr" bIns="91425" lIns="91425" spcFirstLastPara="1" rIns="91425" wrap="square" tIns="91425">
+            <a:noAutofit/>
+          </a:bodyPr>
+          <a:lstStyle/>
+          <a:p>
+            <a:pPr indent="0" lvl="0" marL="0" rtl="0" algn="ctr">
+              <a:spcBef>
+                <a:spcPts val="0"/>
+              </a:spcBef>
+              <a:spcAft>
+                <a:spcPts val="0"/>
+              </a:spcAft>
+              <a:buNone/>
+            </a:pPr>
+            <a:r>
+              <a:t/>
+            </a:r>
+            <a:endParaRPr>
+              <a:latin typeface="Nunito"/>
+              <a:ea typeface="Nunito"/>
+              <a:cs typeface="Nunito"/>
+              <a:sym typeface="Nunito"/>
+            </a:endParaRPr>
+          </a:p>
+        </p:txBody>
+      </p:sp>
+      <p:sp>
+        <p:nvSpPr>
+          <p:cNvPr id="375" name="Google Shape;375;p20"/>
+          <p:cNvSpPr/>
+          <p:nvPr/>
+        </p:nvSpPr>
+        <p:spPr>
+          <a:xfrm>
+            <a:off x="5762950" y="1764625"/>
+            <a:ext cx="1781700" cy="1826100"/>
+          </a:xfrm>
+          <a:prstGeom prst="roundRect">
+            <a:avLst>
+              <a:gd fmla="val 16667" name="adj"/>
+            </a:avLst>
+          </a:prstGeom>
+          <a:solidFill>
+            <a:schemeClr val="lt2"/>
+          </a:solidFill>
+          <a:ln cap="flat" cmpd="sng" w="9525">
+            <a:solidFill>
+              <a:schemeClr val="dk2"/>
+            </a:solidFill>
+            <a:prstDash val="solid"/>
+            <a:round/>
+            <a:headEnd len="sm" w="sm" type="none"/>
+            <a:tailEnd len="sm" w="sm" type="none"/>
+          </a:ln>
+        </p:spPr>
+        <p:txBody>
+          <a:bodyPr anchorCtr="0" anchor="ctr" bIns="91425" lIns="91425" spcFirstLastPara="1" rIns="91425" wrap="square" tIns="91425">
+            <a:noAutofit/>
+          </a:bodyPr>
+          <a:lstStyle/>
+          <a:p>
+            <a:pPr indent="0" lvl="0" marL="0" rtl="0" algn="ctr">
+              <a:spcBef>
+                <a:spcPts val="0"/>
+              </a:spcBef>
+              <a:spcAft>
+                <a:spcPts val="0"/>
+              </a:spcAft>
+              <a:buNone/>
+            </a:pPr>
+            <a:r>
+              <a:rPr lang="ja">
+                <a:latin typeface="Nunito"/>
+                <a:ea typeface="Nunito"/>
+                <a:cs typeface="Nunito"/>
+                <a:sym typeface="Nunito"/>
+              </a:rPr>
+              <a:t>PC</a:t>
+            </a:r>
+            <a:endParaRPr>
+              <a:latin typeface="Nunito"/>
+              <a:ea typeface="Nunito"/>
+              <a:cs typeface="Nunito"/>
+              <a:sym typeface="Nunito"/>
+            </a:endParaRPr>
+          </a:p>
+          <a:p>
+            <a:pPr indent="0" lvl="0" marL="0" rtl="0" algn="ctr">
+              <a:spcBef>
+                <a:spcPts val="0"/>
+              </a:spcBef>
+              <a:spcAft>
+                <a:spcPts val="0"/>
+              </a:spcAft>
+              <a:buNone/>
+            </a:pPr>
+            <a:r>
+              <a:t/>
+            </a:r>
+            <a:endParaRPr>
+              <a:latin typeface="Nunito"/>
+              <a:ea typeface="Nunito"/>
+              <a:cs typeface="Nunito"/>
+              <a:sym typeface="Nunito"/>
+            </a:endParaRPr>
+          </a:p>
+          <a:p>
+            <a:pPr indent="0" lvl="0" marL="0" rtl="0" algn="ctr">
+              <a:spcBef>
+                <a:spcPts val="0"/>
+              </a:spcBef>
+              <a:spcAft>
+                <a:spcPts val="0"/>
+              </a:spcAft>
+              <a:buNone/>
+            </a:pPr>
+            <a:r>
+              <a:t/>
+            </a:r>
+            <a:endParaRPr>
+              <a:latin typeface="Nunito"/>
+              <a:ea typeface="Nunito"/>
+              <a:cs typeface="Nunito"/>
+              <a:sym typeface="Nunito"/>
+            </a:endParaRPr>
+          </a:p>
+          <a:p>
+            <a:pPr indent="0" lvl="0" marL="0" rtl="0" algn="ctr">
+              <a:spcBef>
+                <a:spcPts val="0"/>
+              </a:spcBef>
+              <a:spcAft>
+                <a:spcPts val="0"/>
+              </a:spcAft>
+              <a:buNone/>
+            </a:pPr>
+            <a:r>
+              <a:t/>
+            </a:r>
+            <a:endParaRPr>
+              <a:latin typeface="Nunito"/>
+              <a:ea typeface="Nunito"/>
+              <a:cs typeface="Nunito"/>
+              <a:sym typeface="Nunito"/>
+            </a:endParaRPr>
+          </a:p>
+          <a:p>
+            <a:pPr indent="0" lvl="0" marL="0" rtl="0" algn="ctr">
+              <a:spcBef>
+                <a:spcPts val="0"/>
+              </a:spcBef>
+              <a:spcAft>
+                <a:spcPts val="0"/>
+              </a:spcAft>
+              <a:buNone/>
+            </a:pPr>
+            <a:r>
+              <a:t/>
+            </a:r>
+            <a:endParaRPr>
+              <a:latin typeface="Nunito"/>
+              <a:ea typeface="Nunito"/>
+              <a:cs typeface="Nunito"/>
+              <a:sym typeface="Nunito"/>
+            </a:endParaRPr>
+          </a:p>
+          <a:p>
+            <a:pPr indent="0" lvl="0" marL="0" rtl="0" algn="ctr">
+              <a:spcBef>
+                <a:spcPts val="0"/>
+              </a:spcBef>
+              <a:spcAft>
+                <a:spcPts val="0"/>
+              </a:spcAft>
+              <a:buNone/>
+            </a:pPr>
+            <a:r>
+              <a:t/>
+            </a:r>
+            <a:endParaRPr>
+              <a:latin typeface="Nunito"/>
+              <a:ea typeface="Nunito"/>
+              <a:cs typeface="Nunito"/>
+              <a:sym typeface="Nunito"/>
+            </a:endParaRPr>
+          </a:p>
+          <a:p>
+            <a:pPr indent="0" lvl="0" marL="0" rtl="0" algn="ctr">
+              <a:spcBef>
+                <a:spcPts val="0"/>
+              </a:spcBef>
+              <a:spcAft>
+                <a:spcPts val="0"/>
+              </a:spcAft>
+              <a:buNone/>
+            </a:pPr>
+            <a:r>
+              <a:t/>
+            </a:r>
+            <a:endParaRPr>
+              <a:latin typeface="Nunito"/>
+              <a:ea typeface="Nunito"/>
+              <a:cs typeface="Nunito"/>
+              <a:sym typeface="Nunito"/>
+            </a:endParaRPr>
+          </a:p>
+          <a:p>
+            <a:pPr indent="0" lvl="0" marL="0" rtl="0" algn="l">
+              <a:spcBef>
+                <a:spcPts val="0"/>
+              </a:spcBef>
+              <a:spcAft>
+                <a:spcPts val="0"/>
+              </a:spcAft>
+              <a:buNone/>
+            </a:pPr>
+            <a:r>
+              <a:t/>
+            </a:r>
+            <a:endParaRPr>
+              <a:latin typeface="Nunito"/>
+              <a:ea typeface="Nunito"/>
+              <a:cs typeface="Nunito"/>
+              <a:sym typeface="Nunito"/>
+            </a:endParaRPr>
+          </a:p>
+        </p:txBody>
+      </p:sp>
+      <p:sp>
+        <p:nvSpPr>
+          <p:cNvPr id="376" name="Google Shape;376;p20"/>
+          <p:cNvSpPr/>
+          <p:nvPr/>
+        </p:nvSpPr>
+        <p:spPr>
+          <a:xfrm>
+            <a:off x="5913700" y="2158525"/>
+            <a:ext cx="1480200" cy="315300"/>
+          </a:xfrm>
+          <a:prstGeom prst="rect">
+            <a:avLst/>
+          </a:prstGeom>
+          <a:solidFill>
+            <a:srgbClr val="F9CB9C"/>
+          </a:solidFill>
+          <a:ln cap="flat" cmpd="sng" w="9525">
+            <a:solidFill>
+              <a:schemeClr val="dk2"/>
+            </a:solidFill>
+            <a:prstDash val="solid"/>
+            <a:round/>
+            <a:headEnd len="sm" w="sm" type="none"/>
+            <a:tailEnd len="sm" w="sm" type="none"/>
+          </a:ln>
+        </p:spPr>
+        <p:txBody>
+          <a:bodyPr anchorCtr="0" anchor="ctr" bIns="91425" lIns="91425" spcFirstLastPara="1" rIns="91425" wrap="square" tIns="91425">
+            <a:noAutofit/>
+          </a:bodyPr>
+          <a:lstStyle/>
+          <a:p>
+            <a:pPr indent="0" lvl="0" marL="0" rtl="0" algn="ctr">
+              <a:spcBef>
+                <a:spcPts val="0"/>
+              </a:spcBef>
+              <a:spcAft>
+                <a:spcPts val="0"/>
+              </a:spcAft>
+              <a:buNone/>
+            </a:pPr>
+            <a:r>
+              <a:rPr lang="ja">
+                <a:latin typeface="Nunito"/>
+                <a:ea typeface="Nunito"/>
+                <a:cs typeface="Nunito"/>
+                <a:sym typeface="Nunito"/>
+              </a:rPr>
+              <a:t>unitree_guide</a:t>
+            </a:r>
+            <a:endParaRPr>
+              <a:latin typeface="Nunito"/>
+              <a:ea typeface="Nunito"/>
+              <a:cs typeface="Nunito"/>
+              <a:sym typeface="Nunito"/>
+            </a:endParaRPr>
+          </a:p>
+        </p:txBody>
+      </p:sp>
+      <p:sp>
+        <p:nvSpPr>
+          <p:cNvPr id="377" name="Google Shape;377;p20"/>
+          <p:cNvSpPr/>
+          <p:nvPr/>
+        </p:nvSpPr>
+        <p:spPr>
+          <a:xfrm>
+            <a:off x="5913700" y="3037875"/>
+            <a:ext cx="1480200" cy="315300"/>
+          </a:xfrm>
+          <a:prstGeom prst="rect">
+            <a:avLst/>
+          </a:prstGeom>
+          <a:solidFill>
+            <a:srgbClr val="F9CB9C"/>
+          </a:solidFill>
+          <a:ln cap="flat" cmpd="sng" w="9525">
+            <a:solidFill>
+              <a:schemeClr val="dk2"/>
+            </a:solidFill>
+            <a:prstDash val="solid"/>
+            <a:round/>
+            <a:headEnd len="sm" w="sm" type="none"/>
+            <a:tailEnd len="sm" w="sm" type="none"/>
+          </a:ln>
+        </p:spPr>
+        <p:txBody>
+          <a:bodyPr anchorCtr="0" anchor="ctr" bIns="91425" lIns="91425" spcFirstLastPara="1" rIns="91425" wrap="square" tIns="91425">
+            <a:noAutofit/>
+          </a:bodyPr>
+          <a:lstStyle/>
+          <a:p>
+            <a:pPr indent="0" lvl="0" marL="0" rtl="0" algn="ctr">
+              <a:spcBef>
+                <a:spcPts val="0"/>
+              </a:spcBef>
+              <a:spcAft>
+                <a:spcPts val="0"/>
+              </a:spcAft>
+              <a:buNone/>
+            </a:pPr>
+            <a:r>
+              <a:rPr lang="ja">
+                <a:latin typeface="Nunito"/>
+                <a:ea typeface="Nunito"/>
+                <a:cs typeface="Nunito"/>
+                <a:sym typeface="Nunito"/>
+              </a:rPr>
+              <a:t>go2_eval.py</a:t>
+            </a:r>
+            <a:endParaRPr>
+              <a:latin typeface="Nunito"/>
+              <a:ea typeface="Nunito"/>
+              <a:cs typeface="Nunito"/>
+              <a:sym typeface="Nunito"/>
+            </a:endParaRPr>
+          </a:p>
+        </p:txBody>
+      </p:sp>
+      <p:cxnSp>
+        <p:nvCxnSpPr>
+          <p:cNvPr id="378" name="Google Shape;378;p20"/>
+          <p:cNvCxnSpPr>
+            <a:stCxn id="376" idx="2"/>
+            <a:endCxn id="377" idx="0"/>
+          </p:cNvCxnSpPr>
+          <p:nvPr/>
+        </p:nvCxnSpPr>
+        <p:spPr>
+          <a:xfrm flipH="1" rot="-5400000">
+            <a:off x="6372100" y="2755525"/>
+            <a:ext cx="564000" cy="600"/>
+          </a:xfrm>
+          <a:prstGeom prst="bentConnector3">
+            <a:avLst>
+              <a:gd fmla="val 50004" name="adj1"/>
+            </a:avLst>
+          </a:prstGeom>
+          <a:noFill/>
+          <a:ln cap="flat" cmpd="sng" w="9525">
+            <a:solidFill>
+              <a:schemeClr val="dk2"/>
+            </a:solidFill>
+            <a:prstDash val="solid"/>
+            <a:round/>
+            <a:headEnd len="med" w="med" type="none"/>
+            <a:tailEnd len="med" w="med" type="none"/>
+          </a:ln>
+        </p:spPr>
+      </p:cxnSp>
+      <p:sp>
+        <p:nvSpPr>
+          <p:cNvPr id="379" name="Google Shape;379;p20"/>
+          <p:cNvSpPr txBox="1"/>
+          <p:nvPr/>
+        </p:nvSpPr>
+        <p:spPr>
+          <a:xfrm>
+            <a:off x="6612650" y="2563400"/>
+            <a:ext cx="870300" cy="384900"/>
+          </a:xfrm>
+          <a:prstGeom prst="rect">
+            <a:avLst/>
+          </a:prstGeom>
+          <a:noFill/>
+          <a:ln>
+            <a:noFill/>
+          </a:ln>
+        </p:spPr>
+        <p:txBody>
+          <a:bodyPr anchorCtr="0" anchor="t" bIns="91425" lIns="91425" spcFirstLastPara="1" rIns="91425" wrap="square" tIns="91425">
+            <a:spAutoFit/>
+          </a:bodyPr>
+          <a:lstStyle/>
+          <a:p>
+            <a:pPr indent="0" lvl="0" marL="0" rtl="0" algn="l">
+              <a:spcBef>
+                <a:spcPts val="0"/>
+              </a:spcBef>
+              <a:spcAft>
+                <a:spcPts val="0"/>
+              </a:spcAft>
+              <a:buNone/>
+            </a:pPr>
+            <a:r>
+              <a:rPr lang="ja" sz="1300">
+                <a:solidFill>
+                  <a:schemeClr val="dk2"/>
+                </a:solidFill>
+                <a:latin typeface="Nunito"/>
+                <a:ea typeface="Nunito"/>
+                <a:cs typeface="Nunito"/>
+                <a:sym typeface="Nunito"/>
+              </a:rPr>
+              <a:t>ros topic</a:t>
+            </a:r>
+            <a:endParaRPr sz="1300">
+              <a:solidFill>
+                <a:schemeClr val="dk2"/>
+              </a:solidFill>
+              <a:latin typeface="Nunito"/>
+              <a:ea typeface="Nunito"/>
+              <a:cs typeface="Nunito"/>
+              <a:sym typeface="Nunito"/>
+            </a:endParaRPr>
+          </a:p>
+        </p:txBody>
+      </p:sp>
+      <p:sp>
+        <p:nvSpPr>
+          <p:cNvPr id="380" name="Google Shape;380;p20"/>
+          <p:cNvSpPr/>
+          <p:nvPr/>
+        </p:nvSpPr>
+        <p:spPr>
+          <a:xfrm>
+            <a:off x="5674150" y="4221125"/>
+            <a:ext cx="1959900" cy="390600"/>
+          </a:xfrm>
+          <a:prstGeom prst="roundRect">
+            <a:avLst>
+              <a:gd fmla="val 16667" name="adj"/>
+            </a:avLst>
+          </a:prstGeom>
+          <a:solidFill>
+            <a:schemeClr val="lt2"/>
+          </a:solidFill>
+          <a:ln cap="flat" cmpd="sng" w="9525">
+            <a:solidFill>
+              <a:schemeClr val="dk2"/>
+            </a:solidFill>
+            <a:prstDash val="solid"/>
+            <a:round/>
+            <a:headEnd len="sm" w="sm" type="none"/>
+            <a:tailEnd len="sm" w="sm" type="none"/>
+          </a:ln>
+        </p:spPr>
+        <p:txBody>
+          <a:bodyPr anchorCtr="0" anchor="ctr" bIns="91425" lIns="91425" spcFirstLastPara="1" rIns="91425" wrap="square" tIns="91425">
+            <a:noAutofit/>
+          </a:bodyPr>
+          <a:lstStyle/>
+          <a:p>
+            <a:pPr indent="0" lvl="0" marL="0" rtl="0" algn="ctr">
+              <a:spcBef>
+                <a:spcPts val="0"/>
+              </a:spcBef>
+              <a:spcAft>
+                <a:spcPts val="0"/>
+              </a:spcAft>
+              <a:buNone/>
+            </a:pPr>
+            <a:r>
+              <a:rPr lang="ja">
+                <a:latin typeface="Nunito"/>
+                <a:ea typeface="Nunito"/>
+                <a:cs typeface="Nunito"/>
+                <a:sym typeface="Nunito"/>
+              </a:rPr>
+              <a:t>PS4</a:t>
+            </a:r>
+            <a:r>
+              <a:rPr lang="ja">
+                <a:latin typeface="Nunito"/>
+                <a:ea typeface="Nunito"/>
+                <a:cs typeface="Nunito"/>
+                <a:sym typeface="Nunito"/>
+              </a:rPr>
+              <a:t>コントローラ</a:t>
+            </a:r>
+            <a:endParaRPr>
+              <a:latin typeface="Nunito"/>
+              <a:ea typeface="Nunito"/>
+              <a:cs typeface="Nunito"/>
+              <a:sym typeface="Nunito"/>
+            </a:endParaRPr>
+          </a:p>
+        </p:txBody>
+      </p:sp>
+      <p:sp>
+        <p:nvSpPr>
+          <p:cNvPr id="381" name="Google Shape;381;p20"/>
+          <p:cNvSpPr/>
+          <p:nvPr/>
+        </p:nvSpPr>
+        <p:spPr>
+          <a:xfrm rot="-6409205">
+            <a:off x="6256305" y="3713999"/>
+            <a:ext cx="465975" cy="383736"/>
+          </a:xfrm>
+          <a:prstGeom prst="lightningBolt">
+            <a:avLst/>
+          </a:prstGeom>
+          <a:solidFill>
+            <a:srgbClr val="FFFF00"/>
+          </a:solidFill>
+          <a:ln cap="flat" cmpd="sng" w="9525">
+            <a:solidFill>
+              <a:schemeClr val="dk2"/>
+            </a:solidFill>
+            <a:prstDash val="solid"/>
+            <a:round/>
+            <a:headEnd len="sm" w="sm" type="none"/>
+            <a:tailEnd len="sm" w="sm" type="none"/>
+          </a:ln>
+        </p:spPr>
+        <p:txBody>
+          <a:bodyPr anchorCtr="0" anchor="ctr" bIns="91425" lIns="91425" spcFirstLastPara="1" rIns="91425" wrap="square" tIns="91425">
+            <a:noAutofit/>
+          </a:bodyPr>
+          <a:lstStyle/>
+          <a:p>
+            <a:pPr indent="0" lvl="0" marL="0" rtl="0" algn="ctr">
+              <a:spcBef>
+                <a:spcPts val="0"/>
+              </a:spcBef>
+              <a:spcAft>
+                <a:spcPts val="0"/>
+              </a:spcAft>
+              <a:buNone/>
+            </a:pPr>
+            <a:r>
+              <a:t/>
+            </a:r>
+            <a:endParaRPr>
+              <a:latin typeface="Nunito"/>
+              <a:ea typeface="Nunito"/>
+              <a:cs typeface="Nunito"/>
+              <a:sym typeface="Nunito"/>
+            </a:endParaRPr>
+          </a:p>
+        </p:txBody>
+      </p:sp>
+      <p:cxnSp>
+        <p:nvCxnSpPr>
+          <p:cNvPr id="382" name="Google Shape;382;p20"/>
+          <p:cNvCxnSpPr>
+            <a:stCxn id="383" idx="3"/>
+            <a:endCxn id="375" idx="1"/>
+          </p:cNvCxnSpPr>
+          <p:nvPr/>
+        </p:nvCxnSpPr>
+        <p:spPr>
+          <a:xfrm>
+            <a:off x="3439950" y="2672550"/>
+            <a:ext cx="2322900" cy="5100"/>
+          </a:xfrm>
+          <a:prstGeom prst="straightConnector1">
+            <a:avLst/>
+          </a:prstGeom>
+          <a:noFill/>
+          <a:ln cap="flat" cmpd="sng" w="9525">
+            <a:solidFill>
+              <a:schemeClr val="dk2"/>
+            </a:solidFill>
+            <a:prstDash val="solid"/>
+            <a:round/>
+            <a:headEnd len="med" w="med" type="none"/>
+            <a:tailEnd len="med" w="med" type="none"/>
+          </a:ln>
+        </p:spPr>
+      </p:cxnSp>
+      <p:sp>
+        <p:nvSpPr>
+          <p:cNvPr id="384" name="Google Shape;384;p20"/>
+          <p:cNvSpPr txBox="1"/>
+          <p:nvPr/>
+        </p:nvSpPr>
+        <p:spPr>
+          <a:xfrm>
+            <a:off x="4132100" y="2379300"/>
+            <a:ext cx="938700" cy="384900"/>
+          </a:xfrm>
+          <a:prstGeom prst="rect">
+            <a:avLst/>
+          </a:prstGeom>
+          <a:noFill/>
+          <a:ln>
+            <a:noFill/>
+          </a:ln>
+        </p:spPr>
+        <p:txBody>
+          <a:bodyPr anchorCtr="0" anchor="t" bIns="91425" lIns="91425" spcFirstLastPara="1" rIns="91425" wrap="square" tIns="91425">
+            <a:spAutoFit/>
+          </a:bodyPr>
+          <a:lstStyle/>
+          <a:p>
+            <a:pPr indent="0" lvl="0" marL="0" rtl="0" algn="l">
+              <a:spcBef>
+                <a:spcPts val="0"/>
+              </a:spcBef>
+              <a:spcAft>
+                <a:spcPts val="0"/>
+              </a:spcAft>
+              <a:buNone/>
+            </a:pPr>
+            <a:r>
+              <a:rPr lang="ja" sz="1300">
+                <a:solidFill>
+                  <a:schemeClr val="dk2"/>
+                </a:solidFill>
+                <a:latin typeface="Nunito"/>
+                <a:ea typeface="Nunito"/>
+                <a:cs typeface="Nunito"/>
+                <a:sym typeface="Nunito"/>
+              </a:rPr>
+              <a:t>有線LAN</a:t>
+            </a:r>
+            <a:endParaRPr sz="1300">
+              <a:solidFill>
+                <a:schemeClr val="dk2"/>
+              </a:solidFill>
+              <a:latin typeface="Nunito"/>
+              <a:ea typeface="Nunito"/>
+              <a:cs typeface="Nunito"/>
+              <a:sym typeface="Nunito"/>
+            </a:endParaRPr>
+          </a:p>
+        </p:txBody>
+      </p:sp>
+      <p:sp>
+        <p:nvSpPr>
+          <p:cNvPr id="385" name="Google Shape;385;p20"/>
+          <p:cNvSpPr txBox="1"/>
+          <p:nvPr/>
+        </p:nvSpPr>
+        <p:spPr>
+          <a:xfrm>
+            <a:off x="2412150" y="4296525"/>
+            <a:ext cx="1027800" cy="323100"/>
+          </a:xfrm>
+          <a:prstGeom prst="rect">
+            <a:avLst/>
+          </a:prstGeom>
+          <a:noFill/>
+          <a:ln>
+            <a:noFill/>
+          </a:ln>
+        </p:spPr>
+        <p:txBody>
+          <a:bodyPr anchorCtr="0" anchor="t" bIns="91425" lIns="91425" spcFirstLastPara="1" rIns="91425" wrap="square" tIns="91425">
+            <a:spAutoFit/>
+          </a:bodyPr>
+          <a:lstStyle/>
+          <a:p>
+            <a:pPr indent="0" lvl="0" marL="0" rtl="0" algn="l">
+              <a:spcBef>
+                <a:spcPts val="0"/>
+              </a:spcBef>
+              <a:spcAft>
+                <a:spcPts val="0"/>
+              </a:spcAft>
+              <a:buNone/>
+            </a:pPr>
+            <a:r>
+              <a:rPr lang="ja" sz="900">
+                <a:solidFill>
+                  <a:schemeClr val="dk2"/>
+                </a:solidFill>
+                <a:latin typeface="Nunito"/>
+                <a:ea typeface="Nunito"/>
+                <a:cs typeface="Nunito"/>
+                <a:sym typeface="Nunito"/>
+              </a:rPr>
+              <a:t>モード切替など</a:t>
+            </a:r>
+            <a:endParaRPr sz="900">
+              <a:solidFill>
+                <a:schemeClr val="dk2"/>
+              </a:solidFill>
+              <a:latin typeface="Nunito"/>
+              <a:ea typeface="Nunito"/>
+              <a:cs typeface="Nunito"/>
+              <a:sym typeface="Nunito"/>
+            </a:endParaRPr>
+          </a:p>
+        </p:txBody>
+      </p:sp>
+      <p:sp>
+        <p:nvSpPr>
+          <p:cNvPr id="386" name="Google Shape;386;p20"/>
+          <p:cNvSpPr txBox="1"/>
+          <p:nvPr/>
+        </p:nvSpPr>
+        <p:spPr>
+          <a:xfrm>
+            <a:off x="6825075" y="4611725"/>
+            <a:ext cx="502200" cy="323100"/>
+          </a:xfrm>
+          <a:prstGeom prst="rect">
+            <a:avLst/>
+          </a:prstGeom>
+          <a:noFill/>
+          <a:ln>
+            <a:noFill/>
+          </a:ln>
+        </p:spPr>
+        <p:txBody>
+          <a:bodyPr anchorCtr="0" anchor="t" bIns="91425" lIns="91425" spcFirstLastPara="1" rIns="91425" wrap="square" tIns="91425">
+            <a:spAutoFit/>
+          </a:bodyPr>
+          <a:lstStyle/>
+          <a:p>
+            <a:pPr indent="0" lvl="0" marL="0" rtl="0" algn="l">
+              <a:spcBef>
+                <a:spcPts val="0"/>
+              </a:spcBef>
+              <a:spcAft>
+                <a:spcPts val="0"/>
+              </a:spcAft>
+              <a:buNone/>
+            </a:pPr>
+            <a:r>
+              <a:rPr lang="ja" sz="900">
+                <a:solidFill>
+                  <a:schemeClr val="dk2"/>
+                </a:solidFill>
+                <a:latin typeface="Nunito"/>
+                <a:ea typeface="Nunito"/>
+                <a:cs typeface="Nunito"/>
+                <a:sym typeface="Nunito"/>
+              </a:rPr>
+              <a:t>操縦</a:t>
+            </a:r>
+            <a:endParaRPr sz="900">
+              <a:solidFill>
+                <a:schemeClr val="dk2"/>
+              </a:solidFill>
+              <a:latin typeface="Nunito"/>
+              <a:ea typeface="Nunito"/>
+              <a:cs typeface="Nunito"/>
+              <a:sym typeface="Nunito"/>
+            </a:endParaRPr>
+          </a:p>
+        </p:txBody>
+      </p:sp>
+      <p:pic>
+        <p:nvPicPr>
+          <p:cNvPr id="387" name="Google Shape;387;p20" title="PXL_20250318_142658821.jpg"/>
+          <p:cNvPicPr preferRelativeResize="0"/>
+          <p:nvPr/>
+        </p:nvPicPr>
+        <p:blipFill rotWithShape="1">
+          <a:blip r:embed="rId3">
+            <a:alphaModFix/>
+          </a:blip>
+          <a:srcRect b="16486" l="6720" r="7890" t="22385"/>
+          <a:stretch/>
+        </p:blipFill>
+        <p:spPr>
+          <a:xfrm>
+            <a:off x="3588750" y="4052688"/>
+            <a:ext cx="1354998" cy="727476"/>
+          </a:xfrm>
+          <a:prstGeom prst="rect">
+            <a:avLst/>
+          </a:prstGeom>
+          <a:noFill/>
+          <a:ln>
+            <a:noFill/>
+          </a:ln>
+        </p:spPr>
+      </p:pic>
+      <p:pic>
+        <p:nvPicPr>
+          <p:cNvPr id="388" name="Google Shape;388;p20" title="PXL_20250318_142402379.jpg"/>
+          <p:cNvPicPr preferRelativeResize="0"/>
+          <p:nvPr/>
+        </p:nvPicPr>
+        <p:blipFill rotWithShape="1">
+          <a:blip r:embed="rId4">
+            <a:alphaModFix/>
+          </a:blip>
+          <a:srcRect b="14743" l="11835" r="8572" t="31723"/>
+          <a:stretch/>
+        </p:blipFill>
+        <p:spPr>
+          <a:xfrm>
+            <a:off x="7713225" y="3728912"/>
+            <a:ext cx="1194851" cy="1071575"/>
+          </a:xfrm>
+          <a:prstGeom prst="rect">
+            <a:avLst/>
+          </a:prstGeom>
+          <a:noFill/>
+          <a:ln>
+            <a:noFill/>
+          </a:ln>
+        </p:spPr>
+      </p:pic>
+      <p:pic>
+        <p:nvPicPr>
+          <p:cNvPr id="389" name="Google Shape;389;p20" title="PXL_20250318_141826611.jpg"/>
+          <p:cNvPicPr preferRelativeResize="0"/>
+          <p:nvPr/>
+        </p:nvPicPr>
+        <p:blipFill rotWithShape="1">
+          <a:blip r:embed="rId5">
+            <a:alphaModFix/>
+          </a:blip>
+          <a:srcRect b="4419" l="12524" r="11150" t="9254"/>
+          <a:stretch/>
+        </p:blipFill>
+        <p:spPr>
+          <a:xfrm flipH="1">
+            <a:off x="114700" y="1422475"/>
+            <a:ext cx="1798825" cy="1525824"/>
+          </a:xfrm>
+          <a:prstGeom prst="rect">
+            <a:avLst/>
+          </a:prstGeom>
+          <a:noFill/>
+          <a:ln>
+            <a:noFill/>
+          </a:ln>
+        </p:spPr>
+      </p:pic>
+      <p:sp>
+        <p:nvSpPr>
+          <p:cNvPr id="383" name="Google Shape;383;p20"/>
+          <p:cNvSpPr/>
+          <p:nvPr/>
+        </p:nvSpPr>
+        <p:spPr>
+          <a:xfrm>
+            <a:off x="1658250" y="2421300"/>
+            <a:ext cx="1781700" cy="502500"/>
+          </a:xfrm>
+          <a:prstGeom prst="roundRect">
+            <a:avLst>
+              <a:gd fmla="val 16667" name="adj"/>
+            </a:avLst>
+          </a:prstGeom>
+          <a:solidFill>
+            <a:schemeClr val="lt2"/>
+          </a:solidFill>
+          <a:ln cap="flat" cmpd="sng" w="9525">
+            <a:solidFill>
+              <a:schemeClr val="dk2"/>
+            </a:solidFill>
+            <a:prstDash val="solid"/>
+            <a:round/>
+            <a:headEnd len="sm" w="sm" type="none"/>
+            <a:tailEnd len="sm" w="sm" type="none"/>
+          </a:ln>
+        </p:spPr>
+        <p:txBody>
+          <a:bodyPr anchorCtr="0" anchor="ctr" bIns="91425" lIns="91425" spcFirstLastPara="1" rIns="91425" wrap="square" tIns="91425">
+            <a:noAutofit/>
+          </a:bodyPr>
+          <a:lstStyle/>
+          <a:p>
+            <a:pPr indent="0" lvl="0" marL="0" rtl="0" algn="ctr">
+              <a:spcBef>
+                <a:spcPts val="0"/>
+              </a:spcBef>
+              <a:spcAft>
+                <a:spcPts val="0"/>
+              </a:spcAft>
+              <a:buNone/>
+            </a:pPr>
+            <a:r>
+              <a:rPr lang="ja">
+                <a:latin typeface="Nunito"/>
+                <a:ea typeface="Nunito"/>
+                <a:cs typeface="Nunito"/>
+                <a:sym typeface="Nunito"/>
+              </a:rPr>
+              <a:t>Go-1</a:t>
+            </a:r>
+            <a:endParaRPr>
+              <a:latin typeface="Nunito"/>
+              <a:ea typeface="Nunito"/>
+              <a:cs typeface="Nunito"/>
+              <a:sym typeface="Nunito"/>
+            </a:endParaRPr>
+          </a:p>
+        </p:txBody>
+      </p:sp>
+      <p:cxnSp>
+        <p:nvCxnSpPr>
+          <p:cNvPr id="390" name="Google Shape;390;p20"/>
+          <p:cNvCxnSpPr/>
+          <p:nvPr/>
+        </p:nvCxnSpPr>
+        <p:spPr>
+          <a:xfrm rot="10800000">
+            <a:off x="3938450" y="2923800"/>
+            <a:ext cx="1326000" cy="0"/>
+          </a:xfrm>
+          <a:prstGeom prst="straightConnector1">
+            <a:avLst/>
+          </a:prstGeom>
+          <a:noFill/>
+          <a:ln cap="flat" cmpd="sng" w="9525">
+            <a:solidFill>
+              <a:schemeClr val="dk2"/>
+            </a:solidFill>
+            <a:prstDash val="solid"/>
+            <a:round/>
+            <a:headEnd len="med" w="med" type="none"/>
+            <a:tailEnd len="med" w="med" type="triangle"/>
+          </a:ln>
+        </p:spPr>
+      </p:cxnSp>
+      <p:sp>
+        <p:nvSpPr>
+          <p:cNvPr id="391" name="Google Shape;391;p20"/>
+          <p:cNvSpPr txBox="1"/>
+          <p:nvPr/>
+        </p:nvSpPr>
+        <p:spPr>
+          <a:xfrm>
+            <a:off x="4132100" y="2655938"/>
+            <a:ext cx="938700" cy="338700"/>
+          </a:xfrm>
+          <a:prstGeom prst="rect">
+            <a:avLst/>
+          </a:prstGeom>
+          <a:noFill/>
+          <a:ln>
+            <a:noFill/>
+          </a:ln>
+        </p:spPr>
+        <p:txBody>
+          <a:bodyPr anchorCtr="0" anchor="t" bIns="91425" lIns="91425" spcFirstLastPara="1" rIns="91425" wrap="square" tIns="91425">
+            <a:spAutoFit/>
+          </a:bodyPr>
+          <a:lstStyle/>
+          <a:p>
+            <a:pPr indent="0" lvl="0" marL="0" rtl="0" algn="l">
+              <a:spcBef>
+                <a:spcPts val="0"/>
+              </a:spcBef>
+              <a:spcAft>
+                <a:spcPts val="0"/>
+              </a:spcAft>
+              <a:buNone/>
+            </a:pPr>
+            <a:r>
+              <a:rPr lang="ja" sz="1000">
+                <a:solidFill>
+                  <a:schemeClr val="dk2"/>
+                </a:solidFill>
+                <a:latin typeface="Nunito"/>
+                <a:ea typeface="Nunito"/>
+                <a:cs typeface="Nunito"/>
+                <a:sym typeface="Nunito"/>
+              </a:rPr>
+              <a:t>lowlevelCmd</a:t>
+            </a:r>
+            <a:endParaRPr sz="1000">
+              <a:solidFill>
+                <a:schemeClr val="dk2"/>
+              </a:solidFill>
+              <a:latin typeface="Nunito"/>
+              <a:ea typeface="Nunito"/>
+              <a:cs typeface="Nunito"/>
+              <a:sym typeface="Nunito"/>
+            </a:endParaRPr>
+          </a:p>
+        </p:txBody>
+      </p:sp>
+      <p:cxnSp>
+        <p:nvCxnSpPr>
+          <p:cNvPr id="392" name="Google Shape;392;p20"/>
+          <p:cNvCxnSpPr/>
+          <p:nvPr/>
+        </p:nvCxnSpPr>
+        <p:spPr>
+          <a:xfrm>
+            <a:off x="3939550" y="3147050"/>
+            <a:ext cx="1333500" cy="0"/>
+          </a:xfrm>
+          <a:prstGeom prst="straightConnector1">
+            <a:avLst/>
+          </a:prstGeom>
+          <a:noFill/>
+          <a:ln cap="flat" cmpd="sng" w="9525">
+            <a:solidFill>
+              <a:schemeClr val="dk2"/>
+            </a:solidFill>
+            <a:prstDash val="solid"/>
+            <a:round/>
+            <a:headEnd len="med" w="med" type="none"/>
+            <a:tailEnd len="med" w="med" type="triangle"/>
+          </a:ln>
+        </p:spPr>
+      </p:cxnSp>
+      <p:sp>
+        <p:nvSpPr>
+          <p:cNvPr id="393" name="Google Shape;393;p20"/>
+          <p:cNvSpPr txBox="1"/>
+          <p:nvPr/>
+        </p:nvSpPr>
+        <p:spPr>
+          <a:xfrm>
+            <a:off x="4087500" y="2873775"/>
+            <a:ext cx="1027800" cy="338700"/>
+          </a:xfrm>
+          <a:prstGeom prst="rect">
+            <a:avLst/>
+          </a:prstGeom>
+          <a:noFill/>
+          <a:ln>
+            <a:noFill/>
+          </a:ln>
+        </p:spPr>
+        <p:txBody>
+          <a:bodyPr anchorCtr="0" anchor="t" bIns="91425" lIns="91425" spcFirstLastPara="1" rIns="91425" wrap="square" tIns="91425">
+            <a:spAutoFit/>
+          </a:bodyPr>
+          <a:lstStyle/>
+          <a:p>
+            <a:pPr indent="0" lvl="0" marL="0" rtl="0" algn="l">
+              <a:spcBef>
+                <a:spcPts val="0"/>
+              </a:spcBef>
+              <a:spcAft>
+                <a:spcPts val="0"/>
+              </a:spcAft>
+              <a:buNone/>
+            </a:pPr>
+            <a:r>
+              <a:rPr lang="ja" sz="1000">
+                <a:solidFill>
+                  <a:schemeClr val="dk2"/>
+                </a:solidFill>
+                <a:latin typeface="Nunito"/>
+                <a:ea typeface="Nunito"/>
+                <a:cs typeface="Nunito"/>
+                <a:sym typeface="Nunito"/>
+              </a:rPr>
+              <a:t>lowlevelState</a:t>
+            </a:r>
+            <a:endParaRPr sz="1000">
+              <a:solidFill>
+                <a:schemeClr val="dk2"/>
+              </a:solidFill>
+              <a:latin typeface="Nunito"/>
+              <a:ea typeface="Nunito"/>
+              <a:cs typeface="Nunito"/>
+              <a:sym typeface="Nunito"/>
+            </a:endParaRPr>
+          </a:p>
+        </p:txBody>
+      </p:sp>
+    </p:spTree>
+  </p:cSld>
+  <p:clrMapOvr>
+    <a:masterClrMapping/>
+  </p:clrMapOvr>
+</p:sld>
+</file>
+
+<file path=ppt/slides/slide9.xml><?xml version="1.0" encoding="utf-8"?>
+<p:sld xmlns:a="http://schemas.openxmlformats.org/drawingml/2006/main" xmlns:r="http://schemas.openxmlformats.org/officeDocument/2006/relationships" xmlns:mc="http://schemas.openxmlformats.org/markup-compatibility/2006" xmlns:mv="urn:schemas-microsoft-com:mac:vml" xmlns:p="http://schemas.openxmlformats.org/presentationml/2006/main" xmlns:c="http://schemas.openxmlformats.org/drawingml/2006/chart" xmlns:dgm="http://schemas.openxmlformats.org/drawingml/2006/diagram" xmlns:o="urn:schemas-microsoft-com:office:office" xmlns:v="urn:schemas-microsoft-com:vml" xmlns:pvml="urn:schemas-microsoft-com:office:powerpoint" xmlns:com="http://schemas.openxmlformats.org/drawingml/2006/compatibility" xmlns:p14="http://schemas.microsoft.com/office/powerpoint/2010/main" xmlns:p15="http://schemas.microsoft.com/office/powerpoint/2012/main" xmlns:ahyp="http://schemas.microsoft.com/office/drawing/2018/hyperlinkcolor">
+  <p:cSld>
+    <p:spTree>
+      <p:nvGrpSpPr>
+        <p:cNvPr id="397" name="Shape 397"/>
+        <p:cNvGrpSpPr/>
+        <p:nvPr/>
+      </p:nvGrpSpPr>
+      <p:grpSpPr>
+        <a:xfrm>
+          <a:off x="0" y="0"/>
+          <a:ext cx="0" cy="0"/>
+          <a:chOff x="0" y="0"/>
+          <a:chExt cx="0" cy="0"/>
+        </a:xfrm>
+      </p:grpSpPr>
+      <p:sp>
+        <p:nvSpPr>
+          <p:cNvPr id="398" name="Google Shape;398;p21"/>
+          <p:cNvSpPr txBox="1"/>
+          <p:nvPr>
+            <p:ph type="title"/>
+          </p:nvPr>
+        </p:nvSpPr>
+        <p:spPr>
+          <a:xfrm>
+            <a:off x="1303800" y="598575"/>
+            <a:ext cx="7030500" cy="999300"/>
+          </a:xfrm>
+          <a:prstGeom prst="rect">
+            <a:avLst/>
+          </a:prstGeom>
+        </p:spPr>
+        <p:txBody>
+          <a:bodyPr anchorCtr="0" anchor="t" bIns="91425" lIns="91425" spcFirstLastPara="1" rIns="91425" wrap="square" tIns="91425">
+            <a:normAutofit/>
+          </a:bodyPr>
+          <a:lstStyle/>
+          <a:p>
+            <a:pPr indent="0" lvl="0" marL="0" rtl="0" algn="l">
+              <a:spcBef>
+                <a:spcPts val="0"/>
+              </a:spcBef>
+              <a:spcAft>
+                <a:spcPts val="0"/>
+              </a:spcAft>
+              <a:buNone/>
+            </a:pPr>
+            <a:r>
+              <a:rPr lang="ja"/>
               <a:t>おわりに</a:t>
             </a:r>
             <a:endParaRPr/>
@@ -20002,7 +21740,7 @@
       </p:sp>
       <p:sp>
         <p:nvSpPr>
-          <p:cNvPr id="365" name="Google Shape;365;p20"/>
+          <p:cNvPr id="399" name="Google Shape;399;p21"/>
           <p:cNvSpPr txBox="1"/>
           <p:nvPr>
             <p:ph idx="1" type="body"/>

--- a/GenesisとGo-1でsim2realを試す.pptx
+++ b/GenesisとGo-1でsim2realを試す.pptx
@@ -812,7 +812,7 @@
   <p:cSld>
     <p:spTree>
       <p:nvGrpSpPr>
-        <p:cNvPr id="279" name="Shape 279"/>
+        <p:cNvPr id="281" name="Shape 281"/>
         <p:cNvGrpSpPr/>
         <p:nvPr/>
       </p:nvGrpSpPr>
@@ -826,7 +826,7 @@
       </p:grpSpPr>
       <p:sp>
         <p:nvSpPr>
-          <p:cNvPr id="280" name="Google Shape;280;g335d5066c03_0_0:notes"/>
+          <p:cNvPr id="282" name="Google Shape;282;g335d5066c03_0_0:notes"/>
           <p:cNvSpPr/>
           <p:nvPr>
             <p:ph idx="2" type="sldImg"/>
@@ -861,7 +861,7 @@
       </p:sp>
       <p:sp>
         <p:nvSpPr>
-          <p:cNvPr id="281" name="Google Shape;281;g335d5066c03_0_0:notes"/>
+          <p:cNvPr id="283" name="Google Shape;283;g335d5066c03_0_0:notes"/>
           <p:cNvSpPr txBox="1"/>
           <p:nvPr>
             <p:ph idx="1" type="body"/>
@@ -911,7 +911,7 @@
   <p:cSld>
     <p:spTree>
       <p:nvGrpSpPr>
-        <p:cNvPr id="285" name="Shape 285"/>
+        <p:cNvPr id="287" name="Shape 287"/>
         <p:cNvGrpSpPr/>
         <p:nvPr/>
       </p:nvGrpSpPr>
@@ -925,7 +925,7 @@
       </p:grpSpPr>
       <p:sp>
         <p:nvSpPr>
-          <p:cNvPr id="286" name="Google Shape;286;g335d5066c03_0_277:notes"/>
+          <p:cNvPr id="288" name="Google Shape;288;g335d5066c03_0_277:notes"/>
           <p:cNvSpPr/>
           <p:nvPr>
             <p:ph idx="2" type="sldImg"/>
@@ -960,7 +960,7 @@
       </p:sp>
       <p:sp>
         <p:nvSpPr>
-          <p:cNvPr id="287" name="Google Shape;287;g335d5066c03_0_277:notes"/>
+          <p:cNvPr id="289" name="Google Shape;289;g335d5066c03_0_277:notes"/>
           <p:cNvSpPr txBox="1"/>
           <p:nvPr>
             <p:ph idx="1" type="body"/>
@@ -1010,7 +1010,7 @@
   <p:cSld>
     <p:spTree>
       <p:nvGrpSpPr>
-        <p:cNvPr id="294" name="Shape 294"/>
+        <p:cNvPr id="296" name="Shape 296"/>
         <p:cNvGrpSpPr/>
         <p:nvPr/>
       </p:nvGrpSpPr>
@@ -1024,7 +1024,7 @@
       </p:grpSpPr>
       <p:sp>
         <p:nvSpPr>
-          <p:cNvPr id="295" name="Google Shape;295;g335d5066c03_0_282:notes"/>
+          <p:cNvPr id="297" name="Google Shape;297;g335d5066c03_0_282:notes"/>
           <p:cNvSpPr/>
           <p:nvPr>
             <p:ph idx="2" type="sldImg"/>
@@ -1059,7 +1059,7 @@
       </p:sp>
       <p:sp>
         <p:nvSpPr>
-          <p:cNvPr id="296" name="Google Shape;296;g335d5066c03_0_282:notes"/>
+          <p:cNvPr id="298" name="Google Shape;298;g335d5066c03_0_282:notes"/>
           <p:cNvSpPr txBox="1"/>
           <p:nvPr>
             <p:ph idx="1" type="body"/>
@@ -1109,7 +1109,7 @@
   <p:cSld>
     <p:spTree>
       <p:nvGrpSpPr>
-        <p:cNvPr id="314" name="Shape 314"/>
+        <p:cNvPr id="316" name="Shape 316"/>
         <p:cNvGrpSpPr/>
         <p:nvPr/>
       </p:nvGrpSpPr>
@@ -1123,7 +1123,7 @@
       </p:grpSpPr>
       <p:sp>
         <p:nvSpPr>
-          <p:cNvPr id="315" name="Google Shape;315;g335d5066c03_0_312:notes"/>
+          <p:cNvPr id="317" name="Google Shape;317;g335d5066c03_0_312:notes"/>
           <p:cNvSpPr/>
           <p:nvPr>
             <p:ph idx="2" type="sldImg"/>
@@ -1158,7 +1158,7 @@
       </p:sp>
       <p:sp>
         <p:nvSpPr>
-          <p:cNvPr id="316" name="Google Shape;316;g335d5066c03_0_312:notes"/>
+          <p:cNvPr id="318" name="Google Shape;318;g335d5066c03_0_312:notes"/>
           <p:cNvSpPr txBox="1"/>
           <p:nvPr>
             <p:ph idx="1" type="body"/>
@@ -1208,7 +1208,7 @@
   <p:cSld>
     <p:spTree>
       <p:nvGrpSpPr>
-        <p:cNvPr id="338" name="Shape 338"/>
+        <p:cNvPr id="340" name="Shape 340"/>
         <p:cNvGrpSpPr/>
         <p:nvPr/>
       </p:nvGrpSpPr>
@@ -1222,7 +1222,7 @@
       </p:grpSpPr>
       <p:sp>
         <p:nvSpPr>
-          <p:cNvPr id="339" name="Google Shape;339;g335d5066c03_0_361:notes"/>
+          <p:cNvPr id="341" name="Google Shape;341;g335d5066c03_0_361:notes"/>
           <p:cNvSpPr/>
           <p:nvPr>
             <p:ph idx="2" type="sldImg"/>
@@ -1257,7 +1257,7 @@
       </p:sp>
       <p:sp>
         <p:nvSpPr>
-          <p:cNvPr id="340" name="Google Shape;340;g335d5066c03_0_361:notes"/>
+          <p:cNvPr id="342" name="Google Shape;342;g335d5066c03_0_361:notes"/>
           <p:cNvSpPr txBox="1"/>
           <p:nvPr>
             <p:ph idx="1" type="body"/>
@@ -1307,7 +1307,7 @@
   <p:cSld>
     <p:spTree>
       <p:nvGrpSpPr>
-        <p:cNvPr id="349" name="Shape 349"/>
+        <p:cNvPr id="351" name="Shape 351"/>
         <p:cNvGrpSpPr/>
         <p:nvPr/>
       </p:nvGrpSpPr>
@@ -1321,7 +1321,7 @@
       </p:grpSpPr>
       <p:sp>
         <p:nvSpPr>
-          <p:cNvPr id="350" name="Google Shape;350;g335d5066c03_0_372:notes"/>
+          <p:cNvPr id="352" name="Google Shape;352;g335d5066c03_0_372:notes"/>
           <p:cNvSpPr/>
           <p:nvPr>
             <p:ph idx="2" type="sldImg"/>
@@ -1356,7 +1356,7 @@
       </p:sp>
       <p:sp>
         <p:nvSpPr>
-          <p:cNvPr id="351" name="Google Shape;351;g335d5066c03_0_372:notes"/>
+          <p:cNvPr id="353" name="Google Shape;353;g335d5066c03_0_372:notes"/>
           <p:cNvSpPr txBox="1"/>
           <p:nvPr>
             <p:ph idx="1" type="body"/>
@@ -1406,7 +1406,7 @@
   <p:cSld>
     <p:spTree>
       <p:nvGrpSpPr>
-        <p:cNvPr id="368" name="Shape 368"/>
+        <p:cNvPr id="370" name="Shape 370"/>
         <p:cNvGrpSpPr/>
         <p:nvPr/>
       </p:nvGrpSpPr>
@@ -1420,7 +1420,7 @@
       </p:grpSpPr>
       <p:sp>
         <p:nvSpPr>
-          <p:cNvPr id="369" name="Google Shape;369;g3388cfffe5f_0_5:notes"/>
+          <p:cNvPr id="371" name="Google Shape;371;g3388cfffe5f_0_5:notes"/>
           <p:cNvSpPr/>
           <p:nvPr>
             <p:ph idx="2" type="sldImg"/>
@@ -1455,7 +1455,7 @@
       </p:sp>
       <p:sp>
         <p:nvSpPr>
-          <p:cNvPr id="370" name="Google Shape;370;g3388cfffe5f_0_5:notes"/>
+          <p:cNvPr id="372" name="Google Shape;372;g3388cfffe5f_0_5:notes"/>
           <p:cNvSpPr txBox="1"/>
           <p:nvPr>
             <p:ph idx="1" type="body"/>
@@ -1505,7 +1505,7 @@
   <p:cSld>
     <p:spTree>
       <p:nvGrpSpPr>
-        <p:cNvPr id="394" name="Shape 394"/>
+        <p:cNvPr id="396" name="Shape 396"/>
         <p:cNvGrpSpPr/>
         <p:nvPr/>
       </p:nvGrpSpPr>
@@ -1519,7 +1519,7 @@
       </p:grpSpPr>
       <p:sp>
         <p:nvSpPr>
-          <p:cNvPr id="395" name="Google Shape;395;g335d5066c03_0_391:notes"/>
+          <p:cNvPr id="397" name="Google Shape;397;g335d5066c03_0_391:notes"/>
           <p:cNvSpPr/>
           <p:nvPr>
             <p:ph idx="2" type="sldImg"/>
@@ -1554,7 +1554,7 @@
       </p:sp>
       <p:sp>
         <p:nvSpPr>
-          <p:cNvPr id="396" name="Google Shape;396;g335d5066c03_0_391:notes"/>
+          <p:cNvPr id="398" name="Google Shape;398;g335d5066c03_0_391:notes"/>
           <p:cNvSpPr txBox="1"/>
           <p:nvPr>
             <p:ph idx="1" type="body"/>
@@ -15971,6 +15971,106 @@
           </a:p>
         </p:txBody>
       </p:sp>
+      <p:sp>
+        <p:nvSpPr>
+          <p:cNvPr id="279" name="Google Shape;279;p13"/>
+          <p:cNvSpPr txBox="1"/>
+          <p:nvPr>
+            <p:ph idx="1" type="subTitle"/>
+          </p:nvPr>
+        </p:nvSpPr>
+        <p:spPr>
+          <a:xfrm>
+            <a:off x="5825550" y="4291700"/>
+            <a:ext cx="1844400" cy="695400"/>
+          </a:xfrm>
+          <a:prstGeom prst="rect">
+            <a:avLst/>
+          </a:prstGeom>
+        </p:spPr>
+        <p:txBody>
+          <a:bodyPr anchorCtr="0" anchor="t" bIns="91425" lIns="91425" spcFirstLastPara="1" rIns="91425" wrap="square" tIns="91425">
+            <a:normAutofit/>
+          </a:bodyPr>
+          <a:lstStyle/>
+          <a:p>
+            <a:pPr indent="0" lvl="0" marL="0" rtl="0" algn="l">
+              <a:spcBef>
+                <a:spcPts val="0"/>
+              </a:spcBef>
+              <a:spcAft>
+                <a:spcPts val="0"/>
+              </a:spcAft>
+              <a:buNone/>
+            </a:pPr>
+            <a:r>
+              <a:rPr lang="ja"/>
+              <a:t>しまけん</a:t>
+            </a:r>
+            <a:endParaRPr/>
+          </a:p>
+          <a:p>
+            <a:pPr indent="0" lvl="0" marL="0" rtl="0" algn="l">
+              <a:spcBef>
+                <a:spcPts val="0"/>
+              </a:spcBef>
+              <a:spcAft>
+                <a:spcPts val="0"/>
+              </a:spcAft>
+              <a:buNone/>
+            </a:pPr>
+            <a:r>
+              <a:rPr lang="ja"/>
+              <a:t>@lambda_robot</a:t>
+            </a:r>
+            <a:endParaRPr/>
+          </a:p>
+        </p:txBody>
+      </p:sp>
+      <p:sp>
+        <p:nvSpPr>
+          <p:cNvPr id="280" name="Google Shape;280;p13"/>
+          <p:cNvSpPr txBox="1"/>
+          <p:nvPr>
+            <p:ph idx="1" type="subTitle"/>
+          </p:nvPr>
+        </p:nvSpPr>
+        <p:spPr>
+          <a:xfrm>
+            <a:off x="1011700" y="4504400"/>
+            <a:ext cx="4255500" cy="482700"/>
+          </a:xfrm>
+          <a:prstGeom prst="rect">
+            <a:avLst/>
+          </a:prstGeom>
+        </p:spPr>
+        <p:txBody>
+          <a:bodyPr anchorCtr="0" anchor="t" bIns="91425" lIns="91425" spcFirstLastPara="1" rIns="91425" wrap="square" tIns="91425">
+            <a:normAutofit fontScale="92500"/>
+          </a:bodyPr>
+          <a:lstStyle/>
+          <a:p>
+            <a:pPr indent="0" lvl="0" marL="0" rtl="0" algn="l">
+              <a:spcBef>
+                <a:spcPts val="0"/>
+              </a:spcBef>
+              <a:spcAft>
+                <a:spcPts val="0"/>
+              </a:spcAft>
+              <a:buNone/>
+            </a:pPr>
+            <a:r>
+              <a:rPr lang="ja"/>
+              <a:t>2025</a:t>
+            </a:r>
+            <a:r>
+              <a:rPr lang="ja"/>
+              <a:t>年3月30日　@秋葉原　ロボスタディオン</a:t>
+            </a:r>
+            <a:endParaRPr/>
+          </a:p>
+        </p:txBody>
+      </p:sp>
     </p:spTree>
   </p:cSld>
   <p:clrMapOvr>
@@ -15984,7 +16084,7 @@
   <p:cSld>
     <p:spTree>
       <p:nvGrpSpPr>
-        <p:cNvPr id="282" name="Shape 282"/>
+        <p:cNvPr id="284" name="Shape 284"/>
         <p:cNvGrpSpPr/>
         <p:nvPr/>
       </p:nvGrpSpPr>
@@ -15998,7 +16098,7 @@
       </p:grpSpPr>
       <p:sp>
         <p:nvSpPr>
-          <p:cNvPr id="283" name="Google Shape;283;p14"/>
+          <p:cNvPr id="285" name="Google Shape;285;p14"/>
           <p:cNvSpPr txBox="1"/>
           <p:nvPr>
             <p:ph type="title"/>
@@ -16038,7 +16138,7 @@
       </p:sp>
       <p:sp>
         <p:nvSpPr>
-          <p:cNvPr id="284" name="Google Shape;284;p14"/>
+          <p:cNvPr id="286" name="Google Shape;286;p14"/>
           <p:cNvSpPr txBox="1"/>
           <p:nvPr>
             <p:ph idx="1" type="body"/>
@@ -16460,7 +16560,7 @@
   <p:cSld>
     <p:spTree>
       <p:nvGrpSpPr>
-        <p:cNvPr id="288" name="Shape 288"/>
+        <p:cNvPr id="290" name="Shape 290"/>
         <p:cNvGrpSpPr/>
         <p:nvPr/>
       </p:nvGrpSpPr>
@@ -16474,7 +16574,7 @@
       </p:grpSpPr>
       <p:sp>
         <p:nvSpPr>
-          <p:cNvPr id="289" name="Google Shape;289;p15"/>
+          <p:cNvPr id="291" name="Google Shape;291;p15"/>
           <p:cNvSpPr txBox="1"/>
           <p:nvPr>
             <p:ph type="title"/>
@@ -16514,7 +16614,7 @@
       </p:sp>
       <p:sp>
         <p:nvSpPr>
-          <p:cNvPr id="290" name="Google Shape;290;p15"/>
+          <p:cNvPr id="292" name="Google Shape;292;p15"/>
           <p:cNvSpPr txBox="1"/>
           <p:nvPr>
             <p:ph idx="1" type="body"/>
@@ -16589,7 +16689,7 @@
       </p:sp>
       <p:sp>
         <p:nvSpPr>
-          <p:cNvPr id="291" name="Google Shape;291;p15"/>
+          <p:cNvPr id="293" name="Google Shape;293;p15"/>
           <p:cNvSpPr/>
           <p:nvPr/>
         </p:nvSpPr>
@@ -16646,7 +16746,7 @@
       </p:sp>
       <p:sp>
         <p:nvSpPr>
-          <p:cNvPr id="292" name="Google Shape;292;p15"/>
+          <p:cNvPr id="294" name="Google Shape;294;p15"/>
           <p:cNvSpPr/>
           <p:nvPr/>
         </p:nvSpPr>
@@ -16708,7 +16808,7 @@
       </p:sp>
       <p:sp>
         <p:nvSpPr>
-          <p:cNvPr id="293" name="Google Shape;293;p15"/>
+          <p:cNvPr id="295" name="Google Shape;295;p15"/>
           <p:cNvSpPr txBox="1"/>
           <p:nvPr/>
         </p:nvSpPr>
@@ -16777,7 +16877,7 @@
   <p:cSld>
     <p:spTree>
       <p:nvGrpSpPr>
-        <p:cNvPr id="297" name="Shape 297"/>
+        <p:cNvPr id="299" name="Shape 299"/>
         <p:cNvGrpSpPr/>
         <p:nvPr/>
       </p:nvGrpSpPr>
@@ -16791,7 +16891,7 @@
       </p:grpSpPr>
       <p:sp>
         <p:nvSpPr>
-          <p:cNvPr id="298" name="Google Shape;298;p16"/>
+          <p:cNvPr id="300" name="Google Shape;300;p16"/>
           <p:cNvSpPr txBox="1"/>
           <p:nvPr>
             <p:ph type="title"/>
@@ -16835,7 +16935,7 @@
       </p:sp>
       <p:sp>
         <p:nvSpPr>
-          <p:cNvPr id="299" name="Google Shape;299;p16"/>
+          <p:cNvPr id="301" name="Google Shape;301;p16"/>
           <p:cNvSpPr/>
           <p:nvPr/>
         </p:nvSpPr>
@@ -16895,7 +16995,7 @@
       </p:sp>
       <p:sp>
         <p:nvSpPr>
-          <p:cNvPr id="300" name="Google Shape;300;p16"/>
+          <p:cNvPr id="302" name="Google Shape;302;p16"/>
           <p:cNvSpPr/>
           <p:nvPr/>
         </p:nvSpPr>
@@ -16955,7 +17055,7 @@
       </p:sp>
       <p:sp>
         <p:nvSpPr>
-          <p:cNvPr id="301" name="Google Shape;301;p16"/>
+          <p:cNvPr id="303" name="Google Shape;303;p16"/>
           <p:cNvSpPr/>
           <p:nvPr/>
         </p:nvSpPr>
@@ -17012,7 +17112,7 @@
       </p:sp>
       <p:sp>
         <p:nvSpPr>
-          <p:cNvPr id="302" name="Google Shape;302;p16"/>
+          <p:cNvPr id="304" name="Google Shape;304;p16"/>
           <p:cNvSpPr/>
           <p:nvPr/>
         </p:nvSpPr>
@@ -17069,7 +17169,7 @@
       </p:sp>
       <p:sp>
         <p:nvSpPr>
-          <p:cNvPr id="303" name="Google Shape;303;p16"/>
+          <p:cNvPr id="305" name="Google Shape;305;p16"/>
           <p:cNvSpPr txBox="1"/>
           <p:nvPr/>
         </p:nvSpPr>
@@ -17127,7 +17227,7 @@
       </p:sp>
       <p:sp>
         <p:nvSpPr>
-          <p:cNvPr id="304" name="Google Shape;304;p16"/>
+          <p:cNvPr id="306" name="Google Shape;306;p16"/>
           <p:cNvSpPr txBox="1"/>
           <p:nvPr/>
         </p:nvSpPr>
@@ -17185,7 +17285,7 @@
       </p:sp>
       <p:sp>
         <p:nvSpPr>
-          <p:cNvPr id="305" name="Google Shape;305;p16"/>
+          <p:cNvPr id="307" name="Google Shape;307;p16"/>
           <p:cNvSpPr txBox="1"/>
           <p:nvPr/>
         </p:nvSpPr>
@@ -17243,7 +17343,7 @@
       </p:sp>
       <p:sp>
         <p:nvSpPr>
-          <p:cNvPr id="306" name="Google Shape;306;p16"/>
+          <p:cNvPr id="308" name="Google Shape;308;p16"/>
           <p:cNvSpPr txBox="1"/>
           <p:nvPr/>
         </p:nvSpPr>
@@ -17292,7 +17392,7 @@
       </p:sp>
       <p:sp>
         <p:nvSpPr>
-          <p:cNvPr id="307" name="Google Shape;307;p16"/>
+          <p:cNvPr id="309" name="Google Shape;309;p16"/>
           <p:cNvSpPr txBox="1"/>
           <p:nvPr/>
         </p:nvSpPr>
@@ -17350,7 +17450,7 @@
       </p:sp>
       <p:sp>
         <p:nvSpPr>
-          <p:cNvPr id="308" name="Google Shape;308;p16"/>
+          <p:cNvPr id="310" name="Google Shape;310;p16"/>
           <p:cNvSpPr txBox="1"/>
           <p:nvPr/>
         </p:nvSpPr>
@@ -17568,7 +17668,7 @@
       </p:sp>
       <p:sp>
         <p:nvSpPr>
-          <p:cNvPr id="309" name="Google Shape;309;p16"/>
+          <p:cNvPr id="311" name="Google Shape;311;p16"/>
           <p:cNvSpPr/>
           <p:nvPr/>
         </p:nvSpPr>
@@ -17625,7 +17725,7 @@
       </p:sp>
       <p:sp>
         <p:nvSpPr>
-          <p:cNvPr id="310" name="Google Shape;310;p16"/>
+          <p:cNvPr id="312" name="Google Shape;312;p16"/>
           <p:cNvSpPr txBox="1"/>
           <p:nvPr/>
         </p:nvSpPr>
@@ -17683,7 +17783,7 @@
       </p:sp>
       <p:pic>
         <p:nvPicPr>
-          <p:cNvPr id="311" name="Google Shape;311;p16"/>
+          <p:cNvPr id="313" name="Google Shape;313;p16"/>
           <p:cNvPicPr preferRelativeResize="0"/>
           <p:nvPr/>
         </p:nvPicPr>
@@ -17710,7 +17810,7 @@
       </p:pic>
       <p:sp>
         <p:nvSpPr>
-          <p:cNvPr id="312" name="Google Shape;312;p16"/>
+          <p:cNvPr id="314" name="Google Shape;314;p16"/>
           <p:cNvSpPr/>
           <p:nvPr/>
         </p:nvSpPr>
@@ -17772,7 +17872,7 @@
       </p:sp>
       <p:sp>
         <p:nvSpPr>
-          <p:cNvPr id="313" name="Google Shape;313;p16"/>
+          <p:cNvPr id="315" name="Google Shape;315;p16"/>
           <p:cNvSpPr/>
           <p:nvPr/>
         </p:nvSpPr>
@@ -17840,7 +17940,7 @@
   <p:cSld>
     <p:spTree>
       <p:nvGrpSpPr>
-        <p:cNvPr id="317" name="Shape 317"/>
+        <p:cNvPr id="319" name="Shape 319"/>
         <p:cNvGrpSpPr/>
         <p:nvPr/>
       </p:nvGrpSpPr>
@@ -17854,7 +17954,7 @@
       </p:grpSpPr>
       <p:sp>
         <p:nvSpPr>
-          <p:cNvPr id="318" name="Google Shape;318;p17"/>
+          <p:cNvPr id="320" name="Google Shape;320;p17"/>
           <p:cNvSpPr txBox="1"/>
           <p:nvPr>
             <p:ph type="title"/>
@@ -17894,7 +17994,7 @@
       </p:sp>
       <p:sp>
         <p:nvSpPr>
-          <p:cNvPr id="319" name="Google Shape;319;p17"/>
+          <p:cNvPr id="321" name="Google Shape;321;p17"/>
           <p:cNvSpPr/>
           <p:nvPr/>
         </p:nvSpPr>
@@ -17954,7 +18054,7 @@
       </p:sp>
       <p:sp>
         <p:nvSpPr>
-          <p:cNvPr id="320" name="Google Shape;320;p17"/>
+          <p:cNvPr id="322" name="Google Shape;322;p17"/>
           <p:cNvSpPr/>
           <p:nvPr/>
         </p:nvSpPr>
@@ -18011,7 +18111,7 @@
       </p:sp>
       <p:sp>
         <p:nvSpPr>
-          <p:cNvPr id="321" name="Google Shape;321;p17"/>
+          <p:cNvPr id="323" name="Google Shape;323;p17"/>
           <p:cNvSpPr txBox="1"/>
           <p:nvPr/>
         </p:nvSpPr>
@@ -18069,7 +18169,7 @@
       </p:sp>
       <p:sp>
         <p:nvSpPr>
-          <p:cNvPr id="322" name="Google Shape;322;p17"/>
+          <p:cNvPr id="324" name="Google Shape;324;p17"/>
           <p:cNvSpPr txBox="1"/>
           <p:nvPr/>
         </p:nvSpPr>
@@ -18127,7 +18227,7 @@
       </p:sp>
       <p:sp>
         <p:nvSpPr>
-          <p:cNvPr id="323" name="Google Shape;323;p17"/>
+          <p:cNvPr id="325" name="Google Shape;325;p17"/>
           <p:cNvSpPr txBox="1"/>
           <p:nvPr/>
         </p:nvSpPr>
@@ -18185,7 +18285,7 @@
       </p:sp>
       <p:sp>
         <p:nvSpPr>
-          <p:cNvPr id="324" name="Google Shape;324;p17"/>
+          <p:cNvPr id="326" name="Google Shape;326;p17"/>
           <p:cNvSpPr/>
           <p:nvPr/>
         </p:nvSpPr>
@@ -18247,7 +18347,7 @@
       </p:sp>
       <p:sp>
         <p:nvSpPr>
-          <p:cNvPr id="325" name="Google Shape;325;p17"/>
+          <p:cNvPr id="327" name="Google Shape;327;p17"/>
           <p:cNvSpPr/>
           <p:nvPr/>
         </p:nvSpPr>
@@ -18307,7 +18407,7 @@
       </p:sp>
       <p:sp>
         <p:nvSpPr>
-          <p:cNvPr id="326" name="Google Shape;326;p17"/>
+          <p:cNvPr id="328" name="Google Shape;328;p17"/>
           <p:cNvSpPr/>
           <p:nvPr/>
         </p:nvSpPr>
@@ -18364,7 +18464,7 @@
       </p:sp>
       <p:sp>
         <p:nvSpPr>
-          <p:cNvPr id="327" name="Google Shape;327;p17"/>
+          <p:cNvPr id="329" name="Google Shape;329;p17"/>
           <p:cNvSpPr txBox="1"/>
           <p:nvPr/>
         </p:nvSpPr>
@@ -18486,7 +18586,7 @@
       </p:sp>
       <p:sp>
         <p:nvSpPr>
-          <p:cNvPr id="328" name="Google Shape;328;p17"/>
+          <p:cNvPr id="330" name="Google Shape;330;p17"/>
           <p:cNvSpPr/>
           <p:nvPr/>
         </p:nvSpPr>
@@ -18543,7 +18643,7 @@
       </p:sp>
       <p:sp>
         <p:nvSpPr>
-          <p:cNvPr id="329" name="Google Shape;329;p17"/>
+          <p:cNvPr id="331" name="Google Shape;331;p17"/>
           <p:cNvSpPr/>
           <p:nvPr/>
         </p:nvSpPr>
@@ -18605,7 +18705,7 @@
       </p:sp>
       <p:sp>
         <p:nvSpPr>
-          <p:cNvPr id="330" name="Google Shape;330;p17"/>
+          <p:cNvPr id="332" name="Google Shape;332;p17"/>
           <p:cNvSpPr txBox="1"/>
           <p:nvPr/>
         </p:nvSpPr>
@@ -18663,7 +18763,7 @@
       </p:sp>
       <p:sp>
         <p:nvSpPr>
-          <p:cNvPr id="331" name="Google Shape;331;p17"/>
+          <p:cNvPr id="333" name="Google Shape;333;p17"/>
           <p:cNvSpPr/>
           <p:nvPr/>
         </p:nvSpPr>
@@ -18722,7 +18822,7 @@
       </p:sp>
       <p:sp>
         <p:nvSpPr>
-          <p:cNvPr id="332" name="Google Shape;332;p17"/>
+          <p:cNvPr id="334" name="Google Shape;334;p17"/>
           <p:cNvSpPr/>
           <p:nvPr/>
         </p:nvSpPr>
@@ -18778,7 +18878,7 @@
       </p:sp>
       <p:sp>
         <p:nvSpPr>
-          <p:cNvPr id="333" name="Google Shape;333;p17"/>
+          <p:cNvPr id="335" name="Google Shape;335;p17"/>
           <p:cNvSpPr txBox="1"/>
           <p:nvPr/>
         </p:nvSpPr>
@@ -18827,7 +18927,7 @@
       </p:sp>
       <p:sp>
         <p:nvSpPr>
-          <p:cNvPr id="334" name="Google Shape;334;p17"/>
+          <p:cNvPr id="336" name="Google Shape;336;p17"/>
           <p:cNvSpPr txBox="1"/>
           <p:nvPr/>
         </p:nvSpPr>
@@ -18897,7 +18997,7 @@
       </p:sp>
       <p:sp>
         <p:nvSpPr>
-          <p:cNvPr id="335" name="Google Shape;335;p17"/>
+          <p:cNvPr id="337" name="Google Shape;337;p17"/>
           <p:cNvSpPr/>
           <p:nvPr/>
         </p:nvSpPr>
@@ -18954,7 +19054,7 @@
       </p:sp>
       <p:pic>
         <p:nvPicPr>
-          <p:cNvPr id="336" name="Google Shape;336;p17" title="PXL_20250318_141826611.jpg"/>
+          <p:cNvPr id="338" name="Google Shape;338;p17" title="PXL_20250318_141826611.jpg"/>
           <p:cNvPicPr preferRelativeResize="0"/>
           <p:nvPr/>
         </p:nvPicPr>
@@ -18981,7 +19081,7 @@
       </p:pic>
       <p:pic>
         <p:nvPicPr>
-          <p:cNvPr id="337" name="Google Shape;337;p17" title="PXL_20250318_142402379.jpg"/>
+          <p:cNvPr id="339" name="Google Shape;339;p17" title="PXL_20250318_142402379.jpg"/>
           <p:cNvPicPr preferRelativeResize="0"/>
           <p:nvPr/>
         </p:nvPicPr>
@@ -19019,7 +19119,7 @@
   <p:cSld>
     <p:spTree>
       <p:nvGrpSpPr>
-        <p:cNvPr id="341" name="Shape 341"/>
+        <p:cNvPr id="343" name="Shape 343"/>
         <p:cNvGrpSpPr/>
         <p:nvPr/>
       </p:nvGrpSpPr>
@@ -19033,7 +19133,7 @@
       </p:grpSpPr>
       <p:sp>
         <p:nvSpPr>
-          <p:cNvPr id="342" name="Google Shape;342;p18"/>
+          <p:cNvPr id="344" name="Google Shape;344;p18"/>
           <p:cNvSpPr txBox="1"/>
           <p:nvPr>
             <p:ph type="title"/>
@@ -19073,7 +19173,7 @@
       </p:sp>
       <p:sp>
         <p:nvSpPr>
-          <p:cNvPr id="343" name="Google Shape;343;p18"/>
+          <p:cNvPr id="345" name="Google Shape;345;p18"/>
           <p:cNvSpPr txBox="1"/>
           <p:nvPr/>
         </p:nvSpPr>
@@ -19131,7 +19231,7 @@
       </p:sp>
       <p:sp>
         <p:nvSpPr>
-          <p:cNvPr id="344" name="Google Shape;344;p18"/>
+          <p:cNvPr id="346" name="Google Shape;346;p18"/>
           <p:cNvSpPr txBox="1"/>
           <p:nvPr/>
         </p:nvSpPr>
@@ -19201,7 +19301,7 @@
       </p:sp>
       <p:sp>
         <p:nvSpPr>
-          <p:cNvPr id="345" name="Google Shape;345;p18"/>
+          <p:cNvPr id="347" name="Google Shape;347;p18"/>
           <p:cNvSpPr txBox="1"/>
           <p:nvPr/>
         </p:nvSpPr>
@@ -19315,7 +19415,7 @@
       </p:sp>
       <p:pic>
         <p:nvPicPr>
-          <p:cNvPr id="346" name="Google Shape;346;p18" title="Gf3j8hZawAE-jul.png"/>
+          <p:cNvPr id="348" name="Google Shape;348;p18" title="Gf3j8hZawAE-jul.png"/>
           <p:cNvPicPr preferRelativeResize="0"/>
           <p:nvPr/>
         </p:nvPicPr>
@@ -19343,7 +19443,7 @@
       </p:pic>
       <p:sp>
         <p:nvSpPr>
-          <p:cNvPr id="347" name="Google Shape;347;p18"/>
+          <p:cNvPr id="349" name="Google Shape;349;p18"/>
           <p:cNvSpPr/>
           <p:nvPr/>
         </p:nvSpPr>
@@ -19397,7 +19497,7 @@
       </p:sp>
       <p:sp>
         <p:nvSpPr>
-          <p:cNvPr id="348" name="Google Shape;348;p18"/>
+          <p:cNvPr id="350" name="Google Shape;350;p18"/>
           <p:cNvSpPr txBox="1"/>
           <p:nvPr/>
         </p:nvSpPr>
@@ -19642,7 +19742,7 @@
   <p:cSld>
     <p:spTree>
       <p:nvGrpSpPr>
-        <p:cNvPr id="352" name="Shape 352"/>
+        <p:cNvPr id="354" name="Shape 354"/>
         <p:cNvGrpSpPr/>
         <p:nvPr/>
       </p:nvGrpSpPr>
@@ -19656,7 +19756,7 @@
       </p:grpSpPr>
       <p:sp>
         <p:nvSpPr>
-          <p:cNvPr id="353" name="Google Shape;353;p19"/>
+          <p:cNvPr id="355" name="Google Shape;355;p19"/>
           <p:cNvSpPr txBox="1"/>
           <p:nvPr>
             <p:ph type="title"/>
@@ -19696,7 +19796,7 @@
       </p:sp>
       <p:sp>
         <p:nvSpPr>
-          <p:cNvPr id="354" name="Google Shape;354;p19"/>
+          <p:cNvPr id="356" name="Google Shape;356;p19"/>
           <p:cNvSpPr/>
           <p:nvPr/>
         </p:nvSpPr>
@@ -19750,7 +19850,7 @@
       </p:sp>
       <p:sp>
         <p:nvSpPr>
-          <p:cNvPr id="355" name="Google Shape;355;p19"/>
+          <p:cNvPr id="357" name="Google Shape;357;p19"/>
           <p:cNvSpPr txBox="1"/>
           <p:nvPr/>
         </p:nvSpPr>
@@ -19808,7 +19908,7 @@
       </p:sp>
       <p:sp>
         <p:nvSpPr>
-          <p:cNvPr id="356" name="Google Shape;356;p19"/>
+          <p:cNvPr id="358" name="Google Shape;358;p19"/>
           <p:cNvSpPr/>
           <p:nvPr/>
         </p:nvSpPr>
@@ -19862,7 +19962,7 @@
       </p:sp>
       <p:sp>
         <p:nvSpPr>
-          <p:cNvPr id="357" name="Google Shape;357;p19"/>
+          <p:cNvPr id="359" name="Google Shape;359;p19"/>
           <p:cNvSpPr txBox="1"/>
           <p:nvPr/>
         </p:nvSpPr>
@@ -19920,7 +20020,7 @@
       </p:sp>
       <p:sp>
         <p:nvSpPr>
-          <p:cNvPr id="358" name="Google Shape;358;p19"/>
+          <p:cNvPr id="360" name="Google Shape;360;p19"/>
           <p:cNvSpPr/>
           <p:nvPr/>
         </p:nvSpPr>
@@ -19974,7 +20074,7 @@
       </p:sp>
       <p:sp>
         <p:nvSpPr>
-          <p:cNvPr id="359" name="Google Shape;359;p19"/>
+          <p:cNvPr id="361" name="Google Shape;361;p19"/>
           <p:cNvSpPr txBox="1"/>
           <p:nvPr/>
         </p:nvSpPr>
@@ -20032,7 +20132,7 @@
       </p:sp>
       <p:cxnSp>
         <p:nvCxnSpPr>
-          <p:cNvPr id="360" name="Google Shape;360;p19"/>
+          <p:cNvPr id="362" name="Google Shape;362;p19"/>
           <p:cNvCxnSpPr/>
           <p:nvPr/>
         </p:nvCxnSpPr>
@@ -20058,7 +20158,7 @@
       </p:cxnSp>
       <p:cxnSp>
         <p:nvCxnSpPr>
-          <p:cNvPr id="361" name="Google Shape;361;p19"/>
+          <p:cNvPr id="363" name="Google Shape;363;p19"/>
           <p:cNvCxnSpPr/>
           <p:nvPr/>
         </p:nvCxnSpPr>
@@ -20084,7 +20184,7 @@
       </p:cxnSp>
       <p:cxnSp>
         <p:nvCxnSpPr>
-          <p:cNvPr id="362" name="Google Shape;362;p19"/>
+          <p:cNvPr id="364" name="Google Shape;364;p19"/>
           <p:cNvCxnSpPr/>
           <p:nvPr/>
         </p:nvCxnSpPr>
@@ -20110,7 +20210,7 @@
       </p:cxnSp>
       <p:sp>
         <p:nvSpPr>
-          <p:cNvPr id="363" name="Google Shape;363;p19"/>
+          <p:cNvPr id="365" name="Google Shape;365;p19"/>
           <p:cNvSpPr txBox="1"/>
           <p:nvPr/>
         </p:nvSpPr>
@@ -20168,7 +20268,7 @@
       </p:sp>
       <p:sp>
         <p:nvSpPr>
-          <p:cNvPr id="364" name="Google Shape;364;p19"/>
+          <p:cNvPr id="366" name="Google Shape;366;p19"/>
           <p:cNvSpPr txBox="1"/>
           <p:nvPr/>
         </p:nvSpPr>
@@ -20226,7 +20326,7 @@
       </p:sp>
       <p:sp>
         <p:nvSpPr>
-          <p:cNvPr id="365" name="Google Shape;365;p19"/>
+          <p:cNvPr id="367" name="Google Shape;367;p19"/>
           <p:cNvSpPr txBox="1"/>
           <p:nvPr/>
         </p:nvSpPr>
@@ -20296,7 +20396,7 @@
       </p:sp>
       <p:sp>
         <p:nvSpPr>
-          <p:cNvPr id="366" name="Google Shape;366;p19"/>
+          <p:cNvPr id="368" name="Google Shape;368;p19"/>
           <p:cNvSpPr txBox="1"/>
           <p:nvPr/>
         </p:nvSpPr>
@@ -20354,7 +20454,7 @@
       </p:sp>
       <p:sp>
         <p:nvSpPr>
-          <p:cNvPr id="367" name="Google Shape;367;p19"/>
+          <p:cNvPr id="369" name="Google Shape;369;p19"/>
           <p:cNvSpPr txBox="1"/>
           <p:nvPr/>
         </p:nvSpPr>
@@ -20455,7 +20555,7 @@
   <p:cSld>
     <p:spTree>
       <p:nvGrpSpPr>
-        <p:cNvPr id="371" name="Shape 371"/>
+        <p:cNvPr id="373" name="Shape 373"/>
         <p:cNvGrpSpPr/>
         <p:nvPr/>
       </p:nvGrpSpPr>
@@ -20469,7 +20569,7 @@
       </p:grpSpPr>
       <p:sp>
         <p:nvSpPr>
-          <p:cNvPr id="372" name="Google Shape;372;p20"/>
+          <p:cNvPr id="374" name="Google Shape;374;p20"/>
           <p:cNvSpPr txBox="1"/>
           <p:nvPr>
             <p:ph type="title"/>
@@ -20509,7 +20609,7 @@
       </p:sp>
       <p:sp>
         <p:nvSpPr>
-          <p:cNvPr id="373" name="Google Shape;373;p20"/>
+          <p:cNvPr id="375" name="Google Shape;375;p20"/>
           <p:cNvSpPr/>
           <p:nvPr/>
         </p:nvSpPr>
@@ -20571,7 +20671,7 @@
       </p:sp>
       <p:sp>
         <p:nvSpPr>
-          <p:cNvPr id="374" name="Google Shape;374;p20"/>
+          <p:cNvPr id="376" name="Google Shape;376;p20"/>
           <p:cNvSpPr/>
           <p:nvPr/>
         </p:nvSpPr>
@@ -20625,7 +20725,7 @@
       </p:sp>
       <p:sp>
         <p:nvSpPr>
-          <p:cNvPr id="375" name="Google Shape;375;p20"/>
+          <p:cNvPr id="377" name="Google Shape;377;p20"/>
           <p:cNvSpPr/>
           <p:nvPr/>
         </p:nvSpPr>
@@ -20827,7 +20927,7 @@
       </p:sp>
       <p:sp>
         <p:nvSpPr>
-          <p:cNvPr id="376" name="Google Shape;376;p20"/>
+          <p:cNvPr id="378" name="Google Shape;378;p20"/>
           <p:cNvSpPr/>
           <p:nvPr/>
         </p:nvSpPr>
@@ -20887,7 +20987,7 @@
       </p:sp>
       <p:sp>
         <p:nvSpPr>
-          <p:cNvPr id="377" name="Google Shape;377;p20"/>
+          <p:cNvPr id="379" name="Google Shape;379;p20"/>
           <p:cNvSpPr/>
           <p:nvPr/>
         </p:nvSpPr>
@@ -20947,10 +21047,10 @@
       </p:sp>
       <p:cxnSp>
         <p:nvCxnSpPr>
-          <p:cNvPr id="378" name="Google Shape;378;p20"/>
+          <p:cNvPr id="380" name="Google Shape;380;p20"/>
           <p:cNvCxnSpPr>
-            <a:stCxn id="376" idx="2"/>
-            <a:endCxn id="377" idx="0"/>
+            <a:stCxn id="378" idx="2"/>
+            <a:endCxn id="379" idx="0"/>
           </p:cNvCxnSpPr>
           <p:nvPr/>
         </p:nvCxnSpPr>
@@ -20978,7 +21078,7 @@
       </p:cxnSp>
       <p:sp>
         <p:nvSpPr>
-          <p:cNvPr id="379" name="Google Shape;379;p20"/>
+          <p:cNvPr id="381" name="Google Shape;381;p20"/>
           <p:cNvSpPr txBox="1"/>
           <p:nvPr/>
         </p:nvSpPr>
@@ -21036,7 +21136,7 @@
       </p:sp>
       <p:sp>
         <p:nvSpPr>
-          <p:cNvPr id="380" name="Google Shape;380;p20"/>
+          <p:cNvPr id="382" name="Google Shape;382;p20"/>
           <p:cNvSpPr/>
           <p:nvPr/>
         </p:nvSpPr>
@@ -21107,7 +21207,7 @@
       </p:sp>
       <p:sp>
         <p:nvSpPr>
-          <p:cNvPr id="381" name="Google Shape;381;p20"/>
+          <p:cNvPr id="383" name="Google Shape;383;p20"/>
           <p:cNvSpPr/>
           <p:nvPr/>
         </p:nvSpPr>
@@ -21161,10 +21261,10 @@
       </p:sp>
       <p:cxnSp>
         <p:nvCxnSpPr>
-          <p:cNvPr id="382" name="Google Shape;382;p20"/>
+          <p:cNvPr id="384" name="Google Shape;384;p20"/>
           <p:cNvCxnSpPr>
-            <a:stCxn id="383" idx="3"/>
-            <a:endCxn id="375" idx="1"/>
+            <a:stCxn id="385" idx="3"/>
+            <a:endCxn id="377" idx="1"/>
           </p:cNvCxnSpPr>
           <p:nvPr/>
         </p:nvCxnSpPr>
@@ -21190,7 +21290,7 @@
       </p:cxnSp>
       <p:sp>
         <p:nvSpPr>
-          <p:cNvPr id="384" name="Google Shape;384;p20"/>
+          <p:cNvPr id="386" name="Google Shape;386;p20"/>
           <p:cNvSpPr txBox="1"/>
           <p:nvPr/>
         </p:nvSpPr>
@@ -21248,7 +21348,7 @@
       </p:sp>
       <p:sp>
         <p:nvSpPr>
-          <p:cNvPr id="385" name="Google Shape;385;p20"/>
+          <p:cNvPr id="387" name="Google Shape;387;p20"/>
           <p:cNvSpPr txBox="1"/>
           <p:nvPr/>
         </p:nvSpPr>
@@ -21306,7 +21406,7 @@
       </p:sp>
       <p:sp>
         <p:nvSpPr>
-          <p:cNvPr id="386" name="Google Shape;386;p20"/>
+          <p:cNvPr id="388" name="Google Shape;388;p20"/>
           <p:cNvSpPr txBox="1"/>
           <p:nvPr/>
         </p:nvSpPr>
@@ -21364,7 +21464,7 @@
       </p:sp>
       <p:pic>
         <p:nvPicPr>
-          <p:cNvPr id="387" name="Google Shape;387;p20" title="PXL_20250318_142658821.jpg"/>
+          <p:cNvPr id="389" name="Google Shape;389;p20" title="PXL_20250318_142658821.jpg"/>
           <p:cNvPicPr preferRelativeResize="0"/>
           <p:nvPr/>
         </p:nvPicPr>
@@ -21391,7 +21491,7 @@
       </p:pic>
       <p:pic>
         <p:nvPicPr>
-          <p:cNvPr id="388" name="Google Shape;388;p20" title="PXL_20250318_142402379.jpg"/>
+          <p:cNvPr id="390" name="Google Shape;390;p20" title="PXL_20250318_142402379.jpg"/>
           <p:cNvPicPr preferRelativeResize="0"/>
           <p:nvPr/>
         </p:nvPicPr>
@@ -21418,7 +21518,7 @@
       </p:pic>
       <p:pic>
         <p:nvPicPr>
-          <p:cNvPr id="389" name="Google Shape;389;p20" title="PXL_20250318_141826611.jpg"/>
+          <p:cNvPr id="391" name="Google Shape;391;p20" title="PXL_20250318_141826611.jpg"/>
           <p:cNvPicPr preferRelativeResize="0"/>
           <p:nvPr/>
         </p:nvPicPr>
@@ -21445,7 +21545,7 @@
       </p:pic>
       <p:sp>
         <p:nvSpPr>
-          <p:cNvPr id="383" name="Google Shape;383;p20"/>
+          <p:cNvPr id="385" name="Google Shape;385;p20"/>
           <p:cNvSpPr/>
           <p:nvPr/>
         </p:nvSpPr>
@@ -21507,7 +21607,7 @@
       </p:sp>
       <p:cxnSp>
         <p:nvCxnSpPr>
-          <p:cNvPr id="390" name="Google Shape;390;p20"/>
+          <p:cNvPr id="392" name="Google Shape;392;p20"/>
           <p:cNvCxnSpPr/>
           <p:nvPr/>
         </p:nvCxnSpPr>
@@ -21533,7 +21633,7 @@
       </p:cxnSp>
       <p:sp>
         <p:nvSpPr>
-          <p:cNvPr id="391" name="Google Shape;391;p20"/>
+          <p:cNvPr id="393" name="Google Shape;393;p20"/>
           <p:cNvSpPr txBox="1"/>
           <p:nvPr/>
         </p:nvSpPr>
@@ -21591,7 +21691,7 @@
       </p:sp>
       <p:cxnSp>
         <p:nvCxnSpPr>
-          <p:cNvPr id="392" name="Google Shape;392;p20"/>
+          <p:cNvPr id="394" name="Google Shape;394;p20"/>
           <p:cNvCxnSpPr/>
           <p:nvPr/>
         </p:nvCxnSpPr>
@@ -21617,7 +21717,7 @@
       </p:cxnSp>
       <p:sp>
         <p:nvSpPr>
-          <p:cNvPr id="393" name="Google Shape;393;p20"/>
+          <p:cNvPr id="395" name="Google Shape;395;p20"/>
           <p:cNvSpPr txBox="1"/>
           <p:nvPr/>
         </p:nvSpPr>
@@ -21686,7 +21786,7 @@
   <p:cSld>
     <p:spTree>
       <p:nvGrpSpPr>
-        <p:cNvPr id="397" name="Shape 397"/>
+        <p:cNvPr id="399" name="Shape 399"/>
         <p:cNvGrpSpPr/>
         <p:nvPr/>
       </p:nvGrpSpPr>
@@ -21700,7 +21800,7 @@
       </p:grpSpPr>
       <p:sp>
         <p:nvSpPr>
-          <p:cNvPr id="398" name="Google Shape;398;p21"/>
+          <p:cNvPr id="400" name="Google Shape;400;p21"/>
           <p:cNvSpPr txBox="1"/>
           <p:nvPr>
             <p:ph type="title"/>
@@ -21740,7 +21840,7 @@
       </p:sp>
       <p:sp>
         <p:nvSpPr>
-          <p:cNvPr id="399" name="Google Shape;399;p21"/>
+          <p:cNvPr id="401" name="Google Shape;401;p21"/>
           <p:cNvSpPr txBox="1"/>
           <p:nvPr>
             <p:ph idx="1" type="body"/>
